--- a/02_tuesday/tuesday.pptx
+++ b/02_tuesday/tuesday.pptx
@@ -4,8 +4,40 @@
   <p:sldMasterIdLst>
     <p:sldMasterId id="2147483648" r:id="rId1"/>
   </p:sldMasterIdLst>
+  <p:notesMasterIdLst>
+    <p:notesMasterId r:id="rId32"/>
+  </p:notesMasterIdLst>
   <p:sldIdLst>
     <p:sldId id="256" r:id="rId2"/>
+    <p:sldId id="272" r:id="rId3"/>
+    <p:sldId id="258" r:id="rId4"/>
+    <p:sldId id="259" r:id="rId5"/>
+    <p:sldId id="260" r:id="rId6"/>
+    <p:sldId id="261" r:id="rId7"/>
+    <p:sldId id="262" r:id="rId8"/>
+    <p:sldId id="263" r:id="rId9"/>
+    <p:sldId id="264" r:id="rId10"/>
+    <p:sldId id="265" r:id="rId11"/>
+    <p:sldId id="266" r:id="rId12"/>
+    <p:sldId id="267" r:id="rId13"/>
+    <p:sldId id="268" r:id="rId14"/>
+    <p:sldId id="269" r:id="rId15"/>
+    <p:sldId id="270" r:id="rId16"/>
+    <p:sldId id="271" r:id="rId17"/>
+    <p:sldId id="277" r:id="rId18"/>
+    <p:sldId id="278" r:id="rId19"/>
+    <p:sldId id="286" r:id="rId20"/>
+    <p:sldId id="279" r:id="rId21"/>
+    <p:sldId id="280" r:id="rId22"/>
+    <p:sldId id="281" r:id="rId23"/>
+    <p:sldId id="282" r:id="rId24"/>
+    <p:sldId id="283" r:id="rId25"/>
+    <p:sldId id="284" r:id="rId26"/>
+    <p:sldId id="285" r:id="rId27"/>
+    <p:sldId id="273" r:id="rId28"/>
+    <p:sldId id="274" r:id="rId29"/>
+    <p:sldId id="275" r:id="rId30"/>
+    <p:sldId id="276" r:id="rId31"/>
   </p:sldIdLst>
   <p:sldSz cx="12192000" cy="6858000"/>
   <p:notesSz cx="6858000" cy="9144000"/>
@@ -105,6 +137,2876 @@
     </a:lvl9pPr>
   </p:defaultTextStyle>
 </p:presentation>
+</file>
+
+<file path=ppt/notesMasters/notesMaster1.xml><?xml version="1.0" encoding="utf-8"?>
+<p:notesMaster xmlns:a="http://schemas.openxmlformats.org/drawingml/2006/main" xmlns:r="http://schemas.openxmlformats.org/officeDocument/2006/relationships" xmlns:p="http://schemas.openxmlformats.org/presentationml/2006/main">
+  <p:cSld>
+    <p:bg>
+      <p:bgRef idx="1001">
+        <a:schemeClr val="bg1"/>
+      </p:bgRef>
+    </p:bg>
+    <p:spTree>
+      <p:nvGrpSpPr>
+        <p:cNvPr id="1" name=""/>
+        <p:cNvGrpSpPr/>
+        <p:nvPr/>
+      </p:nvGrpSpPr>
+      <p:grpSpPr>
+        <a:xfrm>
+          <a:off x="0" y="0"/>
+          <a:ext cx="0" cy="0"/>
+          <a:chOff x="0" y="0"/>
+          <a:chExt cx="0" cy="0"/>
+        </a:xfrm>
+      </p:grpSpPr>
+      <p:sp>
+        <p:nvSpPr>
+          <p:cNvPr id="2" name="Header Placeholder 1"/>
+          <p:cNvSpPr>
+            <a:spLocks noGrp="1"/>
+          </p:cNvSpPr>
+          <p:nvPr>
+            <p:ph type="hdr" sz="quarter"/>
+          </p:nvPr>
+        </p:nvSpPr>
+        <p:spPr>
+          <a:xfrm>
+            <a:off x="0" y="0"/>
+            <a:ext cx="2971800" cy="458788"/>
+          </a:xfrm>
+          <a:prstGeom prst="rect">
+            <a:avLst/>
+          </a:prstGeom>
+        </p:spPr>
+        <p:txBody>
+          <a:bodyPr vert="horz" lIns="91440" tIns="45720" rIns="91440" bIns="45720" rtlCol="0"/>
+          <a:lstStyle>
+            <a:lvl1pPr algn="l">
+              <a:defRPr sz="1200"/>
+            </a:lvl1pPr>
+          </a:lstStyle>
+          <a:p>
+            <a:endParaRPr lang="en-US"/>
+          </a:p>
+        </p:txBody>
+      </p:sp>
+      <p:sp>
+        <p:nvSpPr>
+          <p:cNvPr id="3" name="Date Placeholder 2"/>
+          <p:cNvSpPr>
+            <a:spLocks noGrp="1"/>
+          </p:cNvSpPr>
+          <p:nvPr>
+            <p:ph type="dt" idx="1"/>
+          </p:nvPr>
+        </p:nvSpPr>
+        <p:spPr>
+          <a:xfrm>
+            <a:off x="3884613" y="0"/>
+            <a:ext cx="2971800" cy="458788"/>
+          </a:xfrm>
+          <a:prstGeom prst="rect">
+            <a:avLst/>
+          </a:prstGeom>
+        </p:spPr>
+        <p:txBody>
+          <a:bodyPr vert="horz" lIns="91440" tIns="45720" rIns="91440" bIns="45720" rtlCol="0"/>
+          <a:lstStyle>
+            <a:lvl1pPr algn="r">
+              <a:defRPr sz="1200"/>
+            </a:lvl1pPr>
+          </a:lstStyle>
+          <a:p>
+            <a:fld id="{78E76609-E31E-B442-8BC2-B1549DF0BD1F}" type="datetimeFigureOut">
+              <a:rPr lang="en-US" smtClean="0"/>
+              <a:t>5/25/18</a:t>
+            </a:fld>
+            <a:endParaRPr lang="en-US"/>
+          </a:p>
+        </p:txBody>
+      </p:sp>
+      <p:sp>
+        <p:nvSpPr>
+          <p:cNvPr id="4" name="Slide Image Placeholder 3"/>
+          <p:cNvSpPr>
+            <a:spLocks noGrp="1" noRot="1" noChangeAspect="1"/>
+          </p:cNvSpPr>
+          <p:nvPr>
+            <p:ph type="sldImg" idx="2"/>
+          </p:nvPr>
+        </p:nvSpPr>
+        <p:spPr>
+          <a:xfrm>
+            <a:off x="685800" y="1143000"/>
+            <a:ext cx="5486400" cy="3086100"/>
+          </a:xfrm>
+          <a:prstGeom prst="rect">
+            <a:avLst/>
+          </a:prstGeom>
+          <a:noFill/>
+          <a:ln w="12700">
+            <a:solidFill>
+              <a:prstClr val="black"/>
+            </a:solidFill>
+          </a:ln>
+        </p:spPr>
+        <p:txBody>
+          <a:bodyPr vert="horz" lIns="91440" tIns="45720" rIns="91440" bIns="45720" rtlCol="0" anchor="ctr"/>
+          <a:lstStyle/>
+          <a:p>
+            <a:endParaRPr lang="en-US"/>
+          </a:p>
+        </p:txBody>
+      </p:sp>
+      <p:sp>
+        <p:nvSpPr>
+          <p:cNvPr id="5" name="Notes Placeholder 4"/>
+          <p:cNvSpPr>
+            <a:spLocks noGrp="1"/>
+          </p:cNvSpPr>
+          <p:nvPr>
+            <p:ph type="body" sz="quarter" idx="3"/>
+          </p:nvPr>
+        </p:nvSpPr>
+        <p:spPr>
+          <a:xfrm>
+            <a:off x="685800" y="4400550"/>
+            <a:ext cx="5486400" cy="3600450"/>
+          </a:xfrm>
+          <a:prstGeom prst="rect">
+            <a:avLst/>
+          </a:prstGeom>
+        </p:spPr>
+        <p:txBody>
+          <a:bodyPr vert="horz" lIns="91440" tIns="45720" rIns="91440" bIns="45720" rtlCol="0"/>
+          <a:lstStyle/>
+          <a:p>
+            <a:pPr lvl="0"/>
+            <a:r>
+              <a:rPr lang="en-US" smtClean="0"/>
+              <a:t>Click to edit Master text styles</a:t>
+            </a:r>
+          </a:p>
+          <a:p>
+            <a:pPr lvl="1"/>
+            <a:r>
+              <a:rPr lang="en-US" smtClean="0"/>
+              <a:t>Second level</a:t>
+            </a:r>
+          </a:p>
+          <a:p>
+            <a:pPr lvl="2"/>
+            <a:r>
+              <a:rPr lang="en-US" smtClean="0"/>
+              <a:t>Third level</a:t>
+            </a:r>
+          </a:p>
+          <a:p>
+            <a:pPr lvl="3"/>
+            <a:r>
+              <a:rPr lang="en-US" smtClean="0"/>
+              <a:t>Fourth level</a:t>
+            </a:r>
+          </a:p>
+          <a:p>
+            <a:pPr lvl="4"/>
+            <a:r>
+              <a:rPr lang="en-US" smtClean="0"/>
+              <a:t>Fifth level</a:t>
+            </a:r>
+            <a:endParaRPr lang="en-US"/>
+          </a:p>
+        </p:txBody>
+      </p:sp>
+      <p:sp>
+        <p:nvSpPr>
+          <p:cNvPr id="6" name="Footer Placeholder 5"/>
+          <p:cNvSpPr>
+            <a:spLocks noGrp="1"/>
+          </p:cNvSpPr>
+          <p:nvPr>
+            <p:ph type="ftr" sz="quarter" idx="4"/>
+          </p:nvPr>
+        </p:nvSpPr>
+        <p:spPr>
+          <a:xfrm>
+            <a:off x="0" y="8685213"/>
+            <a:ext cx="2971800" cy="458787"/>
+          </a:xfrm>
+          <a:prstGeom prst="rect">
+            <a:avLst/>
+          </a:prstGeom>
+        </p:spPr>
+        <p:txBody>
+          <a:bodyPr vert="horz" lIns="91440" tIns="45720" rIns="91440" bIns="45720" rtlCol="0" anchor="b"/>
+          <a:lstStyle>
+            <a:lvl1pPr algn="l">
+              <a:defRPr sz="1200"/>
+            </a:lvl1pPr>
+          </a:lstStyle>
+          <a:p>
+            <a:endParaRPr lang="en-US"/>
+          </a:p>
+        </p:txBody>
+      </p:sp>
+      <p:sp>
+        <p:nvSpPr>
+          <p:cNvPr id="7" name="Slide Number Placeholder 6"/>
+          <p:cNvSpPr>
+            <a:spLocks noGrp="1"/>
+          </p:cNvSpPr>
+          <p:nvPr>
+            <p:ph type="sldNum" sz="quarter" idx="5"/>
+          </p:nvPr>
+        </p:nvSpPr>
+        <p:spPr>
+          <a:xfrm>
+            <a:off x="3884613" y="8685213"/>
+            <a:ext cx="2971800" cy="458787"/>
+          </a:xfrm>
+          <a:prstGeom prst="rect">
+            <a:avLst/>
+          </a:prstGeom>
+        </p:spPr>
+        <p:txBody>
+          <a:bodyPr vert="horz" lIns="91440" tIns="45720" rIns="91440" bIns="45720" rtlCol="0" anchor="b"/>
+          <a:lstStyle>
+            <a:lvl1pPr algn="r">
+              <a:defRPr sz="1200"/>
+            </a:lvl1pPr>
+          </a:lstStyle>
+          <a:p>
+            <a:fld id="{99C44017-C63E-BF43-859B-98FD6A1827B1}" type="slidenum">
+              <a:rPr lang="en-US" smtClean="0"/>
+              <a:t>‹#›</a:t>
+            </a:fld>
+            <a:endParaRPr lang="en-US"/>
+          </a:p>
+        </p:txBody>
+      </p:sp>
+    </p:spTree>
+    <p:extLst>
+      <p:ext uri="{BB962C8B-B14F-4D97-AF65-F5344CB8AC3E}">
+        <p14:creationId xmlns:p14="http://schemas.microsoft.com/office/powerpoint/2010/main" val="855206264"/>
+      </p:ext>
+    </p:extLst>
+  </p:cSld>
+  <p:clrMap bg1="lt1" tx1="dk1" bg2="lt2" tx2="dk2" accent1="accent1" accent2="accent2" accent3="accent3" accent4="accent4" accent5="accent5" accent6="accent6" hlink="hlink" folHlink="folHlink"/>
+  <p:notesStyle>
+    <a:lvl1pPr marL="0" algn="l" defTabSz="914400" rtl="0" eaLnBrk="1" latinLnBrk="0" hangingPunct="1">
+      <a:defRPr sz="1200" kern="1200">
+        <a:solidFill>
+          <a:schemeClr val="tx1"/>
+        </a:solidFill>
+        <a:latin typeface="+mn-lt"/>
+        <a:ea typeface="+mn-ea"/>
+        <a:cs typeface="+mn-cs"/>
+      </a:defRPr>
+    </a:lvl1pPr>
+    <a:lvl2pPr marL="457200" algn="l" defTabSz="914400" rtl="0" eaLnBrk="1" latinLnBrk="0" hangingPunct="1">
+      <a:defRPr sz="1200" kern="1200">
+        <a:solidFill>
+          <a:schemeClr val="tx1"/>
+        </a:solidFill>
+        <a:latin typeface="+mn-lt"/>
+        <a:ea typeface="+mn-ea"/>
+        <a:cs typeface="+mn-cs"/>
+      </a:defRPr>
+    </a:lvl2pPr>
+    <a:lvl3pPr marL="914400" algn="l" defTabSz="914400" rtl="0" eaLnBrk="1" latinLnBrk="0" hangingPunct="1">
+      <a:defRPr sz="1200" kern="1200">
+        <a:solidFill>
+          <a:schemeClr val="tx1"/>
+        </a:solidFill>
+        <a:latin typeface="+mn-lt"/>
+        <a:ea typeface="+mn-ea"/>
+        <a:cs typeface="+mn-cs"/>
+      </a:defRPr>
+    </a:lvl3pPr>
+    <a:lvl4pPr marL="1371600" algn="l" defTabSz="914400" rtl="0" eaLnBrk="1" latinLnBrk="0" hangingPunct="1">
+      <a:defRPr sz="1200" kern="1200">
+        <a:solidFill>
+          <a:schemeClr val="tx1"/>
+        </a:solidFill>
+        <a:latin typeface="+mn-lt"/>
+        <a:ea typeface="+mn-ea"/>
+        <a:cs typeface="+mn-cs"/>
+      </a:defRPr>
+    </a:lvl4pPr>
+    <a:lvl5pPr marL="1828800" algn="l" defTabSz="914400" rtl="0" eaLnBrk="1" latinLnBrk="0" hangingPunct="1">
+      <a:defRPr sz="1200" kern="1200">
+        <a:solidFill>
+          <a:schemeClr val="tx1"/>
+        </a:solidFill>
+        <a:latin typeface="+mn-lt"/>
+        <a:ea typeface="+mn-ea"/>
+        <a:cs typeface="+mn-cs"/>
+      </a:defRPr>
+    </a:lvl5pPr>
+    <a:lvl6pPr marL="2286000" algn="l" defTabSz="914400" rtl="0" eaLnBrk="1" latinLnBrk="0" hangingPunct="1">
+      <a:defRPr sz="1200" kern="1200">
+        <a:solidFill>
+          <a:schemeClr val="tx1"/>
+        </a:solidFill>
+        <a:latin typeface="+mn-lt"/>
+        <a:ea typeface="+mn-ea"/>
+        <a:cs typeface="+mn-cs"/>
+      </a:defRPr>
+    </a:lvl6pPr>
+    <a:lvl7pPr marL="2743200" algn="l" defTabSz="914400" rtl="0" eaLnBrk="1" latinLnBrk="0" hangingPunct="1">
+      <a:defRPr sz="1200" kern="1200">
+        <a:solidFill>
+          <a:schemeClr val="tx1"/>
+        </a:solidFill>
+        <a:latin typeface="+mn-lt"/>
+        <a:ea typeface="+mn-ea"/>
+        <a:cs typeface="+mn-cs"/>
+      </a:defRPr>
+    </a:lvl7pPr>
+    <a:lvl8pPr marL="3200400" algn="l" defTabSz="914400" rtl="0" eaLnBrk="1" latinLnBrk="0" hangingPunct="1">
+      <a:defRPr sz="1200" kern="1200">
+        <a:solidFill>
+          <a:schemeClr val="tx1"/>
+        </a:solidFill>
+        <a:latin typeface="+mn-lt"/>
+        <a:ea typeface="+mn-ea"/>
+        <a:cs typeface="+mn-cs"/>
+      </a:defRPr>
+    </a:lvl8pPr>
+    <a:lvl9pPr marL="3657600" algn="l" defTabSz="914400" rtl="0" eaLnBrk="1" latinLnBrk="0" hangingPunct="1">
+      <a:defRPr sz="1200" kern="1200">
+        <a:solidFill>
+          <a:schemeClr val="tx1"/>
+        </a:solidFill>
+        <a:latin typeface="+mn-lt"/>
+        <a:ea typeface="+mn-ea"/>
+        <a:cs typeface="+mn-cs"/>
+      </a:defRPr>
+    </a:lvl9pPr>
+  </p:notesStyle>
+</p:notesMaster>
+</file>
+
+<file path=ppt/notesSlides/notesSlide1.xml><?xml version="1.0" encoding="utf-8"?>
+<p:notes xmlns:a="http://schemas.openxmlformats.org/drawingml/2006/main" xmlns:r="http://schemas.openxmlformats.org/officeDocument/2006/relationships" xmlns:p="http://schemas.openxmlformats.org/presentationml/2006/main">
+  <p:cSld>
+    <p:spTree>
+      <p:nvGrpSpPr>
+        <p:cNvPr id="1" name=""/>
+        <p:cNvGrpSpPr/>
+        <p:nvPr/>
+      </p:nvGrpSpPr>
+      <p:grpSpPr>
+        <a:xfrm>
+          <a:off x="0" y="0"/>
+          <a:ext cx="0" cy="0"/>
+          <a:chOff x="0" y="0"/>
+          <a:chExt cx="0" cy="0"/>
+        </a:xfrm>
+      </p:grpSpPr>
+      <p:sp>
+        <p:nvSpPr>
+          <p:cNvPr id="2" name="Slide Image Placeholder 1"/>
+          <p:cNvSpPr>
+            <a:spLocks noGrp="1" noRot="1" noChangeAspect="1"/>
+          </p:cNvSpPr>
+          <p:nvPr>
+            <p:ph type="sldImg"/>
+          </p:nvPr>
+        </p:nvSpPr>
+        <p:spPr/>
+      </p:sp>
+      <p:sp>
+        <p:nvSpPr>
+          <p:cNvPr id="3" name="Notes Placeholder 2"/>
+          <p:cNvSpPr>
+            <a:spLocks noGrp="1"/>
+          </p:cNvSpPr>
+          <p:nvPr>
+            <p:ph type="body" idx="1"/>
+          </p:nvPr>
+        </p:nvSpPr>
+        <p:spPr/>
+        <p:txBody>
+          <a:bodyPr/>
+          <a:lstStyle/>
+          <a:p>
+            <a:endParaRPr lang="en-US"/>
+          </a:p>
+        </p:txBody>
+      </p:sp>
+      <p:sp>
+        <p:nvSpPr>
+          <p:cNvPr id="4" name="Slide Number Placeholder 3"/>
+          <p:cNvSpPr>
+            <a:spLocks noGrp="1"/>
+          </p:cNvSpPr>
+          <p:nvPr>
+            <p:ph type="sldNum" sz="quarter" idx="10"/>
+          </p:nvPr>
+        </p:nvSpPr>
+        <p:spPr/>
+        <p:txBody>
+          <a:bodyPr/>
+          <a:lstStyle/>
+          <a:p>
+            <a:fld id="{99C44017-C63E-BF43-859B-98FD6A1827B1}" type="slidenum">
+              <a:rPr lang="en-US" smtClean="0"/>
+              <a:t>1</a:t>
+            </a:fld>
+            <a:endParaRPr lang="en-US"/>
+          </a:p>
+        </p:txBody>
+      </p:sp>
+    </p:spTree>
+    <p:extLst>
+      <p:ext uri="{BB962C8B-B14F-4D97-AF65-F5344CB8AC3E}">
+        <p14:creationId xmlns:p14="http://schemas.microsoft.com/office/powerpoint/2010/main" val="1620134332"/>
+      </p:ext>
+    </p:extLst>
+  </p:cSld>
+  <p:clrMapOvr>
+    <a:masterClrMapping/>
+  </p:clrMapOvr>
+</p:notes>
+</file>
+
+<file path=ppt/notesSlides/notesSlide10.xml><?xml version="1.0" encoding="utf-8"?>
+<p:notes xmlns:a="http://schemas.openxmlformats.org/drawingml/2006/main" xmlns:r="http://schemas.openxmlformats.org/officeDocument/2006/relationships" xmlns:p="http://schemas.openxmlformats.org/presentationml/2006/main">
+  <p:cSld>
+    <p:spTree>
+      <p:nvGrpSpPr>
+        <p:cNvPr id="1" name=""/>
+        <p:cNvGrpSpPr/>
+        <p:nvPr/>
+      </p:nvGrpSpPr>
+      <p:grpSpPr>
+        <a:xfrm>
+          <a:off x="0" y="0"/>
+          <a:ext cx="0" cy="0"/>
+          <a:chOff x="0" y="0"/>
+          <a:chExt cx="0" cy="0"/>
+        </a:xfrm>
+      </p:grpSpPr>
+      <p:sp>
+        <p:nvSpPr>
+          <p:cNvPr id="2" name="Slide Image Placeholder 1"/>
+          <p:cNvSpPr>
+            <a:spLocks noGrp="1" noRot="1" noChangeAspect="1"/>
+          </p:cNvSpPr>
+          <p:nvPr>
+            <p:ph type="sldImg"/>
+          </p:nvPr>
+        </p:nvSpPr>
+        <p:spPr/>
+      </p:sp>
+      <p:sp>
+        <p:nvSpPr>
+          <p:cNvPr id="3" name="Notes Placeholder 2"/>
+          <p:cNvSpPr>
+            <a:spLocks noGrp="1"/>
+          </p:cNvSpPr>
+          <p:nvPr>
+            <p:ph type="body" idx="1"/>
+          </p:nvPr>
+        </p:nvSpPr>
+        <p:spPr/>
+        <p:txBody>
+          <a:bodyPr/>
+          <a:lstStyle/>
+          <a:p>
+            <a:endParaRPr lang="en-US"/>
+          </a:p>
+        </p:txBody>
+      </p:sp>
+      <p:sp>
+        <p:nvSpPr>
+          <p:cNvPr id="4" name="Slide Number Placeholder 3"/>
+          <p:cNvSpPr>
+            <a:spLocks noGrp="1"/>
+          </p:cNvSpPr>
+          <p:nvPr>
+            <p:ph type="sldNum" sz="quarter" idx="10"/>
+          </p:nvPr>
+        </p:nvSpPr>
+        <p:spPr/>
+        <p:txBody>
+          <a:bodyPr/>
+          <a:lstStyle/>
+          <a:p>
+            <a:fld id="{99C44017-C63E-BF43-859B-98FD6A1827B1}" type="slidenum">
+              <a:rPr lang="en-US" smtClean="0"/>
+              <a:t>10</a:t>
+            </a:fld>
+            <a:endParaRPr lang="en-US"/>
+          </a:p>
+        </p:txBody>
+      </p:sp>
+    </p:spTree>
+    <p:extLst>
+      <p:ext uri="{BB962C8B-B14F-4D97-AF65-F5344CB8AC3E}">
+        <p14:creationId xmlns:p14="http://schemas.microsoft.com/office/powerpoint/2010/main" val="817095274"/>
+      </p:ext>
+    </p:extLst>
+  </p:cSld>
+  <p:clrMapOvr>
+    <a:masterClrMapping/>
+  </p:clrMapOvr>
+</p:notes>
+</file>
+
+<file path=ppt/notesSlides/notesSlide11.xml><?xml version="1.0" encoding="utf-8"?>
+<p:notes xmlns:a="http://schemas.openxmlformats.org/drawingml/2006/main" xmlns:r="http://schemas.openxmlformats.org/officeDocument/2006/relationships" xmlns:p="http://schemas.openxmlformats.org/presentationml/2006/main">
+  <p:cSld>
+    <p:spTree>
+      <p:nvGrpSpPr>
+        <p:cNvPr id="1" name=""/>
+        <p:cNvGrpSpPr/>
+        <p:nvPr/>
+      </p:nvGrpSpPr>
+      <p:grpSpPr>
+        <a:xfrm>
+          <a:off x="0" y="0"/>
+          <a:ext cx="0" cy="0"/>
+          <a:chOff x="0" y="0"/>
+          <a:chExt cx="0" cy="0"/>
+        </a:xfrm>
+      </p:grpSpPr>
+      <p:sp>
+        <p:nvSpPr>
+          <p:cNvPr id="2" name="Slide Image Placeholder 1"/>
+          <p:cNvSpPr>
+            <a:spLocks noGrp="1" noRot="1" noChangeAspect="1"/>
+          </p:cNvSpPr>
+          <p:nvPr>
+            <p:ph type="sldImg"/>
+          </p:nvPr>
+        </p:nvSpPr>
+        <p:spPr/>
+      </p:sp>
+      <p:sp>
+        <p:nvSpPr>
+          <p:cNvPr id="3" name="Notes Placeholder 2"/>
+          <p:cNvSpPr>
+            <a:spLocks noGrp="1"/>
+          </p:cNvSpPr>
+          <p:nvPr>
+            <p:ph type="body" idx="1"/>
+          </p:nvPr>
+        </p:nvSpPr>
+        <p:spPr/>
+        <p:txBody>
+          <a:bodyPr/>
+          <a:lstStyle/>
+          <a:p>
+            <a:endParaRPr lang="en-US"/>
+          </a:p>
+        </p:txBody>
+      </p:sp>
+      <p:sp>
+        <p:nvSpPr>
+          <p:cNvPr id="4" name="Slide Number Placeholder 3"/>
+          <p:cNvSpPr>
+            <a:spLocks noGrp="1"/>
+          </p:cNvSpPr>
+          <p:nvPr>
+            <p:ph type="sldNum" sz="quarter" idx="10"/>
+          </p:nvPr>
+        </p:nvSpPr>
+        <p:spPr/>
+        <p:txBody>
+          <a:bodyPr/>
+          <a:lstStyle/>
+          <a:p>
+            <a:fld id="{99C44017-C63E-BF43-859B-98FD6A1827B1}" type="slidenum">
+              <a:rPr lang="en-US" smtClean="0"/>
+              <a:t>11</a:t>
+            </a:fld>
+            <a:endParaRPr lang="en-US"/>
+          </a:p>
+        </p:txBody>
+      </p:sp>
+    </p:spTree>
+    <p:extLst>
+      <p:ext uri="{BB962C8B-B14F-4D97-AF65-F5344CB8AC3E}">
+        <p14:creationId xmlns:p14="http://schemas.microsoft.com/office/powerpoint/2010/main" val="1663889563"/>
+      </p:ext>
+    </p:extLst>
+  </p:cSld>
+  <p:clrMapOvr>
+    <a:masterClrMapping/>
+  </p:clrMapOvr>
+</p:notes>
+</file>
+
+<file path=ppt/notesSlides/notesSlide12.xml><?xml version="1.0" encoding="utf-8"?>
+<p:notes xmlns:a="http://schemas.openxmlformats.org/drawingml/2006/main" xmlns:r="http://schemas.openxmlformats.org/officeDocument/2006/relationships" xmlns:p="http://schemas.openxmlformats.org/presentationml/2006/main">
+  <p:cSld>
+    <p:spTree>
+      <p:nvGrpSpPr>
+        <p:cNvPr id="1" name=""/>
+        <p:cNvGrpSpPr/>
+        <p:nvPr/>
+      </p:nvGrpSpPr>
+      <p:grpSpPr>
+        <a:xfrm>
+          <a:off x="0" y="0"/>
+          <a:ext cx="0" cy="0"/>
+          <a:chOff x="0" y="0"/>
+          <a:chExt cx="0" cy="0"/>
+        </a:xfrm>
+      </p:grpSpPr>
+      <p:sp>
+        <p:nvSpPr>
+          <p:cNvPr id="2" name="Slide Image Placeholder 1"/>
+          <p:cNvSpPr>
+            <a:spLocks noGrp="1" noRot="1" noChangeAspect="1"/>
+          </p:cNvSpPr>
+          <p:nvPr>
+            <p:ph type="sldImg"/>
+          </p:nvPr>
+        </p:nvSpPr>
+        <p:spPr/>
+      </p:sp>
+      <p:sp>
+        <p:nvSpPr>
+          <p:cNvPr id="3" name="Notes Placeholder 2"/>
+          <p:cNvSpPr>
+            <a:spLocks noGrp="1"/>
+          </p:cNvSpPr>
+          <p:nvPr>
+            <p:ph type="body" idx="1"/>
+          </p:nvPr>
+        </p:nvSpPr>
+        <p:spPr/>
+        <p:txBody>
+          <a:bodyPr/>
+          <a:lstStyle/>
+          <a:p>
+            <a:endParaRPr lang="en-US"/>
+          </a:p>
+        </p:txBody>
+      </p:sp>
+      <p:sp>
+        <p:nvSpPr>
+          <p:cNvPr id="4" name="Slide Number Placeholder 3"/>
+          <p:cNvSpPr>
+            <a:spLocks noGrp="1"/>
+          </p:cNvSpPr>
+          <p:nvPr>
+            <p:ph type="sldNum" sz="quarter" idx="10"/>
+          </p:nvPr>
+        </p:nvSpPr>
+        <p:spPr/>
+        <p:txBody>
+          <a:bodyPr/>
+          <a:lstStyle/>
+          <a:p>
+            <a:fld id="{99C44017-C63E-BF43-859B-98FD6A1827B1}" type="slidenum">
+              <a:rPr lang="en-US" smtClean="0"/>
+              <a:t>12</a:t>
+            </a:fld>
+            <a:endParaRPr lang="en-US"/>
+          </a:p>
+        </p:txBody>
+      </p:sp>
+    </p:spTree>
+    <p:extLst>
+      <p:ext uri="{BB962C8B-B14F-4D97-AF65-F5344CB8AC3E}">
+        <p14:creationId xmlns:p14="http://schemas.microsoft.com/office/powerpoint/2010/main" val="746396676"/>
+      </p:ext>
+    </p:extLst>
+  </p:cSld>
+  <p:clrMapOvr>
+    <a:masterClrMapping/>
+  </p:clrMapOvr>
+</p:notes>
+</file>
+
+<file path=ppt/notesSlides/notesSlide13.xml><?xml version="1.0" encoding="utf-8"?>
+<p:notes xmlns:a="http://schemas.openxmlformats.org/drawingml/2006/main" xmlns:r="http://schemas.openxmlformats.org/officeDocument/2006/relationships" xmlns:p="http://schemas.openxmlformats.org/presentationml/2006/main">
+  <p:cSld>
+    <p:spTree>
+      <p:nvGrpSpPr>
+        <p:cNvPr id="1" name=""/>
+        <p:cNvGrpSpPr/>
+        <p:nvPr/>
+      </p:nvGrpSpPr>
+      <p:grpSpPr>
+        <a:xfrm>
+          <a:off x="0" y="0"/>
+          <a:ext cx="0" cy="0"/>
+          <a:chOff x="0" y="0"/>
+          <a:chExt cx="0" cy="0"/>
+        </a:xfrm>
+      </p:grpSpPr>
+      <p:sp>
+        <p:nvSpPr>
+          <p:cNvPr id="2" name="Slide Image Placeholder 1"/>
+          <p:cNvSpPr>
+            <a:spLocks noGrp="1" noRot="1" noChangeAspect="1"/>
+          </p:cNvSpPr>
+          <p:nvPr>
+            <p:ph type="sldImg"/>
+          </p:nvPr>
+        </p:nvSpPr>
+        <p:spPr/>
+      </p:sp>
+      <p:sp>
+        <p:nvSpPr>
+          <p:cNvPr id="3" name="Notes Placeholder 2"/>
+          <p:cNvSpPr>
+            <a:spLocks noGrp="1"/>
+          </p:cNvSpPr>
+          <p:nvPr>
+            <p:ph type="body" idx="1"/>
+          </p:nvPr>
+        </p:nvSpPr>
+        <p:spPr/>
+        <p:txBody>
+          <a:bodyPr/>
+          <a:lstStyle/>
+          <a:p>
+            <a:endParaRPr lang="en-US"/>
+          </a:p>
+        </p:txBody>
+      </p:sp>
+      <p:sp>
+        <p:nvSpPr>
+          <p:cNvPr id="4" name="Slide Number Placeholder 3"/>
+          <p:cNvSpPr>
+            <a:spLocks noGrp="1"/>
+          </p:cNvSpPr>
+          <p:nvPr>
+            <p:ph type="sldNum" sz="quarter" idx="10"/>
+          </p:nvPr>
+        </p:nvSpPr>
+        <p:spPr/>
+        <p:txBody>
+          <a:bodyPr/>
+          <a:lstStyle/>
+          <a:p>
+            <a:fld id="{99C44017-C63E-BF43-859B-98FD6A1827B1}" type="slidenum">
+              <a:rPr lang="en-US" smtClean="0"/>
+              <a:t>13</a:t>
+            </a:fld>
+            <a:endParaRPr lang="en-US"/>
+          </a:p>
+        </p:txBody>
+      </p:sp>
+    </p:spTree>
+    <p:extLst>
+      <p:ext uri="{BB962C8B-B14F-4D97-AF65-F5344CB8AC3E}">
+        <p14:creationId xmlns:p14="http://schemas.microsoft.com/office/powerpoint/2010/main" val="184997015"/>
+      </p:ext>
+    </p:extLst>
+  </p:cSld>
+  <p:clrMapOvr>
+    <a:masterClrMapping/>
+  </p:clrMapOvr>
+</p:notes>
+</file>
+
+<file path=ppt/notesSlides/notesSlide14.xml><?xml version="1.0" encoding="utf-8"?>
+<p:notes xmlns:a="http://schemas.openxmlformats.org/drawingml/2006/main" xmlns:r="http://schemas.openxmlformats.org/officeDocument/2006/relationships" xmlns:p="http://schemas.openxmlformats.org/presentationml/2006/main">
+  <p:cSld>
+    <p:spTree>
+      <p:nvGrpSpPr>
+        <p:cNvPr id="1" name=""/>
+        <p:cNvGrpSpPr/>
+        <p:nvPr/>
+      </p:nvGrpSpPr>
+      <p:grpSpPr>
+        <a:xfrm>
+          <a:off x="0" y="0"/>
+          <a:ext cx="0" cy="0"/>
+          <a:chOff x="0" y="0"/>
+          <a:chExt cx="0" cy="0"/>
+        </a:xfrm>
+      </p:grpSpPr>
+      <p:sp>
+        <p:nvSpPr>
+          <p:cNvPr id="2" name="Slide Image Placeholder 1"/>
+          <p:cNvSpPr>
+            <a:spLocks noGrp="1" noRot="1" noChangeAspect="1"/>
+          </p:cNvSpPr>
+          <p:nvPr>
+            <p:ph type="sldImg"/>
+          </p:nvPr>
+        </p:nvSpPr>
+        <p:spPr/>
+      </p:sp>
+      <p:sp>
+        <p:nvSpPr>
+          <p:cNvPr id="3" name="Notes Placeholder 2"/>
+          <p:cNvSpPr>
+            <a:spLocks noGrp="1"/>
+          </p:cNvSpPr>
+          <p:nvPr>
+            <p:ph type="body" idx="1"/>
+          </p:nvPr>
+        </p:nvSpPr>
+        <p:spPr/>
+        <p:txBody>
+          <a:bodyPr/>
+          <a:lstStyle/>
+          <a:p>
+            <a:endParaRPr lang="en-US"/>
+          </a:p>
+        </p:txBody>
+      </p:sp>
+      <p:sp>
+        <p:nvSpPr>
+          <p:cNvPr id="4" name="Slide Number Placeholder 3"/>
+          <p:cNvSpPr>
+            <a:spLocks noGrp="1"/>
+          </p:cNvSpPr>
+          <p:nvPr>
+            <p:ph type="sldNum" sz="quarter" idx="10"/>
+          </p:nvPr>
+        </p:nvSpPr>
+        <p:spPr/>
+        <p:txBody>
+          <a:bodyPr/>
+          <a:lstStyle/>
+          <a:p>
+            <a:fld id="{99C44017-C63E-BF43-859B-98FD6A1827B1}" type="slidenum">
+              <a:rPr lang="en-US" smtClean="0"/>
+              <a:t>14</a:t>
+            </a:fld>
+            <a:endParaRPr lang="en-US"/>
+          </a:p>
+        </p:txBody>
+      </p:sp>
+    </p:spTree>
+    <p:extLst>
+      <p:ext uri="{BB962C8B-B14F-4D97-AF65-F5344CB8AC3E}">
+        <p14:creationId xmlns:p14="http://schemas.microsoft.com/office/powerpoint/2010/main" val="266705432"/>
+      </p:ext>
+    </p:extLst>
+  </p:cSld>
+  <p:clrMapOvr>
+    <a:masterClrMapping/>
+  </p:clrMapOvr>
+</p:notes>
+</file>
+
+<file path=ppt/notesSlides/notesSlide15.xml><?xml version="1.0" encoding="utf-8"?>
+<p:notes xmlns:a="http://schemas.openxmlformats.org/drawingml/2006/main" xmlns:r="http://schemas.openxmlformats.org/officeDocument/2006/relationships" xmlns:p="http://schemas.openxmlformats.org/presentationml/2006/main">
+  <p:cSld>
+    <p:spTree>
+      <p:nvGrpSpPr>
+        <p:cNvPr id="1" name=""/>
+        <p:cNvGrpSpPr/>
+        <p:nvPr/>
+      </p:nvGrpSpPr>
+      <p:grpSpPr>
+        <a:xfrm>
+          <a:off x="0" y="0"/>
+          <a:ext cx="0" cy="0"/>
+          <a:chOff x="0" y="0"/>
+          <a:chExt cx="0" cy="0"/>
+        </a:xfrm>
+      </p:grpSpPr>
+      <p:sp>
+        <p:nvSpPr>
+          <p:cNvPr id="2" name="Slide Image Placeholder 1"/>
+          <p:cNvSpPr>
+            <a:spLocks noGrp="1" noRot="1" noChangeAspect="1"/>
+          </p:cNvSpPr>
+          <p:nvPr>
+            <p:ph type="sldImg"/>
+          </p:nvPr>
+        </p:nvSpPr>
+        <p:spPr/>
+      </p:sp>
+      <p:sp>
+        <p:nvSpPr>
+          <p:cNvPr id="3" name="Notes Placeholder 2"/>
+          <p:cNvSpPr>
+            <a:spLocks noGrp="1"/>
+          </p:cNvSpPr>
+          <p:nvPr>
+            <p:ph type="body" idx="1"/>
+          </p:nvPr>
+        </p:nvSpPr>
+        <p:spPr/>
+        <p:txBody>
+          <a:bodyPr/>
+          <a:lstStyle/>
+          <a:p>
+            <a:endParaRPr lang="en-US"/>
+          </a:p>
+        </p:txBody>
+      </p:sp>
+      <p:sp>
+        <p:nvSpPr>
+          <p:cNvPr id="4" name="Slide Number Placeholder 3"/>
+          <p:cNvSpPr>
+            <a:spLocks noGrp="1"/>
+          </p:cNvSpPr>
+          <p:nvPr>
+            <p:ph type="sldNum" sz="quarter" idx="10"/>
+          </p:nvPr>
+        </p:nvSpPr>
+        <p:spPr/>
+        <p:txBody>
+          <a:bodyPr/>
+          <a:lstStyle/>
+          <a:p>
+            <a:fld id="{99C44017-C63E-BF43-859B-98FD6A1827B1}" type="slidenum">
+              <a:rPr lang="en-US" smtClean="0"/>
+              <a:t>15</a:t>
+            </a:fld>
+            <a:endParaRPr lang="en-US"/>
+          </a:p>
+        </p:txBody>
+      </p:sp>
+    </p:spTree>
+    <p:extLst>
+      <p:ext uri="{BB962C8B-B14F-4D97-AF65-F5344CB8AC3E}">
+        <p14:creationId xmlns:p14="http://schemas.microsoft.com/office/powerpoint/2010/main" val="1483393070"/>
+      </p:ext>
+    </p:extLst>
+  </p:cSld>
+  <p:clrMapOvr>
+    <a:masterClrMapping/>
+  </p:clrMapOvr>
+</p:notes>
+</file>
+
+<file path=ppt/notesSlides/notesSlide16.xml><?xml version="1.0" encoding="utf-8"?>
+<p:notes xmlns:a="http://schemas.openxmlformats.org/drawingml/2006/main" xmlns:r="http://schemas.openxmlformats.org/officeDocument/2006/relationships" xmlns:p="http://schemas.openxmlformats.org/presentationml/2006/main">
+  <p:cSld>
+    <p:spTree>
+      <p:nvGrpSpPr>
+        <p:cNvPr id="1" name=""/>
+        <p:cNvGrpSpPr/>
+        <p:nvPr/>
+      </p:nvGrpSpPr>
+      <p:grpSpPr>
+        <a:xfrm>
+          <a:off x="0" y="0"/>
+          <a:ext cx="0" cy="0"/>
+          <a:chOff x="0" y="0"/>
+          <a:chExt cx="0" cy="0"/>
+        </a:xfrm>
+      </p:grpSpPr>
+      <p:sp>
+        <p:nvSpPr>
+          <p:cNvPr id="2" name="Slide Image Placeholder 1"/>
+          <p:cNvSpPr>
+            <a:spLocks noGrp="1" noRot="1" noChangeAspect="1"/>
+          </p:cNvSpPr>
+          <p:nvPr>
+            <p:ph type="sldImg"/>
+          </p:nvPr>
+        </p:nvSpPr>
+        <p:spPr/>
+      </p:sp>
+      <p:sp>
+        <p:nvSpPr>
+          <p:cNvPr id="3" name="Notes Placeholder 2"/>
+          <p:cNvSpPr>
+            <a:spLocks noGrp="1"/>
+          </p:cNvSpPr>
+          <p:nvPr>
+            <p:ph type="body" idx="1"/>
+          </p:nvPr>
+        </p:nvSpPr>
+        <p:spPr/>
+        <p:txBody>
+          <a:bodyPr/>
+          <a:lstStyle/>
+          <a:p>
+            <a:endParaRPr lang="en-US"/>
+          </a:p>
+        </p:txBody>
+      </p:sp>
+      <p:sp>
+        <p:nvSpPr>
+          <p:cNvPr id="4" name="Slide Number Placeholder 3"/>
+          <p:cNvSpPr>
+            <a:spLocks noGrp="1"/>
+          </p:cNvSpPr>
+          <p:nvPr>
+            <p:ph type="sldNum" sz="quarter" idx="10"/>
+          </p:nvPr>
+        </p:nvSpPr>
+        <p:spPr/>
+        <p:txBody>
+          <a:bodyPr/>
+          <a:lstStyle/>
+          <a:p>
+            <a:fld id="{99C44017-C63E-BF43-859B-98FD6A1827B1}" type="slidenum">
+              <a:rPr lang="en-US" smtClean="0"/>
+              <a:t>16</a:t>
+            </a:fld>
+            <a:endParaRPr lang="en-US"/>
+          </a:p>
+        </p:txBody>
+      </p:sp>
+    </p:spTree>
+    <p:extLst>
+      <p:ext uri="{BB962C8B-B14F-4D97-AF65-F5344CB8AC3E}">
+        <p14:creationId xmlns:p14="http://schemas.microsoft.com/office/powerpoint/2010/main" val="1249669467"/>
+      </p:ext>
+    </p:extLst>
+  </p:cSld>
+  <p:clrMapOvr>
+    <a:masterClrMapping/>
+  </p:clrMapOvr>
+</p:notes>
+</file>
+
+<file path=ppt/notesSlides/notesSlide17.xml><?xml version="1.0" encoding="utf-8"?>
+<p:notes xmlns:a="http://schemas.openxmlformats.org/drawingml/2006/main" xmlns:r="http://schemas.openxmlformats.org/officeDocument/2006/relationships" xmlns:p="http://schemas.openxmlformats.org/presentationml/2006/main">
+  <p:cSld>
+    <p:spTree>
+      <p:nvGrpSpPr>
+        <p:cNvPr id="1" name=""/>
+        <p:cNvGrpSpPr/>
+        <p:nvPr/>
+      </p:nvGrpSpPr>
+      <p:grpSpPr>
+        <a:xfrm>
+          <a:off x="0" y="0"/>
+          <a:ext cx="0" cy="0"/>
+          <a:chOff x="0" y="0"/>
+          <a:chExt cx="0" cy="0"/>
+        </a:xfrm>
+      </p:grpSpPr>
+      <p:sp>
+        <p:nvSpPr>
+          <p:cNvPr id="2" name="Slide Image Placeholder 1"/>
+          <p:cNvSpPr>
+            <a:spLocks noGrp="1" noRot="1" noChangeAspect="1"/>
+          </p:cNvSpPr>
+          <p:nvPr>
+            <p:ph type="sldImg"/>
+          </p:nvPr>
+        </p:nvSpPr>
+        <p:spPr/>
+      </p:sp>
+      <p:sp>
+        <p:nvSpPr>
+          <p:cNvPr id="3" name="Notes Placeholder 2"/>
+          <p:cNvSpPr>
+            <a:spLocks noGrp="1"/>
+          </p:cNvSpPr>
+          <p:nvPr>
+            <p:ph type="body" idx="1"/>
+          </p:nvPr>
+        </p:nvSpPr>
+        <p:spPr/>
+        <p:txBody>
+          <a:bodyPr/>
+          <a:lstStyle/>
+          <a:p>
+            <a:endParaRPr lang="en-US"/>
+          </a:p>
+        </p:txBody>
+      </p:sp>
+      <p:sp>
+        <p:nvSpPr>
+          <p:cNvPr id="4" name="Slide Number Placeholder 3"/>
+          <p:cNvSpPr>
+            <a:spLocks noGrp="1"/>
+          </p:cNvSpPr>
+          <p:nvPr>
+            <p:ph type="sldNum" sz="quarter" idx="10"/>
+          </p:nvPr>
+        </p:nvSpPr>
+        <p:spPr/>
+        <p:txBody>
+          <a:bodyPr/>
+          <a:lstStyle/>
+          <a:p>
+            <a:fld id="{BD0705D2-A13F-0C40-828F-BEF417514726}" type="slidenum">
+              <a:rPr lang="en-US" smtClean="0"/>
+              <a:t>17</a:t>
+            </a:fld>
+            <a:endParaRPr lang="en-US"/>
+          </a:p>
+        </p:txBody>
+      </p:sp>
+    </p:spTree>
+    <p:extLst>
+      <p:ext uri="{BB962C8B-B14F-4D97-AF65-F5344CB8AC3E}">
+        <p14:creationId xmlns:p14="http://schemas.microsoft.com/office/powerpoint/2010/main" val="860580179"/>
+      </p:ext>
+    </p:extLst>
+  </p:cSld>
+  <p:clrMapOvr>
+    <a:masterClrMapping/>
+  </p:clrMapOvr>
+</p:notes>
+</file>
+
+<file path=ppt/notesSlides/notesSlide18.xml><?xml version="1.0" encoding="utf-8"?>
+<p:notes xmlns:a="http://schemas.openxmlformats.org/drawingml/2006/main" xmlns:r="http://schemas.openxmlformats.org/officeDocument/2006/relationships" xmlns:p="http://schemas.openxmlformats.org/presentationml/2006/main">
+  <p:cSld>
+    <p:spTree>
+      <p:nvGrpSpPr>
+        <p:cNvPr id="1" name=""/>
+        <p:cNvGrpSpPr/>
+        <p:nvPr/>
+      </p:nvGrpSpPr>
+      <p:grpSpPr>
+        <a:xfrm>
+          <a:off x="0" y="0"/>
+          <a:ext cx="0" cy="0"/>
+          <a:chOff x="0" y="0"/>
+          <a:chExt cx="0" cy="0"/>
+        </a:xfrm>
+      </p:grpSpPr>
+      <p:sp>
+        <p:nvSpPr>
+          <p:cNvPr id="2" name="Slide Image Placeholder 1"/>
+          <p:cNvSpPr>
+            <a:spLocks noGrp="1" noRot="1" noChangeAspect="1"/>
+          </p:cNvSpPr>
+          <p:nvPr>
+            <p:ph type="sldImg"/>
+          </p:nvPr>
+        </p:nvSpPr>
+        <p:spPr/>
+      </p:sp>
+      <p:sp>
+        <p:nvSpPr>
+          <p:cNvPr id="3" name="Notes Placeholder 2"/>
+          <p:cNvSpPr>
+            <a:spLocks noGrp="1"/>
+          </p:cNvSpPr>
+          <p:nvPr>
+            <p:ph type="body" idx="1"/>
+          </p:nvPr>
+        </p:nvSpPr>
+        <p:spPr/>
+        <p:txBody>
+          <a:bodyPr/>
+          <a:lstStyle/>
+          <a:p>
+            <a:endParaRPr lang="en-US"/>
+          </a:p>
+        </p:txBody>
+      </p:sp>
+      <p:sp>
+        <p:nvSpPr>
+          <p:cNvPr id="4" name="Slide Number Placeholder 3"/>
+          <p:cNvSpPr>
+            <a:spLocks noGrp="1"/>
+          </p:cNvSpPr>
+          <p:nvPr>
+            <p:ph type="sldNum" sz="quarter" idx="10"/>
+          </p:nvPr>
+        </p:nvSpPr>
+        <p:spPr/>
+        <p:txBody>
+          <a:bodyPr/>
+          <a:lstStyle/>
+          <a:p>
+            <a:fld id="{99C44017-C63E-BF43-859B-98FD6A1827B1}" type="slidenum">
+              <a:rPr lang="en-US" smtClean="0"/>
+              <a:t>18</a:t>
+            </a:fld>
+            <a:endParaRPr lang="en-US"/>
+          </a:p>
+        </p:txBody>
+      </p:sp>
+    </p:spTree>
+    <p:extLst>
+      <p:ext uri="{BB962C8B-B14F-4D97-AF65-F5344CB8AC3E}">
+        <p14:creationId xmlns:p14="http://schemas.microsoft.com/office/powerpoint/2010/main" val="2085293245"/>
+      </p:ext>
+    </p:extLst>
+  </p:cSld>
+  <p:clrMapOvr>
+    <a:masterClrMapping/>
+  </p:clrMapOvr>
+</p:notes>
+</file>
+
+<file path=ppt/notesSlides/notesSlide19.xml><?xml version="1.0" encoding="utf-8"?>
+<p:notes xmlns:a="http://schemas.openxmlformats.org/drawingml/2006/main" xmlns:r="http://schemas.openxmlformats.org/officeDocument/2006/relationships" xmlns:p="http://schemas.openxmlformats.org/presentationml/2006/main">
+  <p:cSld>
+    <p:spTree>
+      <p:nvGrpSpPr>
+        <p:cNvPr id="1" name=""/>
+        <p:cNvGrpSpPr/>
+        <p:nvPr/>
+      </p:nvGrpSpPr>
+      <p:grpSpPr>
+        <a:xfrm>
+          <a:off x="0" y="0"/>
+          <a:ext cx="0" cy="0"/>
+          <a:chOff x="0" y="0"/>
+          <a:chExt cx="0" cy="0"/>
+        </a:xfrm>
+      </p:grpSpPr>
+      <p:sp>
+        <p:nvSpPr>
+          <p:cNvPr id="2" name="Slide Image Placeholder 1"/>
+          <p:cNvSpPr>
+            <a:spLocks noGrp="1" noRot="1" noChangeAspect="1"/>
+          </p:cNvSpPr>
+          <p:nvPr>
+            <p:ph type="sldImg"/>
+          </p:nvPr>
+        </p:nvSpPr>
+        <p:spPr/>
+      </p:sp>
+      <p:sp>
+        <p:nvSpPr>
+          <p:cNvPr id="3" name="Notes Placeholder 2"/>
+          <p:cNvSpPr>
+            <a:spLocks noGrp="1"/>
+          </p:cNvSpPr>
+          <p:nvPr>
+            <p:ph type="body" idx="1"/>
+          </p:nvPr>
+        </p:nvSpPr>
+        <p:spPr/>
+        <p:txBody>
+          <a:bodyPr/>
+          <a:lstStyle/>
+          <a:p>
+            <a:endParaRPr lang="en-US"/>
+          </a:p>
+        </p:txBody>
+      </p:sp>
+      <p:sp>
+        <p:nvSpPr>
+          <p:cNvPr id="4" name="Slide Number Placeholder 3"/>
+          <p:cNvSpPr>
+            <a:spLocks noGrp="1"/>
+          </p:cNvSpPr>
+          <p:nvPr>
+            <p:ph type="sldNum" sz="quarter" idx="10"/>
+          </p:nvPr>
+        </p:nvSpPr>
+        <p:spPr/>
+        <p:txBody>
+          <a:bodyPr/>
+          <a:lstStyle/>
+          <a:p>
+            <a:fld id="{99C44017-C63E-BF43-859B-98FD6A1827B1}" type="slidenum">
+              <a:rPr lang="en-US" smtClean="0"/>
+              <a:t>19</a:t>
+            </a:fld>
+            <a:endParaRPr lang="en-US"/>
+          </a:p>
+        </p:txBody>
+      </p:sp>
+    </p:spTree>
+    <p:extLst>
+      <p:ext uri="{BB962C8B-B14F-4D97-AF65-F5344CB8AC3E}">
+        <p14:creationId xmlns:p14="http://schemas.microsoft.com/office/powerpoint/2010/main" val="714913963"/>
+      </p:ext>
+    </p:extLst>
+  </p:cSld>
+  <p:clrMapOvr>
+    <a:masterClrMapping/>
+  </p:clrMapOvr>
+</p:notes>
+</file>
+
+<file path=ppt/notesSlides/notesSlide2.xml><?xml version="1.0" encoding="utf-8"?>
+<p:notes xmlns:a="http://schemas.openxmlformats.org/drawingml/2006/main" xmlns:r="http://schemas.openxmlformats.org/officeDocument/2006/relationships" xmlns:p="http://schemas.openxmlformats.org/presentationml/2006/main">
+  <p:cSld>
+    <p:spTree>
+      <p:nvGrpSpPr>
+        <p:cNvPr id="1" name=""/>
+        <p:cNvGrpSpPr/>
+        <p:nvPr/>
+      </p:nvGrpSpPr>
+      <p:grpSpPr>
+        <a:xfrm>
+          <a:off x="0" y="0"/>
+          <a:ext cx="0" cy="0"/>
+          <a:chOff x="0" y="0"/>
+          <a:chExt cx="0" cy="0"/>
+        </a:xfrm>
+      </p:grpSpPr>
+      <p:sp>
+        <p:nvSpPr>
+          <p:cNvPr id="2" name="Slide Image Placeholder 1"/>
+          <p:cNvSpPr>
+            <a:spLocks noGrp="1" noRot="1" noChangeAspect="1"/>
+          </p:cNvSpPr>
+          <p:nvPr>
+            <p:ph type="sldImg"/>
+          </p:nvPr>
+        </p:nvSpPr>
+        <p:spPr/>
+      </p:sp>
+      <p:sp>
+        <p:nvSpPr>
+          <p:cNvPr id="3" name="Notes Placeholder 2"/>
+          <p:cNvSpPr>
+            <a:spLocks noGrp="1"/>
+          </p:cNvSpPr>
+          <p:nvPr>
+            <p:ph type="body" idx="1"/>
+          </p:nvPr>
+        </p:nvSpPr>
+        <p:spPr/>
+        <p:txBody>
+          <a:bodyPr/>
+          <a:lstStyle/>
+          <a:p>
+            <a:endParaRPr lang="en-US"/>
+          </a:p>
+        </p:txBody>
+      </p:sp>
+      <p:sp>
+        <p:nvSpPr>
+          <p:cNvPr id="4" name="Slide Number Placeholder 3"/>
+          <p:cNvSpPr>
+            <a:spLocks noGrp="1"/>
+          </p:cNvSpPr>
+          <p:nvPr>
+            <p:ph type="sldNum" sz="quarter" idx="10"/>
+          </p:nvPr>
+        </p:nvSpPr>
+        <p:spPr/>
+        <p:txBody>
+          <a:bodyPr/>
+          <a:lstStyle/>
+          <a:p>
+            <a:fld id="{99C44017-C63E-BF43-859B-98FD6A1827B1}" type="slidenum">
+              <a:rPr lang="en-US" smtClean="0"/>
+              <a:t>2</a:t>
+            </a:fld>
+            <a:endParaRPr lang="en-US"/>
+          </a:p>
+        </p:txBody>
+      </p:sp>
+    </p:spTree>
+    <p:extLst>
+      <p:ext uri="{BB962C8B-B14F-4D97-AF65-F5344CB8AC3E}">
+        <p14:creationId xmlns:p14="http://schemas.microsoft.com/office/powerpoint/2010/main" val="636192436"/>
+      </p:ext>
+    </p:extLst>
+  </p:cSld>
+  <p:clrMapOvr>
+    <a:masterClrMapping/>
+  </p:clrMapOvr>
+</p:notes>
+</file>
+
+<file path=ppt/notesSlides/notesSlide20.xml><?xml version="1.0" encoding="utf-8"?>
+<p:notes xmlns:a="http://schemas.openxmlformats.org/drawingml/2006/main" xmlns:r="http://schemas.openxmlformats.org/officeDocument/2006/relationships" xmlns:p="http://schemas.openxmlformats.org/presentationml/2006/main">
+  <p:cSld>
+    <p:spTree>
+      <p:nvGrpSpPr>
+        <p:cNvPr id="1" name=""/>
+        <p:cNvGrpSpPr/>
+        <p:nvPr/>
+      </p:nvGrpSpPr>
+      <p:grpSpPr>
+        <a:xfrm>
+          <a:off x="0" y="0"/>
+          <a:ext cx="0" cy="0"/>
+          <a:chOff x="0" y="0"/>
+          <a:chExt cx="0" cy="0"/>
+        </a:xfrm>
+      </p:grpSpPr>
+      <p:sp>
+        <p:nvSpPr>
+          <p:cNvPr id="2" name="Slide Image Placeholder 1"/>
+          <p:cNvSpPr>
+            <a:spLocks noGrp="1" noRot="1" noChangeAspect="1"/>
+          </p:cNvSpPr>
+          <p:nvPr>
+            <p:ph type="sldImg"/>
+          </p:nvPr>
+        </p:nvSpPr>
+        <p:spPr/>
+      </p:sp>
+      <p:sp>
+        <p:nvSpPr>
+          <p:cNvPr id="3" name="Notes Placeholder 2"/>
+          <p:cNvSpPr>
+            <a:spLocks noGrp="1"/>
+          </p:cNvSpPr>
+          <p:nvPr>
+            <p:ph type="body" idx="1"/>
+          </p:nvPr>
+        </p:nvSpPr>
+        <p:spPr/>
+        <p:txBody>
+          <a:bodyPr/>
+          <a:lstStyle/>
+          <a:p>
+            <a:endParaRPr lang="en-US"/>
+          </a:p>
+        </p:txBody>
+      </p:sp>
+      <p:sp>
+        <p:nvSpPr>
+          <p:cNvPr id="4" name="Slide Number Placeholder 3"/>
+          <p:cNvSpPr>
+            <a:spLocks noGrp="1"/>
+          </p:cNvSpPr>
+          <p:nvPr>
+            <p:ph type="sldNum" sz="quarter" idx="10"/>
+          </p:nvPr>
+        </p:nvSpPr>
+        <p:spPr/>
+        <p:txBody>
+          <a:bodyPr/>
+          <a:lstStyle/>
+          <a:p>
+            <a:fld id="{99C44017-C63E-BF43-859B-98FD6A1827B1}" type="slidenum">
+              <a:rPr lang="en-US" smtClean="0"/>
+              <a:t>20</a:t>
+            </a:fld>
+            <a:endParaRPr lang="en-US"/>
+          </a:p>
+        </p:txBody>
+      </p:sp>
+    </p:spTree>
+    <p:extLst>
+      <p:ext uri="{BB962C8B-B14F-4D97-AF65-F5344CB8AC3E}">
+        <p14:creationId xmlns:p14="http://schemas.microsoft.com/office/powerpoint/2010/main" val="1131321827"/>
+      </p:ext>
+    </p:extLst>
+  </p:cSld>
+  <p:clrMapOvr>
+    <a:masterClrMapping/>
+  </p:clrMapOvr>
+</p:notes>
+</file>
+
+<file path=ppt/notesSlides/notesSlide21.xml><?xml version="1.0" encoding="utf-8"?>
+<p:notes xmlns:a="http://schemas.openxmlformats.org/drawingml/2006/main" xmlns:r="http://schemas.openxmlformats.org/officeDocument/2006/relationships" xmlns:p="http://schemas.openxmlformats.org/presentationml/2006/main">
+  <p:cSld>
+    <p:spTree>
+      <p:nvGrpSpPr>
+        <p:cNvPr id="1" name=""/>
+        <p:cNvGrpSpPr/>
+        <p:nvPr/>
+      </p:nvGrpSpPr>
+      <p:grpSpPr>
+        <a:xfrm>
+          <a:off x="0" y="0"/>
+          <a:ext cx="0" cy="0"/>
+          <a:chOff x="0" y="0"/>
+          <a:chExt cx="0" cy="0"/>
+        </a:xfrm>
+      </p:grpSpPr>
+      <p:sp>
+        <p:nvSpPr>
+          <p:cNvPr id="2" name="Slide Image Placeholder 1"/>
+          <p:cNvSpPr>
+            <a:spLocks noGrp="1" noRot="1" noChangeAspect="1"/>
+          </p:cNvSpPr>
+          <p:nvPr>
+            <p:ph type="sldImg"/>
+          </p:nvPr>
+        </p:nvSpPr>
+        <p:spPr/>
+      </p:sp>
+      <p:sp>
+        <p:nvSpPr>
+          <p:cNvPr id="3" name="Notes Placeholder 2"/>
+          <p:cNvSpPr>
+            <a:spLocks noGrp="1"/>
+          </p:cNvSpPr>
+          <p:nvPr>
+            <p:ph type="body" idx="1"/>
+          </p:nvPr>
+        </p:nvSpPr>
+        <p:spPr/>
+        <p:txBody>
+          <a:bodyPr/>
+          <a:lstStyle/>
+          <a:p>
+            <a:endParaRPr lang="en-US"/>
+          </a:p>
+        </p:txBody>
+      </p:sp>
+      <p:sp>
+        <p:nvSpPr>
+          <p:cNvPr id="4" name="Slide Number Placeholder 3"/>
+          <p:cNvSpPr>
+            <a:spLocks noGrp="1"/>
+          </p:cNvSpPr>
+          <p:nvPr>
+            <p:ph type="sldNum" sz="quarter" idx="10"/>
+          </p:nvPr>
+        </p:nvSpPr>
+        <p:spPr/>
+        <p:txBody>
+          <a:bodyPr/>
+          <a:lstStyle/>
+          <a:p>
+            <a:fld id="{99C44017-C63E-BF43-859B-98FD6A1827B1}" type="slidenum">
+              <a:rPr lang="en-US" smtClean="0"/>
+              <a:t>21</a:t>
+            </a:fld>
+            <a:endParaRPr lang="en-US"/>
+          </a:p>
+        </p:txBody>
+      </p:sp>
+    </p:spTree>
+    <p:extLst>
+      <p:ext uri="{BB962C8B-B14F-4D97-AF65-F5344CB8AC3E}">
+        <p14:creationId xmlns:p14="http://schemas.microsoft.com/office/powerpoint/2010/main" val="1281207300"/>
+      </p:ext>
+    </p:extLst>
+  </p:cSld>
+  <p:clrMapOvr>
+    <a:masterClrMapping/>
+  </p:clrMapOvr>
+</p:notes>
+</file>
+
+<file path=ppt/notesSlides/notesSlide22.xml><?xml version="1.0" encoding="utf-8"?>
+<p:notes xmlns:a="http://schemas.openxmlformats.org/drawingml/2006/main" xmlns:r="http://schemas.openxmlformats.org/officeDocument/2006/relationships" xmlns:p="http://schemas.openxmlformats.org/presentationml/2006/main">
+  <p:cSld>
+    <p:spTree>
+      <p:nvGrpSpPr>
+        <p:cNvPr id="1" name=""/>
+        <p:cNvGrpSpPr/>
+        <p:nvPr/>
+      </p:nvGrpSpPr>
+      <p:grpSpPr>
+        <a:xfrm>
+          <a:off x="0" y="0"/>
+          <a:ext cx="0" cy="0"/>
+          <a:chOff x="0" y="0"/>
+          <a:chExt cx="0" cy="0"/>
+        </a:xfrm>
+      </p:grpSpPr>
+      <p:sp>
+        <p:nvSpPr>
+          <p:cNvPr id="2" name="Slide Image Placeholder 1"/>
+          <p:cNvSpPr>
+            <a:spLocks noGrp="1" noRot="1" noChangeAspect="1"/>
+          </p:cNvSpPr>
+          <p:nvPr>
+            <p:ph type="sldImg"/>
+          </p:nvPr>
+        </p:nvSpPr>
+        <p:spPr/>
+      </p:sp>
+      <p:sp>
+        <p:nvSpPr>
+          <p:cNvPr id="3" name="Notes Placeholder 2"/>
+          <p:cNvSpPr>
+            <a:spLocks noGrp="1"/>
+          </p:cNvSpPr>
+          <p:nvPr>
+            <p:ph type="body" idx="1"/>
+          </p:nvPr>
+        </p:nvSpPr>
+        <p:spPr/>
+        <p:txBody>
+          <a:bodyPr/>
+          <a:lstStyle/>
+          <a:p>
+            <a:endParaRPr lang="en-US"/>
+          </a:p>
+        </p:txBody>
+      </p:sp>
+      <p:sp>
+        <p:nvSpPr>
+          <p:cNvPr id="4" name="Slide Number Placeholder 3"/>
+          <p:cNvSpPr>
+            <a:spLocks noGrp="1"/>
+          </p:cNvSpPr>
+          <p:nvPr>
+            <p:ph type="sldNum" sz="quarter" idx="10"/>
+          </p:nvPr>
+        </p:nvSpPr>
+        <p:spPr/>
+        <p:txBody>
+          <a:bodyPr/>
+          <a:lstStyle/>
+          <a:p>
+            <a:fld id="{99C44017-C63E-BF43-859B-98FD6A1827B1}" type="slidenum">
+              <a:rPr lang="en-US" smtClean="0"/>
+              <a:t>22</a:t>
+            </a:fld>
+            <a:endParaRPr lang="en-US"/>
+          </a:p>
+        </p:txBody>
+      </p:sp>
+    </p:spTree>
+    <p:extLst>
+      <p:ext uri="{BB962C8B-B14F-4D97-AF65-F5344CB8AC3E}">
+        <p14:creationId xmlns:p14="http://schemas.microsoft.com/office/powerpoint/2010/main" val="1535726962"/>
+      </p:ext>
+    </p:extLst>
+  </p:cSld>
+  <p:clrMapOvr>
+    <a:masterClrMapping/>
+  </p:clrMapOvr>
+</p:notes>
+</file>
+
+<file path=ppt/notesSlides/notesSlide23.xml><?xml version="1.0" encoding="utf-8"?>
+<p:notes xmlns:a="http://schemas.openxmlformats.org/drawingml/2006/main" xmlns:r="http://schemas.openxmlformats.org/officeDocument/2006/relationships" xmlns:p="http://schemas.openxmlformats.org/presentationml/2006/main">
+  <p:cSld>
+    <p:spTree>
+      <p:nvGrpSpPr>
+        <p:cNvPr id="1" name=""/>
+        <p:cNvGrpSpPr/>
+        <p:nvPr/>
+      </p:nvGrpSpPr>
+      <p:grpSpPr>
+        <a:xfrm>
+          <a:off x="0" y="0"/>
+          <a:ext cx="0" cy="0"/>
+          <a:chOff x="0" y="0"/>
+          <a:chExt cx="0" cy="0"/>
+        </a:xfrm>
+      </p:grpSpPr>
+      <p:sp>
+        <p:nvSpPr>
+          <p:cNvPr id="2" name="Slide Image Placeholder 1"/>
+          <p:cNvSpPr>
+            <a:spLocks noGrp="1" noRot="1" noChangeAspect="1"/>
+          </p:cNvSpPr>
+          <p:nvPr>
+            <p:ph type="sldImg"/>
+          </p:nvPr>
+        </p:nvSpPr>
+        <p:spPr/>
+      </p:sp>
+      <p:sp>
+        <p:nvSpPr>
+          <p:cNvPr id="3" name="Notes Placeholder 2"/>
+          <p:cNvSpPr>
+            <a:spLocks noGrp="1"/>
+          </p:cNvSpPr>
+          <p:nvPr>
+            <p:ph type="body" idx="1"/>
+          </p:nvPr>
+        </p:nvSpPr>
+        <p:spPr/>
+        <p:txBody>
+          <a:bodyPr/>
+          <a:lstStyle/>
+          <a:p>
+            <a:endParaRPr lang="en-US"/>
+          </a:p>
+        </p:txBody>
+      </p:sp>
+      <p:sp>
+        <p:nvSpPr>
+          <p:cNvPr id="4" name="Slide Number Placeholder 3"/>
+          <p:cNvSpPr>
+            <a:spLocks noGrp="1"/>
+          </p:cNvSpPr>
+          <p:nvPr>
+            <p:ph type="sldNum" sz="quarter" idx="10"/>
+          </p:nvPr>
+        </p:nvSpPr>
+        <p:spPr/>
+        <p:txBody>
+          <a:bodyPr/>
+          <a:lstStyle/>
+          <a:p>
+            <a:fld id="{99C44017-C63E-BF43-859B-98FD6A1827B1}" type="slidenum">
+              <a:rPr lang="en-US" smtClean="0"/>
+              <a:t>23</a:t>
+            </a:fld>
+            <a:endParaRPr lang="en-US"/>
+          </a:p>
+        </p:txBody>
+      </p:sp>
+    </p:spTree>
+    <p:extLst>
+      <p:ext uri="{BB962C8B-B14F-4D97-AF65-F5344CB8AC3E}">
+        <p14:creationId xmlns:p14="http://schemas.microsoft.com/office/powerpoint/2010/main" val="1987731371"/>
+      </p:ext>
+    </p:extLst>
+  </p:cSld>
+  <p:clrMapOvr>
+    <a:masterClrMapping/>
+  </p:clrMapOvr>
+</p:notes>
+</file>
+
+<file path=ppt/notesSlides/notesSlide24.xml><?xml version="1.0" encoding="utf-8"?>
+<p:notes xmlns:a="http://schemas.openxmlformats.org/drawingml/2006/main" xmlns:r="http://schemas.openxmlformats.org/officeDocument/2006/relationships" xmlns:p="http://schemas.openxmlformats.org/presentationml/2006/main">
+  <p:cSld>
+    <p:spTree>
+      <p:nvGrpSpPr>
+        <p:cNvPr id="1" name=""/>
+        <p:cNvGrpSpPr/>
+        <p:nvPr/>
+      </p:nvGrpSpPr>
+      <p:grpSpPr>
+        <a:xfrm>
+          <a:off x="0" y="0"/>
+          <a:ext cx="0" cy="0"/>
+          <a:chOff x="0" y="0"/>
+          <a:chExt cx="0" cy="0"/>
+        </a:xfrm>
+      </p:grpSpPr>
+      <p:sp>
+        <p:nvSpPr>
+          <p:cNvPr id="2" name="Slide Image Placeholder 1"/>
+          <p:cNvSpPr>
+            <a:spLocks noGrp="1" noRot="1" noChangeAspect="1"/>
+          </p:cNvSpPr>
+          <p:nvPr>
+            <p:ph type="sldImg"/>
+          </p:nvPr>
+        </p:nvSpPr>
+        <p:spPr/>
+      </p:sp>
+      <p:sp>
+        <p:nvSpPr>
+          <p:cNvPr id="3" name="Notes Placeholder 2"/>
+          <p:cNvSpPr>
+            <a:spLocks noGrp="1"/>
+          </p:cNvSpPr>
+          <p:nvPr>
+            <p:ph type="body" idx="1"/>
+          </p:nvPr>
+        </p:nvSpPr>
+        <p:spPr/>
+        <p:txBody>
+          <a:bodyPr/>
+          <a:lstStyle/>
+          <a:p>
+            <a:endParaRPr lang="en-US"/>
+          </a:p>
+        </p:txBody>
+      </p:sp>
+      <p:sp>
+        <p:nvSpPr>
+          <p:cNvPr id="4" name="Slide Number Placeholder 3"/>
+          <p:cNvSpPr>
+            <a:spLocks noGrp="1"/>
+          </p:cNvSpPr>
+          <p:nvPr>
+            <p:ph type="sldNum" sz="quarter" idx="10"/>
+          </p:nvPr>
+        </p:nvSpPr>
+        <p:spPr/>
+        <p:txBody>
+          <a:bodyPr/>
+          <a:lstStyle/>
+          <a:p>
+            <a:fld id="{99C44017-C63E-BF43-859B-98FD6A1827B1}" type="slidenum">
+              <a:rPr lang="en-US" smtClean="0"/>
+              <a:t>24</a:t>
+            </a:fld>
+            <a:endParaRPr lang="en-US"/>
+          </a:p>
+        </p:txBody>
+      </p:sp>
+    </p:spTree>
+    <p:extLst>
+      <p:ext uri="{BB962C8B-B14F-4D97-AF65-F5344CB8AC3E}">
+        <p14:creationId xmlns:p14="http://schemas.microsoft.com/office/powerpoint/2010/main" val="191086361"/>
+      </p:ext>
+    </p:extLst>
+  </p:cSld>
+  <p:clrMapOvr>
+    <a:masterClrMapping/>
+  </p:clrMapOvr>
+</p:notes>
+</file>
+
+<file path=ppt/notesSlides/notesSlide25.xml><?xml version="1.0" encoding="utf-8"?>
+<p:notes xmlns:a="http://schemas.openxmlformats.org/drawingml/2006/main" xmlns:r="http://schemas.openxmlformats.org/officeDocument/2006/relationships" xmlns:p="http://schemas.openxmlformats.org/presentationml/2006/main">
+  <p:cSld>
+    <p:spTree>
+      <p:nvGrpSpPr>
+        <p:cNvPr id="1" name=""/>
+        <p:cNvGrpSpPr/>
+        <p:nvPr/>
+      </p:nvGrpSpPr>
+      <p:grpSpPr>
+        <a:xfrm>
+          <a:off x="0" y="0"/>
+          <a:ext cx="0" cy="0"/>
+          <a:chOff x="0" y="0"/>
+          <a:chExt cx="0" cy="0"/>
+        </a:xfrm>
+      </p:grpSpPr>
+      <p:sp>
+        <p:nvSpPr>
+          <p:cNvPr id="2" name="Slide Image Placeholder 1"/>
+          <p:cNvSpPr>
+            <a:spLocks noGrp="1" noRot="1" noChangeAspect="1"/>
+          </p:cNvSpPr>
+          <p:nvPr>
+            <p:ph type="sldImg"/>
+          </p:nvPr>
+        </p:nvSpPr>
+        <p:spPr/>
+      </p:sp>
+      <p:sp>
+        <p:nvSpPr>
+          <p:cNvPr id="3" name="Notes Placeholder 2"/>
+          <p:cNvSpPr>
+            <a:spLocks noGrp="1"/>
+          </p:cNvSpPr>
+          <p:nvPr>
+            <p:ph type="body" idx="1"/>
+          </p:nvPr>
+        </p:nvSpPr>
+        <p:spPr/>
+        <p:txBody>
+          <a:bodyPr/>
+          <a:lstStyle/>
+          <a:p>
+            <a:endParaRPr lang="en-US"/>
+          </a:p>
+        </p:txBody>
+      </p:sp>
+      <p:sp>
+        <p:nvSpPr>
+          <p:cNvPr id="4" name="Slide Number Placeholder 3"/>
+          <p:cNvSpPr>
+            <a:spLocks noGrp="1"/>
+          </p:cNvSpPr>
+          <p:nvPr>
+            <p:ph type="sldNum" sz="quarter" idx="10"/>
+          </p:nvPr>
+        </p:nvSpPr>
+        <p:spPr/>
+        <p:txBody>
+          <a:bodyPr/>
+          <a:lstStyle/>
+          <a:p>
+            <a:fld id="{99C44017-C63E-BF43-859B-98FD6A1827B1}" type="slidenum">
+              <a:rPr lang="en-US" smtClean="0"/>
+              <a:t>25</a:t>
+            </a:fld>
+            <a:endParaRPr lang="en-US"/>
+          </a:p>
+        </p:txBody>
+      </p:sp>
+    </p:spTree>
+    <p:extLst>
+      <p:ext uri="{BB962C8B-B14F-4D97-AF65-F5344CB8AC3E}">
+        <p14:creationId xmlns:p14="http://schemas.microsoft.com/office/powerpoint/2010/main" val="1411142586"/>
+      </p:ext>
+    </p:extLst>
+  </p:cSld>
+  <p:clrMapOvr>
+    <a:masterClrMapping/>
+  </p:clrMapOvr>
+</p:notes>
+</file>
+
+<file path=ppt/notesSlides/notesSlide26.xml><?xml version="1.0" encoding="utf-8"?>
+<p:notes xmlns:a="http://schemas.openxmlformats.org/drawingml/2006/main" xmlns:r="http://schemas.openxmlformats.org/officeDocument/2006/relationships" xmlns:p="http://schemas.openxmlformats.org/presentationml/2006/main">
+  <p:cSld>
+    <p:spTree>
+      <p:nvGrpSpPr>
+        <p:cNvPr id="1" name=""/>
+        <p:cNvGrpSpPr/>
+        <p:nvPr/>
+      </p:nvGrpSpPr>
+      <p:grpSpPr>
+        <a:xfrm>
+          <a:off x="0" y="0"/>
+          <a:ext cx="0" cy="0"/>
+          <a:chOff x="0" y="0"/>
+          <a:chExt cx="0" cy="0"/>
+        </a:xfrm>
+      </p:grpSpPr>
+      <p:sp>
+        <p:nvSpPr>
+          <p:cNvPr id="2" name="Slide Image Placeholder 1"/>
+          <p:cNvSpPr>
+            <a:spLocks noGrp="1" noRot="1" noChangeAspect="1"/>
+          </p:cNvSpPr>
+          <p:nvPr>
+            <p:ph type="sldImg"/>
+          </p:nvPr>
+        </p:nvSpPr>
+        <p:spPr/>
+      </p:sp>
+      <p:sp>
+        <p:nvSpPr>
+          <p:cNvPr id="3" name="Notes Placeholder 2"/>
+          <p:cNvSpPr>
+            <a:spLocks noGrp="1"/>
+          </p:cNvSpPr>
+          <p:nvPr>
+            <p:ph type="body" idx="1"/>
+          </p:nvPr>
+        </p:nvSpPr>
+        <p:spPr/>
+        <p:txBody>
+          <a:bodyPr/>
+          <a:lstStyle/>
+          <a:p>
+            <a:endParaRPr lang="en-US"/>
+          </a:p>
+        </p:txBody>
+      </p:sp>
+      <p:sp>
+        <p:nvSpPr>
+          <p:cNvPr id="4" name="Slide Number Placeholder 3"/>
+          <p:cNvSpPr>
+            <a:spLocks noGrp="1"/>
+          </p:cNvSpPr>
+          <p:nvPr>
+            <p:ph type="sldNum" sz="quarter" idx="10"/>
+          </p:nvPr>
+        </p:nvSpPr>
+        <p:spPr/>
+        <p:txBody>
+          <a:bodyPr/>
+          <a:lstStyle/>
+          <a:p>
+            <a:fld id="{99C44017-C63E-BF43-859B-98FD6A1827B1}" type="slidenum">
+              <a:rPr lang="en-US" smtClean="0"/>
+              <a:t>26</a:t>
+            </a:fld>
+            <a:endParaRPr lang="en-US"/>
+          </a:p>
+        </p:txBody>
+      </p:sp>
+    </p:spTree>
+    <p:extLst>
+      <p:ext uri="{BB962C8B-B14F-4D97-AF65-F5344CB8AC3E}">
+        <p14:creationId xmlns:p14="http://schemas.microsoft.com/office/powerpoint/2010/main" val="768074122"/>
+      </p:ext>
+    </p:extLst>
+  </p:cSld>
+  <p:clrMapOvr>
+    <a:masterClrMapping/>
+  </p:clrMapOvr>
+</p:notes>
+</file>
+
+<file path=ppt/notesSlides/notesSlide27.xml><?xml version="1.0" encoding="utf-8"?>
+<p:notes xmlns:a="http://schemas.openxmlformats.org/drawingml/2006/main" xmlns:r="http://schemas.openxmlformats.org/officeDocument/2006/relationships" xmlns:p="http://schemas.openxmlformats.org/presentationml/2006/main">
+  <p:cSld>
+    <p:spTree>
+      <p:nvGrpSpPr>
+        <p:cNvPr id="1" name=""/>
+        <p:cNvGrpSpPr/>
+        <p:nvPr/>
+      </p:nvGrpSpPr>
+      <p:grpSpPr>
+        <a:xfrm>
+          <a:off x="0" y="0"/>
+          <a:ext cx="0" cy="0"/>
+          <a:chOff x="0" y="0"/>
+          <a:chExt cx="0" cy="0"/>
+        </a:xfrm>
+      </p:grpSpPr>
+      <p:sp>
+        <p:nvSpPr>
+          <p:cNvPr id="2" name="Slide Image Placeholder 1"/>
+          <p:cNvSpPr>
+            <a:spLocks noGrp="1" noRot="1" noChangeAspect="1"/>
+          </p:cNvSpPr>
+          <p:nvPr>
+            <p:ph type="sldImg"/>
+          </p:nvPr>
+        </p:nvSpPr>
+        <p:spPr/>
+      </p:sp>
+      <p:sp>
+        <p:nvSpPr>
+          <p:cNvPr id="3" name="Notes Placeholder 2"/>
+          <p:cNvSpPr>
+            <a:spLocks noGrp="1"/>
+          </p:cNvSpPr>
+          <p:nvPr>
+            <p:ph type="body" idx="1"/>
+          </p:nvPr>
+        </p:nvSpPr>
+        <p:spPr/>
+        <p:txBody>
+          <a:bodyPr/>
+          <a:lstStyle/>
+          <a:p>
+            <a:endParaRPr lang="en-US"/>
+          </a:p>
+        </p:txBody>
+      </p:sp>
+      <p:sp>
+        <p:nvSpPr>
+          <p:cNvPr id="4" name="Slide Number Placeholder 3"/>
+          <p:cNvSpPr>
+            <a:spLocks noGrp="1"/>
+          </p:cNvSpPr>
+          <p:nvPr>
+            <p:ph type="sldNum" sz="quarter" idx="10"/>
+          </p:nvPr>
+        </p:nvSpPr>
+        <p:spPr/>
+        <p:txBody>
+          <a:bodyPr/>
+          <a:lstStyle/>
+          <a:p>
+            <a:fld id="{BD0705D2-A13F-0C40-828F-BEF417514726}" type="slidenum">
+              <a:rPr lang="en-US" smtClean="0"/>
+              <a:t>27</a:t>
+            </a:fld>
+            <a:endParaRPr lang="en-US"/>
+          </a:p>
+        </p:txBody>
+      </p:sp>
+    </p:spTree>
+    <p:extLst>
+      <p:ext uri="{BB962C8B-B14F-4D97-AF65-F5344CB8AC3E}">
+        <p14:creationId xmlns:p14="http://schemas.microsoft.com/office/powerpoint/2010/main" val="1784391159"/>
+      </p:ext>
+    </p:extLst>
+  </p:cSld>
+  <p:clrMapOvr>
+    <a:masterClrMapping/>
+  </p:clrMapOvr>
+</p:notes>
+</file>
+
+<file path=ppt/notesSlides/notesSlide28.xml><?xml version="1.0" encoding="utf-8"?>
+<p:notes xmlns:a="http://schemas.openxmlformats.org/drawingml/2006/main" xmlns:r="http://schemas.openxmlformats.org/officeDocument/2006/relationships" xmlns:p="http://schemas.openxmlformats.org/presentationml/2006/main">
+  <p:cSld>
+    <p:spTree>
+      <p:nvGrpSpPr>
+        <p:cNvPr id="1" name=""/>
+        <p:cNvGrpSpPr/>
+        <p:nvPr/>
+      </p:nvGrpSpPr>
+      <p:grpSpPr>
+        <a:xfrm>
+          <a:off x="0" y="0"/>
+          <a:ext cx="0" cy="0"/>
+          <a:chOff x="0" y="0"/>
+          <a:chExt cx="0" cy="0"/>
+        </a:xfrm>
+      </p:grpSpPr>
+      <p:sp>
+        <p:nvSpPr>
+          <p:cNvPr id="2" name="Slide Image Placeholder 1"/>
+          <p:cNvSpPr>
+            <a:spLocks noGrp="1" noRot="1" noChangeAspect="1"/>
+          </p:cNvSpPr>
+          <p:nvPr>
+            <p:ph type="sldImg"/>
+          </p:nvPr>
+        </p:nvSpPr>
+        <p:spPr/>
+      </p:sp>
+      <p:sp>
+        <p:nvSpPr>
+          <p:cNvPr id="3" name="Notes Placeholder 2"/>
+          <p:cNvSpPr>
+            <a:spLocks noGrp="1"/>
+          </p:cNvSpPr>
+          <p:nvPr>
+            <p:ph type="body" idx="1"/>
+          </p:nvPr>
+        </p:nvSpPr>
+        <p:spPr/>
+        <p:txBody>
+          <a:bodyPr/>
+          <a:lstStyle/>
+          <a:p>
+            <a:endParaRPr lang="en-US"/>
+          </a:p>
+        </p:txBody>
+      </p:sp>
+      <p:sp>
+        <p:nvSpPr>
+          <p:cNvPr id="4" name="Slide Number Placeholder 3"/>
+          <p:cNvSpPr>
+            <a:spLocks noGrp="1"/>
+          </p:cNvSpPr>
+          <p:nvPr>
+            <p:ph type="sldNum" sz="quarter" idx="10"/>
+          </p:nvPr>
+        </p:nvSpPr>
+        <p:spPr/>
+        <p:txBody>
+          <a:bodyPr/>
+          <a:lstStyle/>
+          <a:p>
+            <a:fld id="{BD0705D2-A13F-0C40-828F-BEF417514726}" type="slidenum">
+              <a:rPr lang="en-US" smtClean="0"/>
+              <a:t>28</a:t>
+            </a:fld>
+            <a:endParaRPr lang="en-US"/>
+          </a:p>
+        </p:txBody>
+      </p:sp>
+    </p:spTree>
+    <p:extLst>
+      <p:ext uri="{BB962C8B-B14F-4D97-AF65-F5344CB8AC3E}">
+        <p14:creationId xmlns:p14="http://schemas.microsoft.com/office/powerpoint/2010/main" val="509127289"/>
+      </p:ext>
+    </p:extLst>
+  </p:cSld>
+  <p:clrMapOvr>
+    <a:masterClrMapping/>
+  </p:clrMapOvr>
+</p:notes>
+</file>
+
+<file path=ppt/notesSlides/notesSlide29.xml><?xml version="1.0" encoding="utf-8"?>
+<p:notes xmlns:a="http://schemas.openxmlformats.org/drawingml/2006/main" xmlns:r="http://schemas.openxmlformats.org/officeDocument/2006/relationships" xmlns:p="http://schemas.openxmlformats.org/presentationml/2006/main">
+  <p:cSld>
+    <p:spTree>
+      <p:nvGrpSpPr>
+        <p:cNvPr id="1" name=""/>
+        <p:cNvGrpSpPr/>
+        <p:nvPr/>
+      </p:nvGrpSpPr>
+      <p:grpSpPr>
+        <a:xfrm>
+          <a:off x="0" y="0"/>
+          <a:ext cx="0" cy="0"/>
+          <a:chOff x="0" y="0"/>
+          <a:chExt cx="0" cy="0"/>
+        </a:xfrm>
+      </p:grpSpPr>
+      <p:sp>
+        <p:nvSpPr>
+          <p:cNvPr id="2" name="Slide Image Placeholder 1"/>
+          <p:cNvSpPr>
+            <a:spLocks noGrp="1" noRot="1" noChangeAspect="1"/>
+          </p:cNvSpPr>
+          <p:nvPr>
+            <p:ph type="sldImg"/>
+          </p:nvPr>
+        </p:nvSpPr>
+        <p:spPr/>
+      </p:sp>
+      <p:sp>
+        <p:nvSpPr>
+          <p:cNvPr id="3" name="Notes Placeholder 2"/>
+          <p:cNvSpPr>
+            <a:spLocks noGrp="1"/>
+          </p:cNvSpPr>
+          <p:nvPr>
+            <p:ph type="body" idx="1"/>
+          </p:nvPr>
+        </p:nvSpPr>
+        <p:spPr/>
+        <p:txBody>
+          <a:bodyPr/>
+          <a:lstStyle/>
+          <a:p>
+            <a:endParaRPr lang="en-US"/>
+          </a:p>
+        </p:txBody>
+      </p:sp>
+      <p:sp>
+        <p:nvSpPr>
+          <p:cNvPr id="4" name="Slide Number Placeholder 3"/>
+          <p:cNvSpPr>
+            <a:spLocks noGrp="1"/>
+          </p:cNvSpPr>
+          <p:nvPr>
+            <p:ph type="sldNum" sz="quarter" idx="10"/>
+          </p:nvPr>
+        </p:nvSpPr>
+        <p:spPr/>
+        <p:txBody>
+          <a:bodyPr/>
+          <a:lstStyle/>
+          <a:p>
+            <a:fld id="{BD0705D2-A13F-0C40-828F-BEF417514726}" type="slidenum">
+              <a:rPr lang="en-US" smtClean="0"/>
+              <a:t>29</a:t>
+            </a:fld>
+            <a:endParaRPr lang="en-US"/>
+          </a:p>
+        </p:txBody>
+      </p:sp>
+    </p:spTree>
+    <p:extLst>
+      <p:ext uri="{BB962C8B-B14F-4D97-AF65-F5344CB8AC3E}">
+        <p14:creationId xmlns:p14="http://schemas.microsoft.com/office/powerpoint/2010/main" val="1027327342"/>
+      </p:ext>
+    </p:extLst>
+  </p:cSld>
+  <p:clrMapOvr>
+    <a:masterClrMapping/>
+  </p:clrMapOvr>
+</p:notes>
+</file>
+
+<file path=ppt/notesSlides/notesSlide3.xml><?xml version="1.0" encoding="utf-8"?>
+<p:notes xmlns:a="http://schemas.openxmlformats.org/drawingml/2006/main" xmlns:r="http://schemas.openxmlformats.org/officeDocument/2006/relationships" xmlns:p="http://schemas.openxmlformats.org/presentationml/2006/main">
+  <p:cSld>
+    <p:spTree>
+      <p:nvGrpSpPr>
+        <p:cNvPr id="1" name=""/>
+        <p:cNvGrpSpPr/>
+        <p:nvPr/>
+      </p:nvGrpSpPr>
+      <p:grpSpPr>
+        <a:xfrm>
+          <a:off x="0" y="0"/>
+          <a:ext cx="0" cy="0"/>
+          <a:chOff x="0" y="0"/>
+          <a:chExt cx="0" cy="0"/>
+        </a:xfrm>
+      </p:grpSpPr>
+      <p:sp>
+        <p:nvSpPr>
+          <p:cNvPr id="2" name="Slide Image Placeholder 1"/>
+          <p:cNvSpPr>
+            <a:spLocks noGrp="1" noRot="1" noChangeAspect="1"/>
+          </p:cNvSpPr>
+          <p:nvPr>
+            <p:ph type="sldImg"/>
+          </p:nvPr>
+        </p:nvSpPr>
+        <p:spPr/>
+      </p:sp>
+      <p:sp>
+        <p:nvSpPr>
+          <p:cNvPr id="3" name="Notes Placeholder 2"/>
+          <p:cNvSpPr>
+            <a:spLocks noGrp="1"/>
+          </p:cNvSpPr>
+          <p:nvPr>
+            <p:ph type="body" idx="1"/>
+          </p:nvPr>
+        </p:nvSpPr>
+        <p:spPr/>
+        <p:txBody>
+          <a:bodyPr/>
+          <a:lstStyle/>
+          <a:p>
+            <a:endParaRPr lang="en-US"/>
+          </a:p>
+        </p:txBody>
+      </p:sp>
+      <p:sp>
+        <p:nvSpPr>
+          <p:cNvPr id="4" name="Slide Number Placeholder 3"/>
+          <p:cNvSpPr>
+            <a:spLocks noGrp="1"/>
+          </p:cNvSpPr>
+          <p:nvPr>
+            <p:ph type="sldNum" sz="quarter" idx="10"/>
+          </p:nvPr>
+        </p:nvSpPr>
+        <p:spPr/>
+        <p:txBody>
+          <a:bodyPr/>
+          <a:lstStyle/>
+          <a:p>
+            <a:fld id="{99C44017-C63E-BF43-859B-98FD6A1827B1}" type="slidenum">
+              <a:rPr lang="en-US" smtClean="0"/>
+              <a:t>3</a:t>
+            </a:fld>
+            <a:endParaRPr lang="en-US"/>
+          </a:p>
+        </p:txBody>
+      </p:sp>
+    </p:spTree>
+    <p:extLst>
+      <p:ext uri="{BB962C8B-B14F-4D97-AF65-F5344CB8AC3E}">
+        <p14:creationId xmlns:p14="http://schemas.microsoft.com/office/powerpoint/2010/main" val="165193439"/>
+      </p:ext>
+    </p:extLst>
+  </p:cSld>
+  <p:clrMapOvr>
+    <a:masterClrMapping/>
+  </p:clrMapOvr>
+</p:notes>
+</file>
+
+<file path=ppt/notesSlides/notesSlide30.xml><?xml version="1.0" encoding="utf-8"?>
+<p:notes xmlns:a="http://schemas.openxmlformats.org/drawingml/2006/main" xmlns:r="http://schemas.openxmlformats.org/officeDocument/2006/relationships" xmlns:p="http://schemas.openxmlformats.org/presentationml/2006/main">
+  <p:cSld>
+    <p:spTree>
+      <p:nvGrpSpPr>
+        <p:cNvPr id="1" name=""/>
+        <p:cNvGrpSpPr/>
+        <p:nvPr/>
+      </p:nvGrpSpPr>
+      <p:grpSpPr>
+        <a:xfrm>
+          <a:off x="0" y="0"/>
+          <a:ext cx="0" cy="0"/>
+          <a:chOff x="0" y="0"/>
+          <a:chExt cx="0" cy="0"/>
+        </a:xfrm>
+      </p:grpSpPr>
+      <p:sp>
+        <p:nvSpPr>
+          <p:cNvPr id="2" name="Slide Image Placeholder 1"/>
+          <p:cNvSpPr>
+            <a:spLocks noGrp="1" noRot="1" noChangeAspect="1"/>
+          </p:cNvSpPr>
+          <p:nvPr>
+            <p:ph type="sldImg"/>
+          </p:nvPr>
+        </p:nvSpPr>
+        <p:spPr/>
+      </p:sp>
+      <p:sp>
+        <p:nvSpPr>
+          <p:cNvPr id="3" name="Notes Placeholder 2"/>
+          <p:cNvSpPr>
+            <a:spLocks noGrp="1"/>
+          </p:cNvSpPr>
+          <p:nvPr>
+            <p:ph type="body" idx="1"/>
+          </p:nvPr>
+        </p:nvSpPr>
+        <p:spPr/>
+        <p:txBody>
+          <a:bodyPr/>
+          <a:lstStyle/>
+          <a:p>
+            <a:endParaRPr lang="en-US"/>
+          </a:p>
+        </p:txBody>
+      </p:sp>
+      <p:sp>
+        <p:nvSpPr>
+          <p:cNvPr id="4" name="Slide Number Placeholder 3"/>
+          <p:cNvSpPr>
+            <a:spLocks noGrp="1"/>
+          </p:cNvSpPr>
+          <p:nvPr>
+            <p:ph type="sldNum" sz="quarter" idx="10"/>
+          </p:nvPr>
+        </p:nvSpPr>
+        <p:spPr/>
+        <p:txBody>
+          <a:bodyPr/>
+          <a:lstStyle/>
+          <a:p>
+            <a:fld id="{BD0705D2-A13F-0C40-828F-BEF417514726}" type="slidenum">
+              <a:rPr lang="en-US" smtClean="0"/>
+              <a:t>30</a:t>
+            </a:fld>
+            <a:endParaRPr lang="en-US"/>
+          </a:p>
+        </p:txBody>
+      </p:sp>
+    </p:spTree>
+    <p:extLst>
+      <p:ext uri="{BB962C8B-B14F-4D97-AF65-F5344CB8AC3E}">
+        <p14:creationId xmlns:p14="http://schemas.microsoft.com/office/powerpoint/2010/main" val="570539356"/>
+      </p:ext>
+    </p:extLst>
+  </p:cSld>
+  <p:clrMapOvr>
+    <a:masterClrMapping/>
+  </p:clrMapOvr>
+</p:notes>
+</file>
+
+<file path=ppt/notesSlides/notesSlide4.xml><?xml version="1.0" encoding="utf-8"?>
+<p:notes xmlns:a="http://schemas.openxmlformats.org/drawingml/2006/main" xmlns:r="http://schemas.openxmlformats.org/officeDocument/2006/relationships" xmlns:p="http://schemas.openxmlformats.org/presentationml/2006/main">
+  <p:cSld>
+    <p:spTree>
+      <p:nvGrpSpPr>
+        <p:cNvPr id="1" name=""/>
+        <p:cNvGrpSpPr/>
+        <p:nvPr/>
+      </p:nvGrpSpPr>
+      <p:grpSpPr>
+        <a:xfrm>
+          <a:off x="0" y="0"/>
+          <a:ext cx="0" cy="0"/>
+          <a:chOff x="0" y="0"/>
+          <a:chExt cx="0" cy="0"/>
+        </a:xfrm>
+      </p:grpSpPr>
+      <p:sp>
+        <p:nvSpPr>
+          <p:cNvPr id="2" name="Slide Image Placeholder 1"/>
+          <p:cNvSpPr>
+            <a:spLocks noGrp="1" noRot="1" noChangeAspect="1"/>
+          </p:cNvSpPr>
+          <p:nvPr>
+            <p:ph type="sldImg"/>
+          </p:nvPr>
+        </p:nvSpPr>
+        <p:spPr/>
+      </p:sp>
+      <p:sp>
+        <p:nvSpPr>
+          <p:cNvPr id="3" name="Notes Placeholder 2"/>
+          <p:cNvSpPr>
+            <a:spLocks noGrp="1"/>
+          </p:cNvSpPr>
+          <p:nvPr>
+            <p:ph type="body" idx="1"/>
+          </p:nvPr>
+        </p:nvSpPr>
+        <p:spPr/>
+        <p:txBody>
+          <a:bodyPr/>
+          <a:lstStyle/>
+          <a:p>
+            <a:endParaRPr lang="en-US"/>
+          </a:p>
+        </p:txBody>
+      </p:sp>
+      <p:sp>
+        <p:nvSpPr>
+          <p:cNvPr id="4" name="Slide Number Placeholder 3"/>
+          <p:cNvSpPr>
+            <a:spLocks noGrp="1"/>
+          </p:cNvSpPr>
+          <p:nvPr>
+            <p:ph type="sldNum" sz="quarter" idx="10"/>
+          </p:nvPr>
+        </p:nvSpPr>
+        <p:spPr/>
+        <p:txBody>
+          <a:bodyPr/>
+          <a:lstStyle/>
+          <a:p>
+            <a:fld id="{99C44017-C63E-BF43-859B-98FD6A1827B1}" type="slidenum">
+              <a:rPr lang="en-US" smtClean="0"/>
+              <a:t>4</a:t>
+            </a:fld>
+            <a:endParaRPr lang="en-US"/>
+          </a:p>
+        </p:txBody>
+      </p:sp>
+    </p:spTree>
+    <p:extLst>
+      <p:ext uri="{BB962C8B-B14F-4D97-AF65-F5344CB8AC3E}">
+        <p14:creationId xmlns:p14="http://schemas.microsoft.com/office/powerpoint/2010/main" val="1857257349"/>
+      </p:ext>
+    </p:extLst>
+  </p:cSld>
+  <p:clrMapOvr>
+    <a:masterClrMapping/>
+  </p:clrMapOvr>
+</p:notes>
+</file>
+
+<file path=ppt/notesSlides/notesSlide5.xml><?xml version="1.0" encoding="utf-8"?>
+<p:notes xmlns:a="http://schemas.openxmlformats.org/drawingml/2006/main" xmlns:r="http://schemas.openxmlformats.org/officeDocument/2006/relationships" xmlns:p="http://schemas.openxmlformats.org/presentationml/2006/main">
+  <p:cSld>
+    <p:spTree>
+      <p:nvGrpSpPr>
+        <p:cNvPr id="1" name=""/>
+        <p:cNvGrpSpPr/>
+        <p:nvPr/>
+      </p:nvGrpSpPr>
+      <p:grpSpPr>
+        <a:xfrm>
+          <a:off x="0" y="0"/>
+          <a:ext cx="0" cy="0"/>
+          <a:chOff x="0" y="0"/>
+          <a:chExt cx="0" cy="0"/>
+        </a:xfrm>
+      </p:grpSpPr>
+      <p:sp>
+        <p:nvSpPr>
+          <p:cNvPr id="2" name="Slide Image Placeholder 1"/>
+          <p:cNvSpPr>
+            <a:spLocks noGrp="1" noRot="1" noChangeAspect="1"/>
+          </p:cNvSpPr>
+          <p:nvPr>
+            <p:ph type="sldImg"/>
+          </p:nvPr>
+        </p:nvSpPr>
+        <p:spPr/>
+      </p:sp>
+      <p:sp>
+        <p:nvSpPr>
+          <p:cNvPr id="3" name="Notes Placeholder 2"/>
+          <p:cNvSpPr>
+            <a:spLocks noGrp="1"/>
+          </p:cNvSpPr>
+          <p:nvPr>
+            <p:ph type="body" idx="1"/>
+          </p:nvPr>
+        </p:nvSpPr>
+        <p:spPr/>
+        <p:txBody>
+          <a:bodyPr/>
+          <a:lstStyle/>
+          <a:p>
+            <a:endParaRPr lang="en-US"/>
+          </a:p>
+        </p:txBody>
+      </p:sp>
+      <p:sp>
+        <p:nvSpPr>
+          <p:cNvPr id="4" name="Slide Number Placeholder 3"/>
+          <p:cNvSpPr>
+            <a:spLocks noGrp="1"/>
+          </p:cNvSpPr>
+          <p:nvPr>
+            <p:ph type="sldNum" sz="quarter" idx="10"/>
+          </p:nvPr>
+        </p:nvSpPr>
+        <p:spPr/>
+        <p:txBody>
+          <a:bodyPr/>
+          <a:lstStyle/>
+          <a:p>
+            <a:fld id="{99C44017-C63E-BF43-859B-98FD6A1827B1}" type="slidenum">
+              <a:rPr lang="en-US" smtClean="0"/>
+              <a:t>5</a:t>
+            </a:fld>
+            <a:endParaRPr lang="en-US"/>
+          </a:p>
+        </p:txBody>
+      </p:sp>
+    </p:spTree>
+    <p:extLst>
+      <p:ext uri="{BB962C8B-B14F-4D97-AF65-F5344CB8AC3E}">
+        <p14:creationId xmlns:p14="http://schemas.microsoft.com/office/powerpoint/2010/main" val="1249455498"/>
+      </p:ext>
+    </p:extLst>
+  </p:cSld>
+  <p:clrMapOvr>
+    <a:masterClrMapping/>
+  </p:clrMapOvr>
+</p:notes>
+</file>
+
+<file path=ppt/notesSlides/notesSlide6.xml><?xml version="1.0" encoding="utf-8"?>
+<p:notes xmlns:a="http://schemas.openxmlformats.org/drawingml/2006/main" xmlns:r="http://schemas.openxmlformats.org/officeDocument/2006/relationships" xmlns:p="http://schemas.openxmlformats.org/presentationml/2006/main">
+  <p:cSld>
+    <p:spTree>
+      <p:nvGrpSpPr>
+        <p:cNvPr id="1" name=""/>
+        <p:cNvGrpSpPr/>
+        <p:nvPr/>
+      </p:nvGrpSpPr>
+      <p:grpSpPr>
+        <a:xfrm>
+          <a:off x="0" y="0"/>
+          <a:ext cx="0" cy="0"/>
+          <a:chOff x="0" y="0"/>
+          <a:chExt cx="0" cy="0"/>
+        </a:xfrm>
+      </p:grpSpPr>
+      <p:sp>
+        <p:nvSpPr>
+          <p:cNvPr id="2" name="Slide Image Placeholder 1"/>
+          <p:cNvSpPr>
+            <a:spLocks noGrp="1" noRot="1" noChangeAspect="1"/>
+          </p:cNvSpPr>
+          <p:nvPr>
+            <p:ph type="sldImg"/>
+          </p:nvPr>
+        </p:nvSpPr>
+        <p:spPr/>
+      </p:sp>
+      <p:sp>
+        <p:nvSpPr>
+          <p:cNvPr id="3" name="Notes Placeholder 2"/>
+          <p:cNvSpPr>
+            <a:spLocks noGrp="1"/>
+          </p:cNvSpPr>
+          <p:nvPr>
+            <p:ph type="body" idx="1"/>
+          </p:nvPr>
+        </p:nvSpPr>
+        <p:spPr/>
+        <p:txBody>
+          <a:bodyPr/>
+          <a:lstStyle/>
+          <a:p>
+            <a:endParaRPr lang="en-US"/>
+          </a:p>
+        </p:txBody>
+      </p:sp>
+      <p:sp>
+        <p:nvSpPr>
+          <p:cNvPr id="4" name="Slide Number Placeholder 3"/>
+          <p:cNvSpPr>
+            <a:spLocks noGrp="1"/>
+          </p:cNvSpPr>
+          <p:nvPr>
+            <p:ph type="sldNum" sz="quarter" idx="10"/>
+          </p:nvPr>
+        </p:nvSpPr>
+        <p:spPr/>
+        <p:txBody>
+          <a:bodyPr/>
+          <a:lstStyle/>
+          <a:p>
+            <a:fld id="{99C44017-C63E-BF43-859B-98FD6A1827B1}" type="slidenum">
+              <a:rPr lang="en-US" smtClean="0"/>
+              <a:t>6</a:t>
+            </a:fld>
+            <a:endParaRPr lang="en-US"/>
+          </a:p>
+        </p:txBody>
+      </p:sp>
+    </p:spTree>
+    <p:extLst>
+      <p:ext uri="{BB962C8B-B14F-4D97-AF65-F5344CB8AC3E}">
+        <p14:creationId xmlns:p14="http://schemas.microsoft.com/office/powerpoint/2010/main" val="1503454520"/>
+      </p:ext>
+    </p:extLst>
+  </p:cSld>
+  <p:clrMapOvr>
+    <a:masterClrMapping/>
+  </p:clrMapOvr>
+</p:notes>
+</file>
+
+<file path=ppt/notesSlides/notesSlide7.xml><?xml version="1.0" encoding="utf-8"?>
+<p:notes xmlns:a="http://schemas.openxmlformats.org/drawingml/2006/main" xmlns:r="http://schemas.openxmlformats.org/officeDocument/2006/relationships" xmlns:p="http://schemas.openxmlformats.org/presentationml/2006/main">
+  <p:cSld>
+    <p:spTree>
+      <p:nvGrpSpPr>
+        <p:cNvPr id="1" name=""/>
+        <p:cNvGrpSpPr/>
+        <p:nvPr/>
+      </p:nvGrpSpPr>
+      <p:grpSpPr>
+        <a:xfrm>
+          <a:off x="0" y="0"/>
+          <a:ext cx="0" cy="0"/>
+          <a:chOff x="0" y="0"/>
+          <a:chExt cx="0" cy="0"/>
+        </a:xfrm>
+      </p:grpSpPr>
+      <p:sp>
+        <p:nvSpPr>
+          <p:cNvPr id="2" name="Slide Image Placeholder 1"/>
+          <p:cNvSpPr>
+            <a:spLocks noGrp="1" noRot="1" noChangeAspect="1"/>
+          </p:cNvSpPr>
+          <p:nvPr>
+            <p:ph type="sldImg"/>
+          </p:nvPr>
+        </p:nvSpPr>
+        <p:spPr/>
+      </p:sp>
+      <p:sp>
+        <p:nvSpPr>
+          <p:cNvPr id="3" name="Notes Placeholder 2"/>
+          <p:cNvSpPr>
+            <a:spLocks noGrp="1"/>
+          </p:cNvSpPr>
+          <p:nvPr>
+            <p:ph type="body" idx="1"/>
+          </p:nvPr>
+        </p:nvSpPr>
+        <p:spPr/>
+        <p:txBody>
+          <a:bodyPr/>
+          <a:lstStyle/>
+          <a:p>
+            <a:endParaRPr lang="en-US"/>
+          </a:p>
+        </p:txBody>
+      </p:sp>
+      <p:sp>
+        <p:nvSpPr>
+          <p:cNvPr id="4" name="Slide Number Placeholder 3"/>
+          <p:cNvSpPr>
+            <a:spLocks noGrp="1"/>
+          </p:cNvSpPr>
+          <p:nvPr>
+            <p:ph type="sldNum" sz="quarter" idx="10"/>
+          </p:nvPr>
+        </p:nvSpPr>
+        <p:spPr/>
+        <p:txBody>
+          <a:bodyPr/>
+          <a:lstStyle/>
+          <a:p>
+            <a:fld id="{99C44017-C63E-BF43-859B-98FD6A1827B1}" type="slidenum">
+              <a:rPr lang="en-US" smtClean="0"/>
+              <a:t>7</a:t>
+            </a:fld>
+            <a:endParaRPr lang="en-US"/>
+          </a:p>
+        </p:txBody>
+      </p:sp>
+    </p:spTree>
+    <p:extLst>
+      <p:ext uri="{BB962C8B-B14F-4D97-AF65-F5344CB8AC3E}">
+        <p14:creationId xmlns:p14="http://schemas.microsoft.com/office/powerpoint/2010/main" val="1267527038"/>
+      </p:ext>
+    </p:extLst>
+  </p:cSld>
+  <p:clrMapOvr>
+    <a:masterClrMapping/>
+  </p:clrMapOvr>
+</p:notes>
+</file>
+
+<file path=ppt/notesSlides/notesSlide8.xml><?xml version="1.0" encoding="utf-8"?>
+<p:notes xmlns:a="http://schemas.openxmlformats.org/drawingml/2006/main" xmlns:r="http://schemas.openxmlformats.org/officeDocument/2006/relationships" xmlns:p="http://schemas.openxmlformats.org/presentationml/2006/main">
+  <p:cSld>
+    <p:spTree>
+      <p:nvGrpSpPr>
+        <p:cNvPr id="1" name=""/>
+        <p:cNvGrpSpPr/>
+        <p:nvPr/>
+      </p:nvGrpSpPr>
+      <p:grpSpPr>
+        <a:xfrm>
+          <a:off x="0" y="0"/>
+          <a:ext cx="0" cy="0"/>
+          <a:chOff x="0" y="0"/>
+          <a:chExt cx="0" cy="0"/>
+        </a:xfrm>
+      </p:grpSpPr>
+      <p:sp>
+        <p:nvSpPr>
+          <p:cNvPr id="2" name="Slide Image Placeholder 1"/>
+          <p:cNvSpPr>
+            <a:spLocks noGrp="1" noRot="1" noChangeAspect="1"/>
+          </p:cNvSpPr>
+          <p:nvPr>
+            <p:ph type="sldImg"/>
+          </p:nvPr>
+        </p:nvSpPr>
+        <p:spPr/>
+      </p:sp>
+      <p:sp>
+        <p:nvSpPr>
+          <p:cNvPr id="3" name="Notes Placeholder 2"/>
+          <p:cNvSpPr>
+            <a:spLocks noGrp="1"/>
+          </p:cNvSpPr>
+          <p:nvPr>
+            <p:ph type="body" idx="1"/>
+          </p:nvPr>
+        </p:nvSpPr>
+        <p:spPr/>
+        <p:txBody>
+          <a:bodyPr/>
+          <a:lstStyle/>
+          <a:p>
+            <a:endParaRPr lang="en-US"/>
+          </a:p>
+        </p:txBody>
+      </p:sp>
+      <p:sp>
+        <p:nvSpPr>
+          <p:cNvPr id="4" name="Slide Number Placeholder 3"/>
+          <p:cNvSpPr>
+            <a:spLocks noGrp="1"/>
+          </p:cNvSpPr>
+          <p:nvPr>
+            <p:ph type="sldNum" sz="quarter" idx="10"/>
+          </p:nvPr>
+        </p:nvSpPr>
+        <p:spPr/>
+        <p:txBody>
+          <a:bodyPr/>
+          <a:lstStyle/>
+          <a:p>
+            <a:fld id="{99C44017-C63E-BF43-859B-98FD6A1827B1}" type="slidenum">
+              <a:rPr lang="en-US" smtClean="0"/>
+              <a:t>8</a:t>
+            </a:fld>
+            <a:endParaRPr lang="en-US"/>
+          </a:p>
+        </p:txBody>
+      </p:sp>
+    </p:spTree>
+    <p:extLst>
+      <p:ext uri="{BB962C8B-B14F-4D97-AF65-F5344CB8AC3E}">
+        <p14:creationId xmlns:p14="http://schemas.microsoft.com/office/powerpoint/2010/main" val="289149426"/>
+      </p:ext>
+    </p:extLst>
+  </p:cSld>
+  <p:clrMapOvr>
+    <a:masterClrMapping/>
+  </p:clrMapOvr>
+</p:notes>
+</file>
+
+<file path=ppt/notesSlides/notesSlide9.xml><?xml version="1.0" encoding="utf-8"?>
+<p:notes xmlns:a="http://schemas.openxmlformats.org/drawingml/2006/main" xmlns:r="http://schemas.openxmlformats.org/officeDocument/2006/relationships" xmlns:p="http://schemas.openxmlformats.org/presentationml/2006/main">
+  <p:cSld>
+    <p:spTree>
+      <p:nvGrpSpPr>
+        <p:cNvPr id="1" name=""/>
+        <p:cNvGrpSpPr/>
+        <p:nvPr/>
+      </p:nvGrpSpPr>
+      <p:grpSpPr>
+        <a:xfrm>
+          <a:off x="0" y="0"/>
+          <a:ext cx="0" cy="0"/>
+          <a:chOff x="0" y="0"/>
+          <a:chExt cx="0" cy="0"/>
+        </a:xfrm>
+      </p:grpSpPr>
+      <p:sp>
+        <p:nvSpPr>
+          <p:cNvPr id="2" name="Slide Image Placeholder 1"/>
+          <p:cNvSpPr>
+            <a:spLocks noGrp="1" noRot="1" noChangeAspect="1"/>
+          </p:cNvSpPr>
+          <p:nvPr>
+            <p:ph type="sldImg"/>
+          </p:nvPr>
+        </p:nvSpPr>
+        <p:spPr/>
+      </p:sp>
+      <p:sp>
+        <p:nvSpPr>
+          <p:cNvPr id="3" name="Notes Placeholder 2"/>
+          <p:cNvSpPr>
+            <a:spLocks noGrp="1"/>
+          </p:cNvSpPr>
+          <p:nvPr>
+            <p:ph type="body" idx="1"/>
+          </p:nvPr>
+        </p:nvSpPr>
+        <p:spPr/>
+        <p:txBody>
+          <a:bodyPr/>
+          <a:lstStyle/>
+          <a:p>
+            <a:endParaRPr lang="en-US"/>
+          </a:p>
+        </p:txBody>
+      </p:sp>
+      <p:sp>
+        <p:nvSpPr>
+          <p:cNvPr id="4" name="Slide Number Placeholder 3"/>
+          <p:cNvSpPr>
+            <a:spLocks noGrp="1"/>
+          </p:cNvSpPr>
+          <p:nvPr>
+            <p:ph type="sldNum" sz="quarter" idx="10"/>
+          </p:nvPr>
+        </p:nvSpPr>
+        <p:spPr/>
+        <p:txBody>
+          <a:bodyPr/>
+          <a:lstStyle/>
+          <a:p>
+            <a:fld id="{99C44017-C63E-BF43-859B-98FD6A1827B1}" type="slidenum">
+              <a:rPr lang="en-US" smtClean="0"/>
+              <a:t>9</a:t>
+            </a:fld>
+            <a:endParaRPr lang="en-US"/>
+          </a:p>
+        </p:txBody>
+      </p:sp>
+    </p:spTree>
+    <p:extLst>
+      <p:ext uri="{BB962C8B-B14F-4D97-AF65-F5344CB8AC3E}">
+        <p14:creationId xmlns:p14="http://schemas.microsoft.com/office/powerpoint/2010/main" val="2126393268"/>
+      </p:ext>
+    </p:extLst>
+  </p:cSld>
+  <p:clrMapOvr>
+    <a:masterClrMapping/>
+  </p:clrMapOvr>
+</p:notes>
 </file>
 
 <file path=ppt/slideLayouts/slideLayout1.xml><?xml version="1.0" encoding="utf-8"?>
@@ -2994,6 +5896,48 @@
           </a:p>
         </p:txBody>
       </p:sp>
+      <p:sp>
+        <p:nvSpPr>
+          <p:cNvPr id="5" name="TextBox 4"/>
+          <p:cNvSpPr txBox="1"/>
+          <p:nvPr/>
+        </p:nvSpPr>
+        <p:spPr>
+          <a:xfrm>
+            <a:off x="5384331" y="4908884"/>
+            <a:ext cx="1423338" cy="369332"/>
+          </a:xfrm>
+          <a:prstGeom prst="rect">
+            <a:avLst/>
+          </a:prstGeom>
+          <a:noFill/>
+        </p:spPr>
+        <p:txBody>
+          <a:bodyPr wrap="none" rtlCol="0">
+            <a:spAutoFit/>
+          </a:bodyPr>
+          <a:lstStyle/>
+          <a:p>
+            <a:r>
+              <a:rPr lang="en-US" smtClean="0">
+                <a:solidFill>
+                  <a:schemeClr val="bg1">
+                    <a:lumMod val="50000"/>
+                  </a:schemeClr>
+                </a:solidFill>
+              </a:rPr>
+              <a:t>Abel Sanchez</a:t>
+            </a:r>
+            <a:endParaRPr lang="en-US">
+              <a:solidFill>
+                <a:schemeClr val="bg1">
+                  <a:lumMod val="50000"/>
+                </a:schemeClr>
+              </a:solidFill>
+            </a:endParaRPr>
+          </a:p>
+        </p:txBody>
+      </p:sp>
     </p:spTree>
     <p:extLst>
       <p:ext uri="{BB962C8B-B14F-4D97-AF65-F5344CB8AC3E}">
@@ -3004,6 +5948,6143 @@
   <p:clrMapOvr>
     <a:masterClrMapping/>
   </p:clrMapOvr>
+  <p:timing>
+    <p:tnLst>
+      <p:par>
+        <p:cTn id="1" dur="indefinite" restart="never" nodeType="tmRoot"/>
+      </p:par>
+    </p:tnLst>
+  </p:timing>
+</p:sld>
+</file>
+
+<file path=ppt/slides/slide10.xml><?xml version="1.0" encoding="utf-8"?>
+<p:sld xmlns:a="http://schemas.openxmlformats.org/drawingml/2006/main" xmlns:r="http://schemas.openxmlformats.org/officeDocument/2006/relationships" xmlns:p="http://schemas.openxmlformats.org/presentationml/2006/main">
+  <p:cSld>
+    <p:bg>
+      <p:bgPr>
+        <a:solidFill>
+          <a:schemeClr val="tx1"/>
+        </a:solidFill>
+        <a:effectLst/>
+      </p:bgPr>
+    </p:bg>
+    <p:spTree>
+      <p:nvGrpSpPr>
+        <p:cNvPr id="1" name=""/>
+        <p:cNvGrpSpPr/>
+        <p:nvPr/>
+      </p:nvGrpSpPr>
+      <p:grpSpPr>
+        <a:xfrm>
+          <a:off x="0" y="0"/>
+          <a:ext cx="0" cy="0"/>
+          <a:chOff x="0" y="0"/>
+          <a:chExt cx="0" cy="0"/>
+        </a:xfrm>
+      </p:grpSpPr>
+      <p:pic>
+        <p:nvPicPr>
+          <p:cNvPr id="2" name="Picture 1"/>
+          <p:cNvPicPr>
+            <a:picLocks noChangeAspect="1"/>
+          </p:cNvPicPr>
+          <p:nvPr/>
+        </p:nvPicPr>
+        <p:blipFill>
+          <a:blip r:embed="rId3">
+            <a:extLst>
+              <a:ext uri="{28A0092B-C50C-407E-A947-70E740481C1C}">
+                <a14:useLocalDpi xmlns:a14="http://schemas.microsoft.com/office/drawing/2010/main" val="0"/>
+              </a:ext>
+            </a:extLst>
+          </a:blip>
+          <a:stretch>
+            <a:fillRect/>
+          </a:stretch>
+        </p:blipFill>
+        <p:spPr>
+          <a:xfrm>
+            <a:off x="939800" y="0"/>
+            <a:ext cx="10291020" cy="6858000"/>
+          </a:xfrm>
+          <a:prstGeom prst="rect">
+            <a:avLst/>
+          </a:prstGeom>
+        </p:spPr>
+      </p:pic>
+    </p:spTree>
+    <p:extLst>
+      <p:ext uri="{BB962C8B-B14F-4D97-AF65-F5344CB8AC3E}">
+        <p14:creationId xmlns:p14="http://schemas.microsoft.com/office/powerpoint/2010/main" val="1440888094"/>
+      </p:ext>
+    </p:extLst>
+  </p:cSld>
+  <p:clrMapOvr>
+    <a:masterClrMapping/>
+  </p:clrMapOvr>
+  <p:timing>
+    <p:tnLst>
+      <p:par>
+        <p:cTn id="1" dur="indefinite" restart="never" nodeType="tmRoot"/>
+      </p:par>
+    </p:tnLst>
+  </p:timing>
+</p:sld>
+</file>
+
+<file path=ppt/slides/slide11.xml><?xml version="1.0" encoding="utf-8"?>
+<p:sld xmlns:a="http://schemas.openxmlformats.org/drawingml/2006/main" xmlns:r="http://schemas.openxmlformats.org/officeDocument/2006/relationships" xmlns:p="http://schemas.openxmlformats.org/presentationml/2006/main">
+  <p:cSld>
+    <p:bg>
+      <p:bgPr>
+        <a:solidFill>
+          <a:schemeClr val="tx1"/>
+        </a:solidFill>
+        <a:effectLst/>
+      </p:bgPr>
+    </p:bg>
+    <p:spTree>
+      <p:nvGrpSpPr>
+        <p:cNvPr id="1" name=""/>
+        <p:cNvGrpSpPr/>
+        <p:nvPr/>
+      </p:nvGrpSpPr>
+      <p:grpSpPr>
+        <a:xfrm>
+          <a:off x="0" y="0"/>
+          <a:ext cx="0" cy="0"/>
+          <a:chOff x="0" y="0"/>
+          <a:chExt cx="0" cy="0"/>
+        </a:xfrm>
+      </p:grpSpPr>
+      <p:pic>
+        <p:nvPicPr>
+          <p:cNvPr id="2" name="Picture 1"/>
+          <p:cNvPicPr>
+            <a:picLocks noChangeAspect="1"/>
+          </p:cNvPicPr>
+          <p:nvPr/>
+        </p:nvPicPr>
+        <p:blipFill>
+          <a:blip r:embed="rId3">
+            <a:extLst>
+              <a:ext uri="{28A0092B-C50C-407E-A947-70E740481C1C}">
+                <a14:useLocalDpi xmlns:a14="http://schemas.microsoft.com/office/drawing/2010/main" val="0"/>
+              </a:ext>
+            </a:extLst>
+          </a:blip>
+          <a:stretch>
+            <a:fillRect/>
+          </a:stretch>
+        </p:blipFill>
+        <p:spPr>
+          <a:xfrm>
+            <a:off x="939800" y="0"/>
+            <a:ext cx="10291020" cy="6858000"/>
+          </a:xfrm>
+          <a:prstGeom prst="rect">
+            <a:avLst/>
+          </a:prstGeom>
+        </p:spPr>
+      </p:pic>
+    </p:spTree>
+    <p:extLst>
+      <p:ext uri="{BB962C8B-B14F-4D97-AF65-F5344CB8AC3E}">
+        <p14:creationId xmlns:p14="http://schemas.microsoft.com/office/powerpoint/2010/main" val="1980592286"/>
+      </p:ext>
+    </p:extLst>
+  </p:cSld>
+  <p:clrMapOvr>
+    <a:masterClrMapping/>
+  </p:clrMapOvr>
+  <p:timing>
+    <p:tnLst>
+      <p:par>
+        <p:cTn id="1" dur="indefinite" restart="never" nodeType="tmRoot"/>
+      </p:par>
+    </p:tnLst>
+  </p:timing>
+</p:sld>
+</file>
+
+<file path=ppt/slides/slide12.xml><?xml version="1.0" encoding="utf-8"?>
+<p:sld xmlns:a="http://schemas.openxmlformats.org/drawingml/2006/main" xmlns:r="http://schemas.openxmlformats.org/officeDocument/2006/relationships" xmlns:p="http://schemas.openxmlformats.org/presentationml/2006/main">
+  <p:cSld>
+    <p:spTree>
+      <p:nvGrpSpPr>
+        <p:cNvPr id="1" name=""/>
+        <p:cNvGrpSpPr/>
+        <p:nvPr/>
+      </p:nvGrpSpPr>
+      <p:grpSpPr>
+        <a:xfrm>
+          <a:off x="0" y="0"/>
+          <a:ext cx="0" cy="0"/>
+          <a:chOff x="0" y="0"/>
+          <a:chExt cx="0" cy="0"/>
+        </a:xfrm>
+      </p:grpSpPr>
+      <p:pic>
+        <p:nvPicPr>
+          <p:cNvPr id="2" name="Picture 1"/>
+          <p:cNvPicPr>
+            <a:picLocks noChangeAspect="1"/>
+          </p:cNvPicPr>
+          <p:nvPr/>
+        </p:nvPicPr>
+        <p:blipFill>
+          <a:blip r:embed="rId3">
+            <a:extLst>
+              <a:ext uri="{28A0092B-C50C-407E-A947-70E740481C1C}">
+                <a14:useLocalDpi xmlns:a14="http://schemas.microsoft.com/office/drawing/2010/main" val="0"/>
+              </a:ext>
+            </a:extLst>
+          </a:blip>
+          <a:stretch>
+            <a:fillRect/>
+          </a:stretch>
+        </p:blipFill>
+        <p:spPr>
+          <a:xfrm>
+            <a:off x="0" y="558800"/>
+            <a:ext cx="12192000" cy="5722620"/>
+          </a:xfrm>
+          <a:prstGeom prst="rect">
+            <a:avLst/>
+          </a:prstGeom>
+        </p:spPr>
+      </p:pic>
+    </p:spTree>
+    <p:extLst>
+      <p:ext uri="{BB962C8B-B14F-4D97-AF65-F5344CB8AC3E}">
+        <p14:creationId xmlns:p14="http://schemas.microsoft.com/office/powerpoint/2010/main" val="1818022302"/>
+      </p:ext>
+    </p:extLst>
+  </p:cSld>
+  <p:clrMapOvr>
+    <a:masterClrMapping/>
+  </p:clrMapOvr>
+  <p:timing>
+    <p:tnLst>
+      <p:par>
+        <p:cTn id="1" dur="indefinite" restart="never" nodeType="tmRoot"/>
+      </p:par>
+    </p:tnLst>
+  </p:timing>
+</p:sld>
+</file>
+
+<file path=ppt/slides/slide13.xml><?xml version="1.0" encoding="utf-8"?>
+<p:sld xmlns:a="http://schemas.openxmlformats.org/drawingml/2006/main" xmlns:r="http://schemas.openxmlformats.org/officeDocument/2006/relationships" xmlns:p="http://schemas.openxmlformats.org/presentationml/2006/main">
+  <p:cSld>
+    <p:spTree>
+      <p:nvGrpSpPr>
+        <p:cNvPr id="1" name=""/>
+        <p:cNvGrpSpPr/>
+        <p:nvPr/>
+      </p:nvGrpSpPr>
+      <p:grpSpPr>
+        <a:xfrm>
+          <a:off x="0" y="0"/>
+          <a:ext cx="0" cy="0"/>
+          <a:chOff x="0" y="0"/>
+          <a:chExt cx="0" cy="0"/>
+        </a:xfrm>
+      </p:grpSpPr>
+      <p:sp>
+        <p:nvSpPr>
+          <p:cNvPr id="3" name="Title 2"/>
+          <p:cNvSpPr>
+            <a:spLocks noGrp="1"/>
+          </p:cNvSpPr>
+          <p:nvPr>
+            <p:ph type="title"/>
+          </p:nvPr>
+        </p:nvSpPr>
+        <p:spPr/>
+        <p:txBody>
+          <a:bodyPr/>
+          <a:lstStyle/>
+          <a:p>
+            <a:r>
+              <a:rPr lang="en-US" dirty="0" smtClean="0"/>
+              <a:t>Binary counting activity</a:t>
+            </a:r>
+            <a:endParaRPr lang="en-US" dirty="0"/>
+          </a:p>
+        </p:txBody>
+      </p:sp>
+      <p:sp>
+        <p:nvSpPr>
+          <p:cNvPr id="4" name="Content Placeholder 3"/>
+          <p:cNvSpPr>
+            <a:spLocks noGrp="1"/>
+          </p:cNvSpPr>
+          <p:nvPr>
+            <p:ph idx="1"/>
+          </p:nvPr>
+        </p:nvSpPr>
+        <p:spPr/>
+        <p:txBody>
+          <a:bodyPr/>
+          <a:lstStyle/>
+          <a:p>
+            <a:r>
+              <a:rPr lang="en-US" dirty="0" smtClean="0"/>
+              <a:t>Practice </a:t>
+            </a:r>
+            <a:r>
+              <a:rPr lang="en-US" dirty="0"/>
+              <a:t>binary </a:t>
+            </a:r>
+            <a:r>
+              <a:rPr lang="en-US" dirty="0" smtClean="0"/>
+              <a:t>counting</a:t>
+            </a:r>
+          </a:p>
+          <a:p>
+            <a:r>
+              <a:rPr lang="en-US" dirty="0" smtClean="0"/>
+              <a:t>Optional: consider </a:t>
+            </a:r>
+            <a:r>
+              <a:rPr lang="en-US" dirty="0"/>
+              <a:t>increasing to both hands</a:t>
+            </a:r>
+          </a:p>
+        </p:txBody>
+      </p:sp>
+    </p:spTree>
+    <p:extLst>
+      <p:ext uri="{BB962C8B-B14F-4D97-AF65-F5344CB8AC3E}">
+        <p14:creationId xmlns:p14="http://schemas.microsoft.com/office/powerpoint/2010/main" val="1103500198"/>
+      </p:ext>
+    </p:extLst>
+  </p:cSld>
+  <p:clrMapOvr>
+    <a:masterClrMapping/>
+  </p:clrMapOvr>
+  <p:timing>
+    <p:tnLst>
+      <p:par>
+        <p:cTn id="1" dur="indefinite" restart="never" nodeType="tmRoot"/>
+      </p:par>
+    </p:tnLst>
+  </p:timing>
+</p:sld>
+</file>
+
+<file path=ppt/slides/slide14.xml><?xml version="1.0" encoding="utf-8"?>
+<p:sld xmlns:a="http://schemas.openxmlformats.org/drawingml/2006/main" xmlns:r="http://schemas.openxmlformats.org/officeDocument/2006/relationships" xmlns:p="http://schemas.openxmlformats.org/presentationml/2006/main">
+  <p:cSld>
+    <p:spTree>
+      <p:nvGrpSpPr>
+        <p:cNvPr id="1" name=""/>
+        <p:cNvGrpSpPr/>
+        <p:nvPr/>
+      </p:nvGrpSpPr>
+      <p:grpSpPr>
+        <a:xfrm>
+          <a:off x="0" y="0"/>
+          <a:ext cx="0" cy="0"/>
+          <a:chOff x="0" y="0"/>
+          <a:chExt cx="0" cy="0"/>
+        </a:xfrm>
+      </p:grpSpPr>
+      <p:sp>
+        <p:nvSpPr>
+          <p:cNvPr id="2" name="Title 1"/>
+          <p:cNvSpPr>
+            <a:spLocks noGrp="1"/>
+          </p:cNvSpPr>
+          <p:nvPr>
+            <p:ph type="title"/>
+          </p:nvPr>
+        </p:nvSpPr>
+        <p:spPr/>
+        <p:txBody>
+          <a:bodyPr/>
+          <a:lstStyle/>
+          <a:p>
+            <a:r>
+              <a:rPr lang="en-US" dirty="0" smtClean="0"/>
+              <a:t>Class competition </a:t>
+            </a:r>
+            <a:r>
+              <a:rPr lang="mr-IN" dirty="0" smtClean="0"/>
+              <a:t>–</a:t>
+            </a:r>
+            <a:r>
+              <a:rPr lang="en-US" dirty="0" smtClean="0"/>
+              <a:t> Individual, not teams</a:t>
+            </a:r>
+            <a:endParaRPr lang="en-US" dirty="0"/>
+          </a:p>
+        </p:txBody>
+      </p:sp>
+      <p:sp>
+        <p:nvSpPr>
+          <p:cNvPr id="3" name="Content Placeholder 2"/>
+          <p:cNvSpPr>
+            <a:spLocks noGrp="1"/>
+          </p:cNvSpPr>
+          <p:nvPr>
+            <p:ph idx="1"/>
+          </p:nvPr>
+        </p:nvSpPr>
+        <p:spPr/>
+        <p:txBody>
+          <a:bodyPr/>
+          <a:lstStyle/>
+          <a:p>
+            <a:r>
+              <a:rPr lang="en-US" dirty="0" smtClean="0"/>
+              <a:t>Fun </a:t>
+            </a:r>
+            <a:r>
+              <a:rPr lang="mr-IN" dirty="0" smtClean="0"/>
+              <a:t>…</a:t>
+            </a:r>
+            <a:endParaRPr lang="en-US" dirty="0"/>
+          </a:p>
+        </p:txBody>
+      </p:sp>
+    </p:spTree>
+    <p:extLst>
+      <p:ext uri="{BB962C8B-B14F-4D97-AF65-F5344CB8AC3E}">
+        <p14:creationId xmlns:p14="http://schemas.microsoft.com/office/powerpoint/2010/main" val="859052294"/>
+      </p:ext>
+    </p:extLst>
+  </p:cSld>
+  <p:clrMapOvr>
+    <a:masterClrMapping/>
+  </p:clrMapOvr>
+  <p:timing>
+    <p:tnLst>
+      <p:par>
+        <p:cTn id="1" dur="indefinite" restart="never" nodeType="tmRoot"/>
+      </p:par>
+    </p:tnLst>
+  </p:timing>
+</p:sld>
+</file>
+
+<file path=ppt/slides/slide15.xml><?xml version="1.0" encoding="utf-8"?>
+<p:sld xmlns:a="http://schemas.openxmlformats.org/drawingml/2006/main" xmlns:r="http://schemas.openxmlformats.org/officeDocument/2006/relationships" xmlns:p="http://schemas.openxmlformats.org/presentationml/2006/main">
+  <p:cSld>
+    <p:spTree>
+      <p:nvGrpSpPr>
+        <p:cNvPr id="1" name=""/>
+        <p:cNvGrpSpPr/>
+        <p:nvPr/>
+      </p:nvGrpSpPr>
+      <p:grpSpPr>
+        <a:xfrm>
+          <a:off x="0" y="0"/>
+          <a:ext cx="0" cy="0"/>
+          <a:chOff x="0" y="0"/>
+          <a:chExt cx="0" cy="0"/>
+        </a:xfrm>
+      </p:grpSpPr>
+      <p:sp>
+        <p:nvSpPr>
+          <p:cNvPr id="2" name="Title 1"/>
+          <p:cNvSpPr>
+            <a:spLocks noGrp="1"/>
+          </p:cNvSpPr>
+          <p:nvPr>
+            <p:ph type="title"/>
+          </p:nvPr>
+        </p:nvSpPr>
+        <p:spPr/>
+        <p:txBody>
+          <a:bodyPr/>
+          <a:lstStyle/>
+          <a:p>
+            <a:r>
+              <a:rPr lang="en-US" dirty="0" smtClean="0"/>
+              <a:t>Binary clock activity</a:t>
+            </a:r>
+            <a:endParaRPr lang="en-US" dirty="0"/>
+          </a:p>
+        </p:txBody>
+      </p:sp>
+      <p:sp>
+        <p:nvSpPr>
+          <p:cNvPr id="3" name="Content Placeholder 2"/>
+          <p:cNvSpPr>
+            <a:spLocks noGrp="1"/>
+          </p:cNvSpPr>
+          <p:nvPr>
+            <p:ph idx="1"/>
+          </p:nvPr>
+        </p:nvSpPr>
+        <p:spPr/>
+        <p:txBody>
+          <a:bodyPr/>
+          <a:lstStyle/>
+          <a:p>
+            <a:r>
+              <a:rPr lang="en-US" dirty="0"/>
+              <a:t>Explain </a:t>
+            </a:r>
+            <a:r>
+              <a:rPr lang="en-US" dirty="0" smtClean="0"/>
+              <a:t>problem </a:t>
+            </a:r>
+          </a:p>
+          <a:p>
+            <a:r>
+              <a:rPr lang="en-US" dirty="0" smtClean="0"/>
+              <a:t>Have every team create a binary clock</a:t>
+            </a:r>
+            <a:endParaRPr lang="en-US" dirty="0"/>
+          </a:p>
+          <a:p>
+            <a:r>
+              <a:rPr lang="en-US" dirty="0" smtClean="0"/>
+              <a:t>Every </a:t>
+            </a:r>
+            <a:r>
+              <a:rPr lang="en-US" dirty="0"/>
+              <a:t>team </a:t>
+            </a:r>
+            <a:r>
+              <a:rPr lang="en-US" dirty="0" smtClean="0"/>
+              <a:t>presents solution</a:t>
+            </a:r>
+            <a:endParaRPr lang="en-US" dirty="0"/>
+          </a:p>
+        </p:txBody>
+      </p:sp>
+    </p:spTree>
+    <p:extLst>
+      <p:ext uri="{BB962C8B-B14F-4D97-AF65-F5344CB8AC3E}">
+        <p14:creationId xmlns:p14="http://schemas.microsoft.com/office/powerpoint/2010/main" val="559346477"/>
+      </p:ext>
+    </p:extLst>
+  </p:cSld>
+  <p:clrMapOvr>
+    <a:masterClrMapping/>
+  </p:clrMapOvr>
+  <p:timing>
+    <p:tnLst>
+      <p:par>
+        <p:cTn id="1" dur="indefinite" restart="never" nodeType="tmRoot"/>
+      </p:par>
+    </p:tnLst>
+  </p:timing>
+</p:sld>
+</file>
+
+<file path=ppt/slides/slide16.xml><?xml version="1.0" encoding="utf-8"?>
+<p:sld xmlns:a="http://schemas.openxmlformats.org/drawingml/2006/main" xmlns:r="http://schemas.openxmlformats.org/officeDocument/2006/relationships" xmlns:p="http://schemas.openxmlformats.org/presentationml/2006/main">
+  <p:cSld>
+    <p:spTree>
+      <p:nvGrpSpPr>
+        <p:cNvPr id="1" name=""/>
+        <p:cNvGrpSpPr/>
+        <p:nvPr/>
+      </p:nvGrpSpPr>
+      <p:grpSpPr>
+        <a:xfrm>
+          <a:off x="0" y="0"/>
+          <a:ext cx="0" cy="0"/>
+          <a:chOff x="0" y="0"/>
+          <a:chExt cx="0" cy="0"/>
+        </a:xfrm>
+      </p:grpSpPr>
+      <p:sp>
+        <p:nvSpPr>
+          <p:cNvPr id="2" name="Title 1"/>
+          <p:cNvSpPr>
+            <a:spLocks noGrp="1"/>
+          </p:cNvSpPr>
+          <p:nvPr>
+            <p:ph type="title"/>
+          </p:nvPr>
+        </p:nvSpPr>
+        <p:spPr/>
+        <p:txBody>
+          <a:bodyPr/>
+          <a:lstStyle/>
+          <a:p>
+            <a:r>
+              <a:rPr lang="en-US" dirty="0" smtClean="0"/>
+              <a:t>Samples</a:t>
+            </a:r>
+            <a:endParaRPr lang="en-US" dirty="0"/>
+          </a:p>
+        </p:txBody>
+      </p:sp>
+      <p:pic>
+        <p:nvPicPr>
+          <p:cNvPr id="4" name="Picture 3"/>
+          <p:cNvPicPr>
+            <a:picLocks noChangeAspect="1"/>
+          </p:cNvPicPr>
+          <p:nvPr/>
+        </p:nvPicPr>
+        <p:blipFill>
+          <a:blip r:embed="rId3">
+            <a:extLst>
+              <a:ext uri="{28A0092B-C50C-407E-A947-70E740481C1C}">
+                <a14:useLocalDpi xmlns:a14="http://schemas.microsoft.com/office/drawing/2010/main" val="0"/>
+              </a:ext>
+            </a:extLst>
+          </a:blip>
+          <a:stretch>
+            <a:fillRect/>
+          </a:stretch>
+        </p:blipFill>
+        <p:spPr>
+          <a:xfrm>
+            <a:off x="838200" y="1690688"/>
+            <a:ext cx="2743200" cy="1543050"/>
+          </a:xfrm>
+          <a:prstGeom prst="rect">
+            <a:avLst/>
+          </a:prstGeom>
+          <a:ln>
+            <a:solidFill>
+              <a:schemeClr val="bg1">
+                <a:lumMod val="50000"/>
+              </a:schemeClr>
+            </a:solidFill>
+          </a:ln>
+        </p:spPr>
+      </p:pic>
+      <p:pic>
+        <p:nvPicPr>
+          <p:cNvPr id="5" name="Picture 4"/>
+          <p:cNvPicPr>
+            <a:picLocks noChangeAspect="1"/>
+          </p:cNvPicPr>
+          <p:nvPr/>
+        </p:nvPicPr>
+        <p:blipFill>
+          <a:blip r:embed="rId4">
+            <a:extLst>
+              <a:ext uri="{28A0092B-C50C-407E-A947-70E740481C1C}">
+                <a14:useLocalDpi xmlns:a14="http://schemas.microsoft.com/office/drawing/2010/main" val="0"/>
+              </a:ext>
+            </a:extLst>
+          </a:blip>
+          <a:stretch>
+            <a:fillRect/>
+          </a:stretch>
+        </p:blipFill>
+        <p:spPr>
+          <a:xfrm>
+            <a:off x="4064000" y="1690688"/>
+            <a:ext cx="2743200" cy="1543050"/>
+          </a:xfrm>
+          <a:prstGeom prst="rect">
+            <a:avLst/>
+          </a:prstGeom>
+          <a:ln>
+            <a:solidFill>
+              <a:schemeClr val="bg1">
+                <a:lumMod val="50000"/>
+              </a:schemeClr>
+            </a:solidFill>
+          </a:ln>
+        </p:spPr>
+      </p:pic>
+      <p:pic>
+        <p:nvPicPr>
+          <p:cNvPr id="6" name="Picture 5"/>
+          <p:cNvPicPr>
+            <a:picLocks noChangeAspect="1"/>
+          </p:cNvPicPr>
+          <p:nvPr/>
+        </p:nvPicPr>
+        <p:blipFill>
+          <a:blip r:embed="rId5">
+            <a:extLst>
+              <a:ext uri="{28A0092B-C50C-407E-A947-70E740481C1C}">
+                <a14:useLocalDpi xmlns:a14="http://schemas.microsoft.com/office/drawing/2010/main" val="0"/>
+              </a:ext>
+            </a:extLst>
+          </a:blip>
+          <a:stretch>
+            <a:fillRect/>
+          </a:stretch>
+        </p:blipFill>
+        <p:spPr>
+          <a:xfrm>
+            <a:off x="7289800" y="1596962"/>
+            <a:ext cx="2743200" cy="1636776"/>
+          </a:xfrm>
+          <a:prstGeom prst="rect">
+            <a:avLst/>
+          </a:prstGeom>
+          <a:ln>
+            <a:solidFill>
+              <a:schemeClr val="bg1">
+                <a:lumMod val="50000"/>
+              </a:schemeClr>
+            </a:solidFill>
+          </a:ln>
+        </p:spPr>
+      </p:pic>
+      <p:pic>
+        <p:nvPicPr>
+          <p:cNvPr id="7" name="Picture 6"/>
+          <p:cNvPicPr>
+            <a:picLocks noChangeAspect="1"/>
+          </p:cNvPicPr>
+          <p:nvPr/>
+        </p:nvPicPr>
+        <p:blipFill>
+          <a:blip r:embed="rId6">
+            <a:extLst>
+              <a:ext uri="{28A0092B-C50C-407E-A947-70E740481C1C}">
+                <a14:useLocalDpi xmlns:a14="http://schemas.microsoft.com/office/drawing/2010/main" val="0"/>
+              </a:ext>
+            </a:extLst>
+          </a:blip>
+          <a:stretch>
+            <a:fillRect/>
+          </a:stretch>
+        </p:blipFill>
+        <p:spPr>
+          <a:xfrm>
+            <a:off x="838200" y="3897745"/>
+            <a:ext cx="2743200" cy="1543050"/>
+          </a:xfrm>
+          <a:prstGeom prst="rect">
+            <a:avLst/>
+          </a:prstGeom>
+          <a:ln>
+            <a:solidFill>
+              <a:schemeClr val="bg1">
+                <a:lumMod val="50000"/>
+              </a:schemeClr>
+            </a:solidFill>
+          </a:ln>
+        </p:spPr>
+      </p:pic>
+      <p:pic>
+        <p:nvPicPr>
+          <p:cNvPr id="8" name="Picture 7"/>
+          <p:cNvPicPr>
+            <a:picLocks noChangeAspect="1"/>
+          </p:cNvPicPr>
+          <p:nvPr/>
+        </p:nvPicPr>
+        <p:blipFill>
+          <a:blip r:embed="rId7">
+            <a:extLst>
+              <a:ext uri="{28A0092B-C50C-407E-A947-70E740481C1C}">
+                <a14:useLocalDpi xmlns:a14="http://schemas.microsoft.com/office/drawing/2010/main" val="0"/>
+              </a:ext>
+            </a:extLst>
+          </a:blip>
+          <a:stretch>
+            <a:fillRect/>
+          </a:stretch>
+        </p:blipFill>
+        <p:spPr>
+          <a:xfrm>
+            <a:off x="4064000" y="3897745"/>
+            <a:ext cx="2743200" cy="1584198"/>
+          </a:xfrm>
+          <a:prstGeom prst="rect">
+            <a:avLst/>
+          </a:prstGeom>
+          <a:ln>
+            <a:solidFill>
+              <a:schemeClr val="bg1">
+                <a:lumMod val="50000"/>
+              </a:schemeClr>
+            </a:solidFill>
+          </a:ln>
+        </p:spPr>
+      </p:pic>
+      <p:pic>
+        <p:nvPicPr>
+          <p:cNvPr id="9" name="Picture 8"/>
+          <p:cNvPicPr>
+            <a:picLocks noChangeAspect="1"/>
+          </p:cNvPicPr>
+          <p:nvPr/>
+        </p:nvPicPr>
+        <p:blipFill>
+          <a:blip r:embed="rId8">
+            <a:extLst>
+              <a:ext uri="{28A0092B-C50C-407E-A947-70E740481C1C}">
+                <a14:useLocalDpi xmlns:a14="http://schemas.microsoft.com/office/drawing/2010/main" val="0"/>
+              </a:ext>
+            </a:extLst>
+          </a:blip>
+          <a:stretch>
+            <a:fillRect/>
+          </a:stretch>
+        </p:blipFill>
+        <p:spPr>
+          <a:xfrm>
+            <a:off x="7289800" y="3897980"/>
+            <a:ext cx="2743200" cy="1543050"/>
+          </a:xfrm>
+          <a:prstGeom prst="rect">
+            <a:avLst/>
+          </a:prstGeom>
+          <a:ln>
+            <a:solidFill>
+              <a:schemeClr val="bg1">
+                <a:lumMod val="50000"/>
+              </a:schemeClr>
+            </a:solidFill>
+          </a:ln>
+        </p:spPr>
+      </p:pic>
+    </p:spTree>
+    <p:extLst>
+      <p:ext uri="{BB962C8B-B14F-4D97-AF65-F5344CB8AC3E}">
+        <p14:creationId xmlns:p14="http://schemas.microsoft.com/office/powerpoint/2010/main" val="1400316020"/>
+      </p:ext>
+    </p:extLst>
+  </p:cSld>
+  <p:clrMapOvr>
+    <a:masterClrMapping/>
+  </p:clrMapOvr>
+  <p:timing>
+    <p:tnLst>
+      <p:par>
+        <p:cTn id="1" dur="indefinite" restart="never" nodeType="tmRoot"/>
+      </p:par>
+    </p:tnLst>
+  </p:timing>
+</p:sld>
+</file>
+
+<file path=ppt/slides/slide17.xml><?xml version="1.0" encoding="utf-8"?>
+<p:sld xmlns:a="http://schemas.openxmlformats.org/drawingml/2006/main" xmlns:r="http://schemas.openxmlformats.org/officeDocument/2006/relationships" xmlns:p="http://schemas.openxmlformats.org/presentationml/2006/main">
+  <p:cSld>
+    <p:spTree>
+      <p:nvGrpSpPr>
+        <p:cNvPr id="1" name=""/>
+        <p:cNvGrpSpPr/>
+        <p:nvPr/>
+      </p:nvGrpSpPr>
+      <p:grpSpPr>
+        <a:xfrm>
+          <a:off x="0" y="0"/>
+          <a:ext cx="0" cy="0"/>
+          <a:chOff x="0" y="0"/>
+          <a:chExt cx="0" cy="0"/>
+        </a:xfrm>
+      </p:grpSpPr>
+      <p:sp>
+        <p:nvSpPr>
+          <p:cNvPr id="2" name="Title 1"/>
+          <p:cNvSpPr>
+            <a:spLocks noGrp="1"/>
+          </p:cNvSpPr>
+          <p:nvPr>
+            <p:ph type="ctrTitle"/>
+          </p:nvPr>
+        </p:nvSpPr>
+        <p:spPr/>
+        <p:txBody>
+          <a:bodyPr/>
+          <a:lstStyle/>
+          <a:p>
+            <a:r>
+              <a:rPr lang="en-US" dirty="0" smtClean="0"/>
+              <a:t>AFTERNOON</a:t>
+            </a:r>
+            <a:endParaRPr lang="en-US" dirty="0"/>
+          </a:p>
+        </p:txBody>
+      </p:sp>
+      <p:sp>
+        <p:nvSpPr>
+          <p:cNvPr id="3" name="Subtitle 2"/>
+          <p:cNvSpPr>
+            <a:spLocks noGrp="1"/>
+          </p:cNvSpPr>
+          <p:nvPr>
+            <p:ph type="subTitle" idx="1"/>
+          </p:nvPr>
+        </p:nvSpPr>
+        <p:spPr/>
+        <p:txBody>
+          <a:bodyPr/>
+          <a:lstStyle/>
+          <a:p>
+            <a:endParaRPr lang="en-US"/>
+          </a:p>
+        </p:txBody>
+      </p:sp>
+    </p:spTree>
+    <p:extLst>
+      <p:ext uri="{BB962C8B-B14F-4D97-AF65-F5344CB8AC3E}">
+        <p14:creationId xmlns:p14="http://schemas.microsoft.com/office/powerpoint/2010/main" val="379665288"/>
+      </p:ext>
+    </p:extLst>
+  </p:cSld>
+  <p:clrMapOvr>
+    <a:masterClrMapping/>
+  </p:clrMapOvr>
+  <p:timing>
+    <p:tnLst>
+      <p:par>
+        <p:cTn id="1" dur="indefinite" restart="never" nodeType="tmRoot"/>
+      </p:par>
+    </p:tnLst>
+  </p:timing>
+</p:sld>
+</file>
+
+<file path=ppt/slides/slide18.xml><?xml version="1.0" encoding="utf-8"?>
+<p:sld xmlns:a="http://schemas.openxmlformats.org/drawingml/2006/main" xmlns:r="http://schemas.openxmlformats.org/officeDocument/2006/relationships" xmlns:p="http://schemas.openxmlformats.org/presentationml/2006/main">
+  <p:cSld>
+    <p:spTree>
+      <p:nvGrpSpPr>
+        <p:cNvPr id="1" name=""/>
+        <p:cNvGrpSpPr/>
+        <p:nvPr/>
+      </p:nvGrpSpPr>
+      <p:grpSpPr>
+        <a:xfrm>
+          <a:off x="0" y="0"/>
+          <a:ext cx="0" cy="0"/>
+          <a:chOff x="0" y="0"/>
+          <a:chExt cx="0" cy="0"/>
+        </a:xfrm>
+      </p:grpSpPr>
+      <p:sp>
+        <p:nvSpPr>
+          <p:cNvPr id="2" name="Title 1"/>
+          <p:cNvSpPr>
+            <a:spLocks noGrp="1"/>
+          </p:cNvSpPr>
+          <p:nvPr>
+            <p:ph type="title"/>
+          </p:nvPr>
+        </p:nvSpPr>
+        <p:spPr/>
+        <p:txBody>
+          <a:bodyPr/>
+          <a:lstStyle/>
+          <a:p>
+            <a:r>
+              <a:rPr lang="en-US" dirty="0" smtClean="0"/>
+              <a:t>Topics covered</a:t>
+            </a:r>
+            <a:endParaRPr lang="en-US" dirty="0"/>
+          </a:p>
+        </p:txBody>
+      </p:sp>
+      <p:sp>
+        <p:nvSpPr>
+          <p:cNvPr id="3" name="Content Placeholder 2"/>
+          <p:cNvSpPr>
+            <a:spLocks noGrp="1"/>
+          </p:cNvSpPr>
+          <p:nvPr>
+            <p:ph idx="1"/>
+          </p:nvPr>
+        </p:nvSpPr>
+        <p:spPr/>
+        <p:txBody>
+          <a:bodyPr/>
+          <a:lstStyle/>
+          <a:p>
+            <a:r>
+              <a:rPr lang="en-US" dirty="0" smtClean="0"/>
+              <a:t>Variables</a:t>
+            </a:r>
+          </a:p>
+          <a:p>
+            <a:r>
+              <a:rPr lang="en-US" dirty="0" smtClean="0"/>
+              <a:t>Arrays</a:t>
+            </a:r>
+          </a:p>
+          <a:p>
+            <a:r>
+              <a:rPr lang="en-US" dirty="0" smtClean="0"/>
+              <a:t>Conditional statements</a:t>
+            </a:r>
+          </a:p>
+          <a:p>
+            <a:r>
+              <a:rPr lang="en-US" dirty="0" smtClean="0"/>
+              <a:t>Loops</a:t>
+            </a:r>
+          </a:p>
+          <a:p>
+            <a:r>
+              <a:rPr lang="en-US" dirty="0" smtClean="0"/>
+              <a:t>Functions</a:t>
+            </a:r>
+            <a:endParaRPr lang="en-US" dirty="0"/>
+          </a:p>
+        </p:txBody>
+      </p:sp>
+    </p:spTree>
+    <p:extLst>
+      <p:ext uri="{BB962C8B-B14F-4D97-AF65-F5344CB8AC3E}">
+        <p14:creationId xmlns:p14="http://schemas.microsoft.com/office/powerpoint/2010/main" val="468705908"/>
+      </p:ext>
+    </p:extLst>
+  </p:cSld>
+  <p:clrMapOvr>
+    <a:masterClrMapping/>
+  </p:clrMapOvr>
+  <p:timing>
+    <p:tnLst>
+      <p:par>
+        <p:cTn id="1" dur="indefinite" restart="never" nodeType="tmRoot"/>
+      </p:par>
+    </p:tnLst>
+  </p:timing>
+</p:sld>
+</file>
+
+<file path=ppt/slides/slide19.xml><?xml version="1.0" encoding="utf-8"?>
+<p:sld xmlns:a="http://schemas.openxmlformats.org/drawingml/2006/main" xmlns:r="http://schemas.openxmlformats.org/officeDocument/2006/relationships" xmlns:p="http://schemas.openxmlformats.org/presentationml/2006/main">
+  <p:cSld>
+    <p:spTree>
+      <p:nvGrpSpPr>
+        <p:cNvPr id="1" name=""/>
+        <p:cNvGrpSpPr/>
+        <p:nvPr/>
+      </p:nvGrpSpPr>
+      <p:grpSpPr>
+        <a:xfrm>
+          <a:off x="0" y="0"/>
+          <a:ext cx="0" cy="0"/>
+          <a:chOff x="0" y="0"/>
+          <a:chExt cx="0" cy="0"/>
+        </a:xfrm>
+      </p:grpSpPr>
+      <p:pic>
+        <p:nvPicPr>
+          <p:cNvPr id="4" name="Picture 3"/>
+          <p:cNvPicPr>
+            <a:picLocks noChangeAspect="1"/>
+          </p:cNvPicPr>
+          <p:nvPr/>
+        </p:nvPicPr>
+        <p:blipFill>
+          <a:blip r:embed="rId3">
+            <a:extLst>
+              <a:ext uri="{28A0092B-C50C-407E-A947-70E740481C1C}">
+                <a14:useLocalDpi xmlns:a14="http://schemas.microsoft.com/office/drawing/2010/main" val="0"/>
+              </a:ext>
+            </a:extLst>
+          </a:blip>
+          <a:stretch>
+            <a:fillRect/>
+          </a:stretch>
+        </p:blipFill>
+        <p:spPr>
+          <a:xfrm>
+            <a:off x="1673157" y="1038639"/>
+            <a:ext cx="9144000" cy="5819361"/>
+          </a:xfrm>
+          <a:prstGeom prst="rect">
+            <a:avLst/>
+          </a:prstGeom>
+        </p:spPr>
+      </p:pic>
+      <p:sp>
+        <p:nvSpPr>
+          <p:cNvPr id="5" name="Title 4"/>
+          <p:cNvSpPr>
+            <a:spLocks noGrp="1"/>
+          </p:cNvSpPr>
+          <p:nvPr>
+            <p:ph type="title"/>
+          </p:nvPr>
+        </p:nvSpPr>
+        <p:spPr>
+          <a:xfrm>
+            <a:off x="838200" y="14928"/>
+            <a:ext cx="10515600" cy="1325563"/>
+          </a:xfrm>
+        </p:spPr>
+        <p:txBody>
+          <a:bodyPr/>
+          <a:lstStyle/>
+          <a:p>
+            <a:r>
+              <a:rPr lang="en-US" smtClean="0"/>
+              <a:t>Browser console</a:t>
+            </a:r>
+            <a:endParaRPr lang="en-US"/>
+          </a:p>
+        </p:txBody>
+      </p:sp>
+    </p:spTree>
+    <p:extLst>
+      <p:ext uri="{BB962C8B-B14F-4D97-AF65-F5344CB8AC3E}">
+        <p14:creationId xmlns:p14="http://schemas.microsoft.com/office/powerpoint/2010/main" val="338099475"/>
+      </p:ext>
+    </p:extLst>
+  </p:cSld>
+  <p:clrMapOvr>
+    <a:masterClrMapping/>
+  </p:clrMapOvr>
+  <p:timing>
+    <p:tnLst>
+      <p:par>
+        <p:cTn id="1" dur="indefinite" restart="never" nodeType="tmRoot"/>
+      </p:par>
+    </p:tnLst>
+  </p:timing>
+</p:sld>
+</file>
+
+<file path=ppt/slides/slide2.xml><?xml version="1.0" encoding="utf-8"?>
+<p:sld xmlns:a="http://schemas.openxmlformats.org/drawingml/2006/main" xmlns:r="http://schemas.openxmlformats.org/officeDocument/2006/relationships" xmlns:p="http://schemas.openxmlformats.org/presentationml/2006/main">
+  <p:cSld>
+    <p:spTree>
+      <p:nvGrpSpPr>
+        <p:cNvPr id="1" name=""/>
+        <p:cNvGrpSpPr/>
+        <p:nvPr/>
+      </p:nvGrpSpPr>
+      <p:grpSpPr>
+        <a:xfrm>
+          <a:off x="0" y="0"/>
+          <a:ext cx="0" cy="0"/>
+          <a:chOff x="0" y="0"/>
+          <a:chExt cx="0" cy="0"/>
+        </a:xfrm>
+      </p:grpSpPr>
+      <p:sp>
+        <p:nvSpPr>
+          <p:cNvPr id="2" name="Title 1"/>
+          <p:cNvSpPr>
+            <a:spLocks noGrp="1"/>
+          </p:cNvSpPr>
+          <p:nvPr>
+            <p:ph type="title"/>
+          </p:nvPr>
+        </p:nvSpPr>
+        <p:spPr/>
+        <p:txBody>
+          <a:bodyPr/>
+          <a:lstStyle/>
+          <a:p>
+            <a:r>
+              <a:rPr lang="en-US" dirty="0" smtClean="0"/>
+              <a:t>Data Collection</a:t>
+            </a:r>
+            <a:endParaRPr lang="en-US" dirty="0"/>
+          </a:p>
+        </p:txBody>
+      </p:sp>
+      <p:sp>
+        <p:nvSpPr>
+          <p:cNvPr id="3" name="Content Placeholder 2"/>
+          <p:cNvSpPr>
+            <a:spLocks noGrp="1"/>
+          </p:cNvSpPr>
+          <p:nvPr>
+            <p:ph idx="1"/>
+          </p:nvPr>
+        </p:nvSpPr>
+        <p:spPr/>
+        <p:txBody>
+          <a:bodyPr/>
+          <a:lstStyle/>
+          <a:p>
+            <a:r>
+              <a:rPr lang="en-US" dirty="0" smtClean="0"/>
+              <a:t>Collaborative Wall</a:t>
+            </a:r>
+          </a:p>
+          <a:p>
+            <a:pPr lvl="1"/>
+            <a:r>
+              <a:rPr lang="en-US" dirty="0" smtClean="0"/>
+              <a:t>Today’s </a:t>
+            </a:r>
+            <a:r>
+              <a:rPr lang="en-US" dirty="0"/>
+              <a:t>question: </a:t>
+            </a:r>
+            <a:r>
+              <a:rPr lang="en-US" i="1" u="sng" dirty="0"/>
+              <a:t>What are you nervous about this week</a:t>
+            </a:r>
+            <a:r>
+              <a:rPr lang="en-US" i="1" u="sng" dirty="0" smtClean="0"/>
+              <a:t>?</a:t>
+            </a:r>
+          </a:p>
+          <a:p>
+            <a:pPr lvl="1"/>
+            <a:r>
+              <a:rPr lang="en-US" dirty="0" smtClean="0"/>
+              <a:t>Take photo at end of day</a:t>
+            </a:r>
+          </a:p>
+          <a:p>
+            <a:r>
+              <a:rPr lang="en-US" dirty="0"/>
+              <a:t>Document via photos &amp; </a:t>
+            </a:r>
+            <a:r>
+              <a:rPr lang="en-US" dirty="0" smtClean="0"/>
+              <a:t>video</a:t>
+            </a:r>
+          </a:p>
+          <a:p>
+            <a:pPr lvl="1"/>
+            <a:r>
+              <a:rPr lang="en-US" b="1" dirty="0"/>
+              <a:t>Document via photos &amp; video</a:t>
+            </a:r>
+            <a:r>
+              <a:rPr lang="en-US" dirty="0"/>
+              <a:t> with your phone. Specifically, try to capture times when learning is being demonstrated: the students giving explanations of their solutions, describing applications of algorithms, or presenting their projects. Upload to </a:t>
+            </a:r>
+            <a:r>
+              <a:rPr lang="en-US" dirty="0" smtClean="0"/>
+              <a:t>Dropbox, link to follow.</a:t>
+            </a:r>
+            <a:endParaRPr lang="en-US" i="1" u="sng" dirty="0" smtClean="0"/>
+          </a:p>
+          <a:p>
+            <a:endParaRPr lang="en-US" dirty="0"/>
+          </a:p>
+        </p:txBody>
+      </p:sp>
+    </p:spTree>
+    <p:extLst>
+      <p:ext uri="{BB962C8B-B14F-4D97-AF65-F5344CB8AC3E}">
+        <p14:creationId xmlns:p14="http://schemas.microsoft.com/office/powerpoint/2010/main" val="1259737887"/>
+      </p:ext>
+    </p:extLst>
+  </p:cSld>
+  <p:clrMapOvr>
+    <a:masterClrMapping/>
+  </p:clrMapOvr>
+  <p:timing>
+    <p:tnLst>
+      <p:par>
+        <p:cTn id="1" dur="indefinite" restart="never" nodeType="tmRoot"/>
+      </p:par>
+    </p:tnLst>
+  </p:timing>
+</p:sld>
+</file>
+
+<file path=ppt/slides/slide20.xml><?xml version="1.0" encoding="utf-8"?>
+<p:sld xmlns:a="http://schemas.openxmlformats.org/drawingml/2006/main" xmlns:r="http://schemas.openxmlformats.org/officeDocument/2006/relationships" xmlns:p="http://schemas.openxmlformats.org/presentationml/2006/main">
+  <p:cSld>
+    <p:spTree>
+      <p:nvGrpSpPr>
+        <p:cNvPr id="1" name=""/>
+        <p:cNvGrpSpPr/>
+        <p:nvPr/>
+      </p:nvGrpSpPr>
+      <p:grpSpPr>
+        <a:xfrm>
+          <a:off x="0" y="0"/>
+          <a:ext cx="0" cy="0"/>
+          <a:chOff x="0" y="0"/>
+          <a:chExt cx="0" cy="0"/>
+        </a:xfrm>
+      </p:grpSpPr>
+      <p:sp>
+        <p:nvSpPr>
+          <p:cNvPr id="4" name="Title 3"/>
+          <p:cNvSpPr>
+            <a:spLocks noGrp="1"/>
+          </p:cNvSpPr>
+          <p:nvPr>
+            <p:ph type="title"/>
+          </p:nvPr>
+        </p:nvSpPr>
+        <p:spPr/>
+        <p:txBody>
+          <a:bodyPr/>
+          <a:lstStyle/>
+          <a:p>
+            <a:r>
+              <a:rPr lang="en-US" dirty="0" smtClean="0"/>
+              <a:t>Create a variable</a:t>
+            </a:r>
+            <a:endParaRPr lang="en-US" dirty="0"/>
+          </a:p>
+        </p:txBody>
+      </p:sp>
+      <p:sp>
+        <p:nvSpPr>
+          <p:cNvPr id="5" name="Rectangle 4"/>
+          <p:cNvSpPr/>
+          <p:nvPr/>
+        </p:nvSpPr>
+        <p:spPr>
+          <a:xfrm>
+            <a:off x="2872902" y="2415171"/>
+            <a:ext cx="6815847" cy="769441"/>
+          </a:xfrm>
+          <a:prstGeom prst="rect">
+            <a:avLst/>
+          </a:prstGeom>
+          <a:ln>
+            <a:solidFill>
+              <a:schemeClr val="bg1">
+                <a:lumMod val="75000"/>
+              </a:schemeClr>
+            </a:solidFill>
+          </a:ln>
+        </p:spPr>
+        <p:txBody>
+          <a:bodyPr wrap="square">
+            <a:spAutoFit/>
+          </a:bodyPr>
+          <a:lstStyle/>
+          <a:p>
+            <a:r>
+              <a:rPr lang="en-US" sz="4400" b="0" noProof="1" smtClean="0">
+                <a:solidFill>
+                  <a:srgbClr val="445588"/>
+                </a:solidFill>
+                <a:effectLst/>
+                <a:latin typeface="Menlo" charset="0"/>
+              </a:rPr>
+              <a:t>var</a:t>
+            </a:r>
+            <a:r>
+              <a:rPr lang="en-US" sz="4400" b="0" noProof="1" smtClean="0">
+                <a:solidFill>
+                  <a:srgbClr val="555555"/>
+                </a:solidFill>
+                <a:effectLst/>
+                <a:latin typeface="Menlo" charset="0"/>
+              </a:rPr>
+              <a:t> </a:t>
+            </a:r>
+            <a:r>
+              <a:rPr lang="en-US" sz="4400" b="0" noProof="1" smtClean="0">
+                <a:solidFill>
+                  <a:srgbClr val="008080"/>
+                </a:solidFill>
+                <a:effectLst/>
+                <a:latin typeface="Menlo" charset="0"/>
+              </a:rPr>
+              <a:t>ball</a:t>
+            </a:r>
+            <a:r>
+              <a:rPr lang="en-US" sz="4400" b="0" noProof="1" smtClean="0">
+                <a:solidFill>
+                  <a:srgbClr val="555555"/>
+                </a:solidFill>
+                <a:effectLst/>
+                <a:latin typeface="Menlo" charset="0"/>
+              </a:rPr>
+              <a:t>;</a:t>
+            </a:r>
+            <a:endParaRPr lang="en-US" sz="4400" b="0" noProof="1" smtClean="0">
+              <a:solidFill>
+                <a:srgbClr val="555555"/>
+              </a:solidFill>
+              <a:effectLst/>
+              <a:latin typeface="Menlo" charset="0"/>
+            </a:endParaRPr>
+          </a:p>
+        </p:txBody>
+      </p:sp>
+    </p:spTree>
+    <p:extLst>
+      <p:ext uri="{BB962C8B-B14F-4D97-AF65-F5344CB8AC3E}">
+        <p14:creationId xmlns:p14="http://schemas.microsoft.com/office/powerpoint/2010/main" val="1881902044"/>
+      </p:ext>
+    </p:extLst>
+  </p:cSld>
+  <p:clrMapOvr>
+    <a:masterClrMapping/>
+  </p:clrMapOvr>
+  <p:timing>
+    <p:tnLst>
+      <p:par>
+        <p:cTn id="1" dur="indefinite" restart="never" nodeType="tmRoot"/>
+      </p:par>
+    </p:tnLst>
+  </p:timing>
+</p:sld>
+</file>
+
+<file path=ppt/slides/slide21.xml><?xml version="1.0" encoding="utf-8"?>
+<p:sld xmlns:a="http://schemas.openxmlformats.org/drawingml/2006/main" xmlns:r="http://schemas.openxmlformats.org/officeDocument/2006/relationships" xmlns:p="http://schemas.openxmlformats.org/presentationml/2006/main">
+  <p:cSld>
+    <p:spTree>
+      <p:nvGrpSpPr>
+        <p:cNvPr id="1" name=""/>
+        <p:cNvGrpSpPr/>
+        <p:nvPr/>
+      </p:nvGrpSpPr>
+      <p:grpSpPr>
+        <a:xfrm>
+          <a:off x="0" y="0"/>
+          <a:ext cx="0" cy="0"/>
+          <a:chOff x="0" y="0"/>
+          <a:chExt cx="0" cy="0"/>
+        </a:xfrm>
+      </p:grpSpPr>
+      <p:sp>
+        <p:nvSpPr>
+          <p:cNvPr id="4" name="Title 3"/>
+          <p:cNvSpPr>
+            <a:spLocks noGrp="1"/>
+          </p:cNvSpPr>
+          <p:nvPr>
+            <p:ph type="title"/>
+          </p:nvPr>
+        </p:nvSpPr>
+        <p:spPr/>
+        <p:txBody>
+          <a:bodyPr/>
+          <a:lstStyle/>
+          <a:p>
+            <a:r>
+              <a:rPr lang="en-US" dirty="0" smtClean="0"/>
+              <a:t>Calling functions</a:t>
+            </a:r>
+            <a:endParaRPr lang="en-US" dirty="0"/>
+          </a:p>
+        </p:txBody>
+      </p:sp>
+      <p:sp>
+        <p:nvSpPr>
+          <p:cNvPr id="2" name="Rectangle 1"/>
+          <p:cNvSpPr/>
+          <p:nvPr/>
+        </p:nvSpPr>
+        <p:spPr>
+          <a:xfrm>
+            <a:off x="3048000" y="1690688"/>
+            <a:ext cx="6096000" cy="4401205"/>
+          </a:xfrm>
+          <a:prstGeom prst="rect">
+            <a:avLst/>
+          </a:prstGeom>
+          <a:ln>
+            <a:solidFill>
+              <a:schemeClr val="bg1">
+                <a:lumMod val="75000"/>
+              </a:schemeClr>
+            </a:solidFill>
+          </a:ln>
+        </p:spPr>
+        <p:txBody>
+          <a:bodyPr>
+            <a:spAutoFit/>
+          </a:bodyPr>
+          <a:lstStyle/>
+          <a:p>
+            <a:r>
+              <a:rPr lang="en-US" sz="2000" b="0" noProof="1" smtClean="0">
+                <a:solidFill>
+                  <a:srgbClr val="B8B6B1"/>
+                </a:solidFill>
+                <a:effectLst/>
+                <a:latin typeface="Menlo" charset="0"/>
+              </a:rPr>
+              <a:t>// function calls</a:t>
+            </a:r>
+            <a:endParaRPr lang="en-US" sz="2000" b="0" noProof="1" smtClean="0">
+              <a:solidFill>
+                <a:srgbClr val="555555"/>
+              </a:solidFill>
+              <a:effectLst/>
+              <a:latin typeface="Menlo" charset="0"/>
+            </a:endParaRPr>
+          </a:p>
+          <a:p>
+            <a:r>
+              <a:rPr lang="en-US" sz="2000" b="0" noProof="1" smtClean="0">
+                <a:solidFill>
+                  <a:srgbClr val="008080"/>
+                </a:solidFill>
+                <a:effectLst/>
+                <a:latin typeface="Menlo" charset="0"/>
+              </a:rPr>
+              <a:t>ball</a:t>
+            </a:r>
+            <a:r>
+              <a:rPr lang="en-US" sz="2000" b="0" noProof="1" smtClean="0">
+                <a:solidFill>
+                  <a:srgbClr val="555555"/>
+                </a:solidFill>
+                <a:effectLst/>
+                <a:latin typeface="Menlo" charset="0"/>
+              </a:rPr>
+              <a:t> = </a:t>
+            </a:r>
+            <a:r>
+              <a:rPr lang="en-US" sz="2000" b="0" noProof="1" smtClean="0">
+                <a:solidFill>
+                  <a:srgbClr val="DD1144"/>
+                </a:solidFill>
+                <a:effectLst/>
+                <a:latin typeface="Menlo" charset="0"/>
+              </a:rPr>
+              <a:t>create</a:t>
+            </a:r>
+            <a:r>
+              <a:rPr lang="en-US" sz="2000" b="0" noProof="1" smtClean="0">
+                <a:solidFill>
+                  <a:srgbClr val="555555"/>
+                </a:solidFill>
+                <a:effectLst/>
+                <a:latin typeface="Menlo" charset="0"/>
+              </a:rPr>
+              <a:t>();</a:t>
+            </a:r>
+          </a:p>
+          <a:p>
+            <a:r>
+              <a:rPr lang="en-US" sz="2000" b="0" noProof="1" smtClean="0">
+                <a:solidFill>
+                  <a:srgbClr val="555555"/>
+                </a:solidFill>
+                <a:effectLst/>
+                <a:latin typeface="Menlo" charset="0"/>
+              </a:rPr>
+              <a:t/>
+            </a:r>
+            <a:br>
+              <a:rPr lang="en-US" sz="2000" b="0" noProof="1" smtClean="0">
+                <a:solidFill>
+                  <a:srgbClr val="555555"/>
+                </a:solidFill>
+                <a:effectLst/>
+                <a:latin typeface="Menlo" charset="0"/>
+              </a:rPr>
+            </a:br>
+            <a:r>
+              <a:rPr lang="en-US" sz="2000" b="0" noProof="1" smtClean="0">
+                <a:solidFill>
+                  <a:srgbClr val="DD1144"/>
+                </a:solidFill>
+                <a:effectLst/>
+                <a:latin typeface="Menlo" charset="0"/>
+              </a:rPr>
+              <a:t>size</a:t>
+            </a:r>
+            <a:r>
+              <a:rPr lang="en-US" sz="2000" b="0" noProof="1" smtClean="0">
+                <a:solidFill>
+                  <a:srgbClr val="555555"/>
+                </a:solidFill>
+                <a:effectLst/>
+                <a:latin typeface="Menlo" charset="0"/>
+              </a:rPr>
+              <a:t>(</a:t>
+            </a:r>
+            <a:r>
+              <a:rPr lang="en-US" sz="2000" b="0" noProof="1" smtClean="0">
+                <a:solidFill>
+                  <a:srgbClr val="008080"/>
+                </a:solidFill>
+                <a:effectLst/>
+                <a:latin typeface="Menlo" charset="0"/>
+              </a:rPr>
+              <a:t>ball</a:t>
+            </a:r>
+            <a:r>
+              <a:rPr lang="en-US" sz="2000" b="0" noProof="1" smtClean="0">
+                <a:solidFill>
+                  <a:srgbClr val="555555"/>
+                </a:solidFill>
+                <a:effectLst/>
+                <a:latin typeface="Menlo" charset="0"/>
+              </a:rPr>
+              <a:t>,</a:t>
+            </a:r>
+            <a:r>
+              <a:rPr lang="en-US" sz="2000" b="0" noProof="1" smtClean="0">
+                <a:solidFill>
+                  <a:srgbClr val="DD1144"/>
+                </a:solidFill>
+                <a:effectLst/>
+                <a:latin typeface="Menlo" charset="0"/>
+              </a:rPr>
+              <a:t>200</a:t>
+            </a:r>
+            <a:r>
+              <a:rPr lang="en-US" sz="2000" b="0" noProof="1" smtClean="0">
+                <a:solidFill>
+                  <a:srgbClr val="555555"/>
+                </a:solidFill>
+                <a:effectLst/>
+                <a:latin typeface="Menlo" charset="0"/>
+              </a:rPr>
+              <a:t>,</a:t>
+            </a:r>
+            <a:r>
+              <a:rPr lang="en-US" sz="2000" b="0" noProof="1" smtClean="0">
+                <a:solidFill>
+                  <a:srgbClr val="DD1144"/>
+                </a:solidFill>
+                <a:effectLst/>
+                <a:latin typeface="Menlo" charset="0"/>
+              </a:rPr>
+              <a:t>200</a:t>
+            </a:r>
+            <a:r>
+              <a:rPr lang="en-US" sz="2000" b="0" noProof="1" smtClean="0">
+                <a:solidFill>
+                  <a:srgbClr val="555555"/>
+                </a:solidFill>
+                <a:effectLst/>
+                <a:latin typeface="Menlo" charset="0"/>
+              </a:rPr>
+              <a:t>);</a:t>
+            </a:r>
+          </a:p>
+          <a:p>
+            <a:r>
+              <a:rPr lang="en-US" sz="2000" b="0" noProof="1" smtClean="0">
+                <a:solidFill>
+                  <a:srgbClr val="555555"/>
+                </a:solidFill>
+                <a:effectLst/>
+                <a:latin typeface="Menlo" charset="0"/>
+              </a:rPr>
+              <a:t/>
+            </a:r>
+            <a:br>
+              <a:rPr lang="en-US" sz="2000" b="0" noProof="1" smtClean="0">
+                <a:solidFill>
+                  <a:srgbClr val="555555"/>
+                </a:solidFill>
+                <a:effectLst/>
+                <a:latin typeface="Menlo" charset="0"/>
+              </a:rPr>
+            </a:br>
+            <a:r>
+              <a:rPr lang="en-US" sz="2000" b="0" noProof="1" smtClean="0">
+                <a:solidFill>
+                  <a:srgbClr val="DD1144"/>
+                </a:solidFill>
+                <a:effectLst/>
+                <a:latin typeface="Menlo" charset="0"/>
+              </a:rPr>
+              <a:t>color</a:t>
+            </a:r>
+            <a:r>
+              <a:rPr lang="en-US" sz="2000" b="0" noProof="1" smtClean="0">
+                <a:solidFill>
+                  <a:srgbClr val="555555"/>
+                </a:solidFill>
+                <a:effectLst/>
+                <a:latin typeface="Menlo" charset="0"/>
+              </a:rPr>
+              <a:t>(</a:t>
+            </a:r>
+            <a:r>
+              <a:rPr lang="en-US" sz="2000" b="0" noProof="1" smtClean="0">
+                <a:solidFill>
+                  <a:srgbClr val="008080"/>
+                </a:solidFill>
+                <a:effectLst/>
+                <a:latin typeface="Menlo" charset="0"/>
+              </a:rPr>
+              <a:t>ball</a:t>
+            </a:r>
+            <a:r>
+              <a:rPr lang="en-US" sz="2000" b="0" noProof="1" smtClean="0">
+                <a:solidFill>
+                  <a:srgbClr val="555555"/>
+                </a:solidFill>
+                <a:effectLst/>
+                <a:latin typeface="Menlo" charset="0"/>
+              </a:rPr>
+              <a:t>,</a:t>
+            </a:r>
+            <a:r>
+              <a:rPr lang="en-US" sz="2000" b="0" noProof="1" smtClean="0">
+                <a:solidFill>
+                  <a:srgbClr val="DD1144"/>
+                </a:solidFill>
+                <a:effectLst/>
+                <a:latin typeface="Menlo" charset="0"/>
+              </a:rPr>
+              <a:t>255</a:t>
+            </a:r>
+            <a:r>
+              <a:rPr lang="en-US" sz="2000" b="0" noProof="1" smtClean="0">
+                <a:solidFill>
+                  <a:srgbClr val="555555"/>
+                </a:solidFill>
+                <a:effectLst/>
+                <a:latin typeface="Menlo" charset="0"/>
+              </a:rPr>
+              <a:t>,</a:t>
+            </a:r>
+            <a:r>
+              <a:rPr lang="en-US" sz="2000" b="0" noProof="1" smtClean="0">
+                <a:solidFill>
+                  <a:srgbClr val="DD1144"/>
+                </a:solidFill>
+                <a:effectLst/>
+                <a:latin typeface="Menlo" charset="0"/>
+              </a:rPr>
+              <a:t>0</a:t>
+            </a:r>
+            <a:r>
+              <a:rPr lang="en-US" sz="2000" b="0" noProof="1" smtClean="0">
+                <a:solidFill>
+                  <a:srgbClr val="555555"/>
+                </a:solidFill>
+                <a:effectLst/>
+                <a:latin typeface="Menlo" charset="0"/>
+              </a:rPr>
+              <a:t>,</a:t>
+            </a:r>
+            <a:r>
+              <a:rPr lang="en-US" sz="2000" b="0" noProof="1" smtClean="0">
+                <a:solidFill>
+                  <a:srgbClr val="DD1144"/>
+                </a:solidFill>
+                <a:effectLst/>
+                <a:latin typeface="Menlo" charset="0"/>
+              </a:rPr>
+              <a:t>0</a:t>
+            </a:r>
+            <a:r>
+              <a:rPr lang="en-US" sz="2000" b="0" noProof="1" smtClean="0">
+                <a:solidFill>
+                  <a:srgbClr val="555555"/>
+                </a:solidFill>
+                <a:effectLst/>
+                <a:latin typeface="Menlo" charset="0"/>
+              </a:rPr>
+              <a:t>);</a:t>
+            </a:r>
+          </a:p>
+          <a:p>
+            <a:r>
+              <a:rPr lang="en-US" sz="2000" b="0" noProof="1" smtClean="0">
+                <a:solidFill>
+                  <a:srgbClr val="555555"/>
+                </a:solidFill>
+                <a:effectLst/>
+                <a:latin typeface="Menlo" charset="0"/>
+              </a:rPr>
+              <a:t/>
+            </a:r>
+            <a:br>
+              <a:rPr lang="en-US" sz="2000" b="0" noProof="1" smtClean="0">
+                <a:solidFill>
+                  <a:srgbClr val="555555"/>
+                </a:solidFill>
+                <a:effectLst/>
+                <a:latin typeface="Menlo" charset="0"/>
+              </a:rPr>
+            </a:br>
+            <a:r>
+              <a:rPr lang="en-US" sz="2000" b="0" noProof="1" smtClean="0">
+                <a:solidFill>
+                  <a:srgbClr val="DD1144"/>
+                </a:solidFill>
+                <a:effectLst/>
+                <a:latin typeface="Menlo" charset="0"/>
+              </a:rPr>
+              <a:t>move</a:t>
+            </a:r>
+            <a:r>
+              <a:rPr lang="en-US" sz="2000" b="0" noProof="1" smtClean="0">
+                <a:solidFill>
+                  <a:srgbClr val="555555"/>
+                </a:solidFill>
+                <a:effectLst/>
+                <a:latin typeface="Menlo" charset="0"/>
+              </a:rPr>
+              <a:t>(</a:t>
+            </a:r>
+            <a:r>
+              <a:rPr lang="en-US" sz="2000" b="0" noProof="1" smtClean="0">
+                <a:solidFill>
+                  <a:srgbClr val="008080"/>
+                </a:solidFill>
+                <a:effectLst/>
+                <a:latin typeface="Menlo" charset="0"/>
+              </a:rPr>
+              <a:t>ball</a:t>
+            </a:r>
+            <a:r>
+              <a:rPr lang="en-US" sz="2000" b="0" noProof="1" smtClean="0">
+                <a:solidFill>
+                  <a:srgbClr val="555555"/>
+                </a:solidFill>
+                <a:effectLst/>
+                <a:latin typeface="Menlo" charset="0"/>
+              </a:rPr>
+              <a:t>,</a:t>
+            </a:r>
+            <a:r>
+              <a:rPr lang="en-US" sz="2000" b="0" noProof="1" smtClean="0">
+                <a:solidFill>
+                  <a:srgbClr val="DD1144"/>
+                </a:solidFill>
+                <a:effectLst/>
+                <a:latin typeface="Menlo" charset="0"/>
+              </a:rPr>
+              <a:t>50</a:t>
+            </a:r>
+            <a:r>
+              <a:rPr lang="en-US" sz="2000" b="0" noProof="1" smtClean="0">
+                <a:solidFill>
+                  <a:srgbClr val="555555"/>
+                </a:solidFill>
+                <a:effectLst/>
+                <a:latin typeface="Menlo" charset="0"/>
+              </a:rPr>
+              <a:t>,</a:t>
+            </a:r>
+            <a:r>
+              <a:rPr lang="en-US" sz="2000" b="0" noProof="1" smtClean="0">
+                <a:solidFill>
+                  <a:srgbClr val="DD1144"/>
+                </a:solidFill>
+                <a:effectLst/>
+                <a:latin typeface="Menlo" charset="0"/>
+              </a:rPr>
+              <a:t>50</a:t>
+            </a:r>
+            <a:r>
+              <a:rPr lang="en-US" sz="2000" b="0" noProof="1" smtClean="0">
+                <a:solidFill>
+                  <a:srgbClr val="555555"/>
+                </a:solidFill>
+                <a:effectLst/>
+                <a:latin typeface="Menlo" charset="0"/>
+              </a:rPr>
+              <a:t>);</a:t>
+            </a:r>
+          </a:p>
+          <a:p>
+            <a:r>
+              <a:rPr lang="en-US" sz="2000" b="0" noProof="1" smtClean="0">
+                <a:solidFill>
+                  <a:srgbClr val="555555"/>
+                </a:solidFill>
+                <a:effectLst/>
+                <a:latin typeface="Menlo" charset="0"/>
+              </a:rPr>
+              <a:t/>
+            </a:r>
+            <a:br>
+              <a:rPr lang="en-US" sz="2000" b="0" noProof="1" smtClean="0">
+                <a:solidFill>
+                  <a:srgbClr val="555555"/>
+                </a:solidFill>
+                <a:effectLst/>
+                <a:latin typeface="Menlo" charset="0"/>
+              </a:rPr>
+            </a:br>
+            <a:r>
+              <a:rPr lang="en-US" sz="2000" b="0" noProof="1" smtClean="0">
+                <a:solidFill>
+                  <a:srgbClr val="DD1144"/>
+                </a:solidFill>
+                <a:effectLst/>
+                <a:latin typeface="Menlo" charset="0"/>
+              </a:rPr>
+              <a:t>colorRandom</a:t>
+            </a:r>
+            <a:r>
+              <a:rPr lang="en-US" sz="2000" b="0" noProof="1" smtClean="0">
+                <a:solidFill>
+                  <a:srgbClr val="555555"/>
+                </a:solidFill>
+                <a:effectLst/>
+                <a:latin typeface="Menlo" charset="0"/>
+              </a:rPr>
+              <a:t>(</a:t>
+            </a:r>
+            <a:r>
+              <a:rPr lang="en-US" sz="2000" b="0" noProof="1" smtClean="0">
+                <a:solidFill>
+                  <a:srgbClr val="008080"/>
+                </a:solidFill>
+                <a:effectLst/>
+                <a:latin typeface="Menlo" charset="0"/>
+              </a:rPr>
+              <a:t>ball</a:t>
+            </a:r>
+            <a:r>
+              <a:rPr lang="en-US" sz="2000" b="0" noProof="1" smtClean="0">
+                <a:solidFill>
+                  <a:srgbClr val="555555"/>
+                </a:solidFill>
+                <a:effectLst/>
+                <a:latin typeface="Menlo" charset="0"/>
+              </a:rPr>
+              <a:t>);</a:t>
+            </a:r>
+          </a:p>
+          <a:p>
+            <a:r>
+              <a:rPr lang="en-US" sz="2000" b="0" noProof="1" smtClean="0">
+                <a:solidFill>
+                  <a:srgbClr val="555555"/>
+                </a:solidFill>
+                <a:effectLst/>
+                <a:latin typeface="Menlo" charset="0"/>
+              </a:rPr>
+              <a:t/>
+            </a:r>
+            <a:br>
+              <a:rPr lang="en-US" sz="2000" b="0" noProof="1" smtClean="0">
+                <a:solidFill>
+                  <a:srgbClr val="555555"/>
+                </a:solidFill>
+                <a:effectLst/>
+                <a:latin typeface="Menlo" charset="0"/>
+              </a:rPr>
+            </a:br>
+            <a:r>
+              <a:rPr lang="en-US" sz="2000" b="0" noProof="1" smtClean="0">
+                <a:solidFill>
+                  <a:srgbClr val="DD1144"/>
+                </a:solidFill>
+                <a:effectLst/>
+                <a:latin typeface="Menlo" charset="0"/>
+              </a:rPr>
+              <a:t>zIndex</a:t>
+            </a:r>
+            <a:r>
+              <a:rPr lang="en-US" sz="2000" b="0" noProof="1" smtClean="0">
+                <a:solidFill>
+                  <a:srgbClr val="555555"/>
+                </a:solidFill>
+                <a:effectLst/>
+                <a:latin typeface="Menlo" charset="0"/>
+              </a:rPr>
+              <a:t>(</a:t>
+            </a:r>
+            <a:r>
+              <a:rPr lang="en-US" sz="2000" b="0" noProof="1" smtClean="0">
+                <a:solidFill>
+                  <a:srgbClr val="008080"/>
+                </a:solidFill>
+                <a:effectLst/>
+                <a:latin typeface="Menlo" charset="0"/>
+              </a:rPr>
+              <a:t>ball</a:t>
+            </a:r>
+            <a:r>
+              <a:rPr lang="en-US" sz="2000" b="0" noProof="1" smtClean="0">
+                <a:solidFill>
+                  <a:srgbClr val="555555"/>
+                </a:solidFill>
+                <a:effectLst/>
+                <a:latin typeface="Menlo" charset="0"/>
+              </a:rPr>
+              <a:t>,</a:t>
+            </a:r>
+            <a:r>
+              <a:rPr lang="en-US" sz="2000" b="0" noProof="1" smtClean="0">
+                <a:solidFill>
+                  <a:srgbClr val="DD1144"/>
+                </a:solidFill>
+                <a:effectLst/>
+                <a:latin typeface="Menlo" charset="0"/>
+              </a:rPr>
+              <a:t>5</a:t>
+            </a:r>
+            <a:r>
+              <a:rPr lang="en-US" sz="2000" b="0" noProof="1" smtClean="0">
+                <a:solidFill>
+                  <a:srgbClr val="555555"/>
+                </a:solidFill>
+                <a:effectLst/>
+                <a:latin typeface="Menlo" charset="0"/>
+              </a:rPr>
+              <a:t>);</a:t>
+            </a:r>
+          </a:p>
+          <a:p>
+            <a:r>
+              <a:rPr lang="en-US" sz="2000" b="0" noProof="1" smtClean="0">
+                <a:solidFill>
+                  <a:srgbClr val="555555"/>
+                </a:solidFill>
+                <a:effectLst/>
+                <a:latin typeface="Menlo" charset="0"/>
+              </a:rPr>
+              <a:t/>
+            </a:r>
+            <a:br>
+              <a:rPr lang="en-US" sz="2000" b="0" noProof="1" smtClean="0">
+                <a:solidFill>
+                  <a:srgbClr val="555555"/>
+                </a:solidFill>
+                <a:effectLst/>
+                <a:latin typeface="Menlo" charset="0"/>
+              </a:rPr>
+            </a:br>
+            <a:r>
+              <a:rPr lang="en-US" sz="2000" b="0" noProof="1" smtClean="0">
+                <a:solidFill>
+                  <a:srgbClr val="DD1144"/>
+                </a:solidFill>
+                <a:effectLst/>
+                <a:latin typeface="Menlo" charset="0"/>
+              </a:rPr>
+              <a:t>repeatMove</a:t>
+            </a:r>
+            <a:r>
+              <a:rPr lang="en-US" sz="2000" b="0" noProof="1" smtClean="0">
+                <a:solidFill>
+                  <a:srgbClr val="555555"/>
+                </a:solidFill>
+                <a:effectLst/>
+                <a:latin typeface="Menlo" charset="0"/>
+              </a:rPr>
+              <a:t>(</a:t>
+            </a:r>
+            <a:r>
+              <a:rPr lang="en-US" sz="2000" b="0" noProof="1" smtClean="0">
+                <a:solidFill>
+                  <a:srgbClr val="008080"/>
+                </a:solidFill>
+                <a:effectLst/>
+                <a:latin typeface="Menlo" charset="0"/>
+              </a:rPr>
+              <a:t>ball</a:t>
+            </a:r>
+            <a:r>
+              <a:rPr lang="en-US" sz="2000" b="0" noProof="1" smtClean="0">
+                <a:solidFill>
+                  <a:srgbClr val="555555"/>
+                </a:solidFill>
+                <a:effectLst/>
+                <a:latin typeface="Menlo" charset="0"/>
+              </a:rPr>
+              <a:t>, </a:t>
+            </a:r>
+            <a:r>
+              <a:rPr lang="en-US" sz="2000" b="0" noProof="1" smtClean="0">
+                <a:solidFill>
+                  <a:srgbClr val="DD1144"/>
+                </a:solidFill>
+                <a:effectLst/>
+                <a:latin typeface="Menlo" charset="0"/>
+              </a:rPr>
+              <a:t>10</a:t>
+            </a:r>
+            <a:r>
+              <a:rPr lang="en-US" sz="2000" b="0" noProof="1" smtClean="0">
+                <a:solidFill>
+                  <a:srgbClr val="555555"/>
+                </a:solidFill>
+                <a:effectLst/>
+                <a:latin typeface="Menlo" charset="0"/>
+              </a:rPr>
+              <a:t>, </a:t>
+            </a:r>
+            <a:r>
+              <a:rPr lang="en-US" sz="2000" b="0" noProof="1" smtClean="0">
+                <a:solidFill>
+                  <a:srgbClr val="DD1144"/>
+                </a:solidFill>
+                <a:effectLst/>
+                <a:latin typeface="Menlo" charset="0"/>
+              </a:rPr>
+              <a:t>10</a:t>
+            </a:r>
+            <a:r>
+              <a:rPr lang="en-US" sz="2000" b="0" noProof="1" smtClean="0">
+                <a:solidFill>
+                  <a:srgbClr val="555555"/>
+                </a:solidFill>
+                <a:effectLst/>
+                <a:latin typeface="Menlo" charset="0"/>
+              </a:rPr>
+              <a:t>, </a:t>
+            </a:r>
+            <a:r>
+              <a:rPr lang="en-US" sz="2000" b="0" noProof="1" smtClean="0">
+                <a:solidFill>
+                  <a:srgbClr val="DD1144"/>
+                </a:solidFill>
+                <a:effectLst/>
+                <a:latin typeface="Menlo" charset="0"/>
+              </a:rPr>
+              <a:t>5</a:t>
+            </a:r>
+            <a:r>
+              <a:rPr lang="en-US" sz="2000" b="0" noProof="1" smtClean="0">
+                <a:solidFill>
+                  <a:srgbClr val="555555"/>
+                </a:solidFill>
+                <a:effectLst/>
+                <a:latin typeface="Menlo" charset="0"/>
+              </a:rPr>
+              <a:t>);</a:t>
+            </a:r>
+            <a:endParaRPr lang="en-US" sz="2000" b="0" noProof="1">
+              <a:solidFill>
+                <a:srgbClr val="555555"/>
+              </a:solidFill>
+              <a:effectLst/>
+              <a:latin typeface="Menlo" charset="0"/>
+            </a:endParaRPr>
+          </a:p>
+        </p:txBody>
+      </p:sp>
+    </p:spTree>
+    <p:extLst>
+      <p:ext uri="{BB962C8B-B14F-4D97-AF65-F5344CB8AC3E}">
+        <p14:creationId xmlns:p14="http://schemas.microsoft.com/office/powerpoint/2010/main" val="785658972"/>
+      </p:ext>
+    </p:extLst>
+  </p:cSld>
+  <p:clrMapOvr>
+    <a:masterClrMapping/>
+  </p:clrMapOvr>
+  <p:timing>
+    <p:tnLst>
+      <p:par>
+        <p:cTn id="1" dur="indefinite" restart="never" nodeType="tmRoot"/>
+      </p:par>
+    </p:tnLst>
+  </p:timing>
+</p:sld>
+</file>
+
+<file path=ppt/slides/slide22.xml><?xml version="1.0" encoding="utf-8"?>
+<p:sld xmlns:a="http://schemas.openxmlformats.org/drawingml/2006/main" xmlns:r="http://schemas.openxmlformats.org/officeDocument/2006/relationships" xmlns:p="http://schemas.openxmlformats.org/presentationml/2006/main">
+  <p:cSld>
+    <p:spTree>
+      <p:nvGrpSpPr>
+        <p:cNvPr id="1" name=""/>
+        <p:cNvGrpSpPr/>
+        <p:nvPr/>
+      </p:nvGrpSpPr>
+      <p:grpSpPr>
+        <a:xfrm>
+          <a:off x="0" y="0"/>
+          <a:ext cx="0" cy="0"/>
+          <a:chOff x="0" y="0"/>
+          <a:chExt cx="0" cy="0"/>
+        </a:xfrm>
+      </p:grpSpPr>
+      <p:sp>
+        <p:nvSpPr>
+          <p:cNvPr id="2" name="Title 1"/>
+          <p:cNvSpPr>
+            <a:spLocks noGrp="1"/>
+          </p:cNvSpPr>
+          <p:nvPr>
+            <p:ph type="title"/>
+          </p:nvPr>
+        </p:nvSpPr>
+        <p:spPr/>
+        <p:txBody>
+          <a:bodyPr/>
+          <a:lstStyle/>
+          <a:p>
+            <a:r>
+              <a:rPr lang="en-US" dirty="0" smtClean="0"/>
+              <a:t>Loops</a:t>
+            </a:r>
+            <a:endParaRPr lang="en-US" dirty="0"/>
+          </a:p>
+        </p:txBody>
+      </p:sp>
+      <p:sp>
+        <p:nvSpPr>
+          <p:cNvPr id="3" name="Rectangle 2"/>
+          <p:cNvSpPr/>
+          <p:nvPr/>
+        </p:nvSpPr>
+        <p:spPr>
+          <a:xfrm>
+            <a:off x="3048000" y="2551837"/>
+            <a:ext cx="6096000" cy="1938992"/>
+          </a:xfrm>
+          <a:prstGeom prst="rect">
+            <a:avLst/>
+          </a:prstGeom>
+          <a:ln>
+            <a:solidFill>
+              <a:schemeClr val="bg1">
+                <a:lumMod val="75000"/>
+              </a:schemeClr>
+            </a:solidFill>
+          </a:ln>
+        </p:spPr>
+        <p:txBody>
+          <a:bodyPr>
+            <a:spAutoFit/>
+          </a:bodyPr>
+          <a:lstStyle/>
+          <a:p>
+            <a:r>
+              <a:rPr lang="en-US" sz="2000" b="0" noProof="1" smtClean="0">
+                <a:solidFill>
+                  <a:srgbClr val="B8B6B1"/>
+                </a:solidFill>
+                <a:effectLst/>
+                <a:latin typeface="Menlo" charset="0"/>
+              </a:rPr>
+              <a:t>// loop exercise</a:t>
+            </a:r>
+            <a:endParaRPr lang="en-US" sz="2000" b="0" noProof="1" smtClean="0">
+              <a:solidFill>
+                <a:srgbClr val="555555"/>
+              </a:solidFill>
+              <a:effectLst/>
+              <a:latin typeface="Menlo" charset="0"/>
+            </a:endParaRPr>
+          </a:p>
+          <a:p>
+            <a:r>
+              <a:rPr lang="en-US" sz="2000" b="0" noProof="1" smtClean="0">
+                <a:solidFill>
+                  <a:srgbClr val="445588"/>
+                </a:solidFill>
+                <a:effectLst/>
+                <a:latin typeface="Menlo" charset="0"/>
+              </a:rPr>
+              <a:t>var</a:t>
+            </a:r>
+            <a:r>
+              <a:rPr lang="en-US" sz="2000" b="0" noProof="1" smtClean="0">
+                <a:solidFill>
+                  <a:srgbClr val="555555"/>
+                </a:solidFill>
+                <a:effectLst/>
+                <a:latin typeface="Menlo" charset="0"/>
+              </a:rPr>
+              <a:t> </a:t>
+            </a:r>
+            <a:r>
+              <a:rPr lang="en-US" sz="2000" b="0" noProof="1" smtClean="0">
+                <a:solidFill>
+                  <a:srgbClr val="008080"/>
+                </a:solidFill>
+                <a:effectLst/>
+                <a:latin typeface="Menlo" charset="0"/>
+              </a:rPr>
+              <a:t>counter</a:t>
+            </a:r>
+            <a:r>
+              <a:rPr lang="en-US" sz="2000" b="0" noProof="1" smtClean="0">
+                <a:solidFill>
+                  <a:srgbClr val="555555"/>
+                </a:solidFill>
+                <a:effectLst/>
+                <a:latin typeface="Menlo" charset="0"/>
+              </a:rPr>
+              <a:t> = </a:t>
+            </a:r>
+            <a:r>
+              <a:rPr lang="en-US" sz="2000" b="0" noProof="1" smtClean="0">
+                <a:solidFill>
+                  <a:srgbClr val="DD1144"/>
+                </a:solidFill>
+                <a:effectLst/>
+                <a:latin typeface="Menlo" charset="0"/>
+              </a:rPr>
+              <a:t>0</a:t>
+            </a:r>
+            <a:r>
+              <a:rPr lang="en-US" sz="2000" b="0" noProof="1" smtClean="0">
+                <a:solidFill>
+                  <a:srgbClr val="555555"/>
+                </a:solidFill>
+                <a:effectLst/>
+                <a:latin typeface="Menlo" charset="0"/>
+              </a:rPr>
+              <a:t>;</a:t>
+            </a:r>
+          </a:p>
+          <a:p>
+            <a:r>
+              <a:rPr lang="en-US" sz="2000" b="0" noProof="1" smtClean="0">
+                <a:solidFill>
+                  <a:srgbClr val="555555"/>
+                </a:solidFill>
+                <a:effectLst/>
+                <a:latin typeface="Menlo" charset="0"/>
+              </a:rPr>
+              <a:t>while </a:t>
+            </a:r>
+            <a:r>
+              <a:rPr lang="en-US" sz="2000" b="0" noProof="1" smtClean="0">
+                <a:solidFill>
+                  <a:srgbClr val="555555"/>
+                </a:solidFill>
+                <a:effectLst/>
+                <a:latin typeface="Menlo" charset="0"/>
+              </a:rPr>
+              <a:t>(</a:t>
+            </a:r>
+            <a:r>
+              <a:rPr lang="en-US" sz="2000" b="0" noProof="1" smtClean="0">
+                <a:solidFill>
+                  <a:srgbClr val="008080"/>
+                </a:solidFill>
+                <a:effectLst/>
+                <a:latin typeface="Menlo" charset="0"/>
+              </a:rPr>
+              <a:t>counter</a:t>
+            </a:r>
+            <a:r>
+              <a:rPr lang="en-US" sz="2000" b="0" noProof="1" smtClean="0">
+                <a:solidFill>
+                  <a:srgbClr val="555555"/>
+                </a:solidFill>
+                <a:effectLst/>
+                <a:latin typeface="Menlo" charset="0"/>
+              </a:rPr>
+              <a:t> &lt; </a:t>
+            </a:r>
+            <a:r>
+              <a:rPr lang="en-US" sz="2000" b="0" noProof="1" smtClean="0">
+                <a:solidFill>
+                  <a:srgbClr val="DD1144"/>
+                </a:solidFill>
+                <a:effectLst/>
+                <a:latin typeface="Menlo" charset="0"/>
+              </a:rPr>
+              <a:t>10</a:t>
+            </a:r>
+            <a:r>
+              <a:rPr lang="en-US" sz="2000" b="0" noProof="1" smtClean="0">
+                <a:solidFill>
+                  <a:srgbClr val="555555"/>
+                </a:solidFill>
+                <a:effectLst/>
+                <a:latin typeface="Menlo" charset="0"/>
+              </a:rPr>
+              <a:t>) {</a:t>
+            </a:r>
+          </a:p>
+          <a:p>
+            <a:r>
+              <a:rPr lang="en-US" sz="2000" b="0" noProof="1" smtClean="0">
+                <a:solidFill>
+                  <a:srgbClr val="DD1144"/>
+                </a:solidFill>
+                <a:effectLst/>
+                <a:latin typeface="Menlo" charset="0"/>
+              </a:rPr>
+              <a:t>    create</a:t>
+            </a:r>
+            <a:r>
+              <a:rPr lang="en-US" sz="2000" b="0" noProof="1" smtClean="0">
+                <a:solidFill>
+                  <a:srgbClr val="555555"/>
+                </a:solidFill>
+                <a:effectLst/>
+                <a:latin typeface="Menlo" charset="0"/>
+              </a:rPr>
+              <a:t>();</a:t>
+            </a:r>
+          </a:p>
+          <a:p>
+            <a:r>
+              <a:rPr lang="en-US" sz="2000" b="0" noProof="1" smtClean="0">
+                <a:solidFill>
+                  <a:srgbClr val="008080"/>
+                </a:solidFill>
+                <a:effectLst/>
+                <a:latin typeface="Menlo" charset="0"/>
+              </a:rPr>
+              <a:t>    counter</a:t>
+            </a:r>
+            <a:r>
+              <a:rPr lang="en-US" sz="2000" b="0" noProof="1" smtClean="0">
+                <a:solidFill>
+                  <a:srgbClr val="555555"/>
+                </a:solidFill>
+                <a:effectLst/>
+                <a:latin typeface="Menlo" charset="0"/>
+              </a:rPr>
+              <a:t>++;</a:t>
+            </a:r>
+          </a:p>
+          <a:p>
+            <a:r>
+              <a:rPr lang="en-US" sz="2000" b="0" noProof="1" smtClean="0">
+                <a:solidFill>
+                  <a:srgbClr val="555555"/>
+                </a:solidFill>
+                <a:effectLst/>
+                <a:latin typeface="Menlo" charset="0"/>
+              </a:rPr>
+              <a:t>}</a:t>
+            </a:r>
+            <a:endParaRPr lang="en-US" sz="2000" b="0" noProof="1">
+              <a:solidFill>
+                <a:srgbClr val="555555"/>
+              </a:solidFill>
+              <a:effectLst/>
+              <a:latin typeface="Menlo" charset="0"/>
+            </a:endParaRPr>
+          </a:p>
+        </p:txBody>
+      </p:sp>
+    </p:spTree>
+    <p:extLst>
+      <p:ext uri="{BB962C8B-B14F-4D97-AF65-F5344CB8AC3E}">
+        <p14:creationId xmlns:p14="http://schemas.microsoft.com/office/powerpoint/2010/main" val="305164864"/>
+      </p:ext>
+    </p:extLst>
+  </p:cSld>
+  <p:clrMapOvr>
+    <a:masterClrMapping/>
+  </p:clrMapOvr>
+  <p:timing>
+    <p:tnLst>
+      <p:par>
+        <p:cTn id="1" dur="indefinite" restart="never" nodeType="tmRoot"/>
+      </p:par>
+    </p:tnLst>
+  </p:timing>
+</p:sld>
+</file>
+
+<file path=ppt/slides/slide23.xml><?xml version="1.0" encoding="utf-8"?>
+<p:sld xmlns:a="http://schemas.openxmlformats.org/drawingml/2006/main" xmlns:r="http://schemas.openxmlformats.org/officeDocument/2006/relationships" xmlns:p="http://schemas.openxmlformats.org/presentationml/2006/main">
+  <p:cSld>
+    <p:spTree>
+      <p:nvGrpSpPr>
+        <p:cNvPr id="1" name=""/>
+        <p:cNvGrpSpPr/>
+        <p:nvPr/>
+      </p:nvGrpSpPr>
+      <p:grpSpPr>
+        <a:xfrm>
+          <a:off x="0" y="0"/>
+          <a:ext cx="0" cy="0"/>
+          <a:chOff x="0" y="0"/>
+          <a:chExt cx="0" cy="0"/>
+        </a:xfrm>
+      </p:grpSpPr>
+      <p:sp>
+        <p:nvSpPr>
+          <p:cNvPr id="2" name="Title 1"/>
+          <p:cNvSpPr>
+            <a:spLocks noGrp="1"/>
+          </p:cNvSpPr>
+          <p:nvPr>
+            <p:ph type="title"/>
+          </p:nvPr>
+        </p:nvSpPr>
+        <p:spPr/>
+        <p:txBody>
+          <a:bodyPr/>
+          <a:lstStyle/>
+          <a:p>
+            <a:r>
+              <a:rPr lang="en-US" dirty="0" smtClean="0"/>
+              <a:t>Arrays</a:t>
+            </a:r>
+            <a:endParaRPr lang="en-US" dirty="0"/>
+          </a:p>
+        </p:txBody>
+      </p:sp>
+      <p:sp>
+        <p:nvSpPr>
+          <p:cNvPr id="3" name="Rectangle 2"/>
+          <p:cNvSpPr/>
+          <p:nvPr/>
+        </p:nvSpPr>
+        <p:spPr>
+          <a:xfrm>
+            <a:off x="3048000" y="1305342"/>
+            <a:ext cx="6096000" cy="4678204"/>
+          </a:xfrm>
+          <a:prstGeom prst="rect">
+            <a:avLst/>
+          </a:prstGeom>
+        </p:spPr>
+        <p:txBody>
+          <a:bodyPr>
+            <a:spAutoFit/>
+          </a:bodyPr>
+          <a:lstStyle/>
+          <a:p>
+            <a:r>
+              <a:rPr lang="en-US" sz="2000" b="0" noProof="1" smtClean="0">
+                <a:solidFill>
+                  <a:srgbClr val="B8B6B1"/>
+                </a:solidFill>
+                <a:effectLst/>
+                <a:latin typeface="Menlo" charset="0"/>
+              </a:rPr>
+              <a:t>// arrays exercise</a:t>
+            </a:r>
+            <a:endParaRPr lang="en-US" sz="2000" b="0" noProof="1" smtClean="0">
+              <a:solidFill>
+                <a:srgbClr val="555555"/>
+              </a:solidFill>
+              <a:effectLst/>
+              <a:latin typeface="Menlo" charset="0"/>
+            </a:endParaRPr>
+          </a:p>
+          <a:p>
+            <a:r>
+              <a:rPr lang="en-US" sz="2000" b="0" noProof="1" smtClean="0">
+                <a:solidFill>
+                  <a:srgbClr val="445588"/>
+                </a:solidFill>
+                <a:effectLst/>
+                <a:latin typeface="Menlo" charset="0"/>
+              </a:rPr>
+              <a:t>var</a:t>
+            </a:r>
+            <a:r>
+              <a:rPr lang="en-US" sz="2000" b="0" noProof="1" smtClean="0">
+                <a:solidFill>
+                  <a:srgbClr val="555555"/>
+                </a:solidFill>
+                <a:effectLst/>
+                <a:latin typeface="Menlo" charset="0"/>
+              </a:rPr>
+              <a:t> </a:t>
+            </a:r>
+            <a:r>
+              <a:rPr lang="en-US" sz="2000" b="0" noProof="1" smtClean="0">
+                <a:solidFill>
+                  <a:srgbClr val="008080"/>
+                </a:solidFill>
+                <a:effectLst/>
+                <a:latin typeface="Menlo" charset="0"/>
+              </a:rPr>
+              <a:t>list</a:t>
+            </a:r>
+            <a:r>
+              <a:rPr lang="en-US" sz="2000" b="0" noProof="1" smtClean="0">
+                <a:solidFill>
+                  <a:srgbClr val="555555"/>
+                </a:solidFill>
+                <a:effectLst/>
+                <a:latin typeface="Menlo" charset="0"/>
+              </a:rPr>
+              <a:t> = [];</a:t>
+            </a:r>
+          </a:p>
+          <a:p>
+            <a:r>
+              <a:rPr lang="en-US" sz="2000" b="0" noProof="1" smtClean="0">
+                <a:solidFill>
+                  <a:srgbClr val="008080"/>
+                </a:solidFill>
+                <a:effectLst/>
+                <a:latin typeface="Menlo" charset="0"/>
+              </a:rPr>
+              <a:t>list</a:t>
+            </a:r>
+            <a:r>
+              <a:rPr lang="en-US" sz="2000" b="0" noProof="1" smtClean="0">
+                <a:solidFill>
+                  <a:srgbClr val="555555"/>
+                </a:solidFill>
+                <a:effectLst/>
+                <a:latin typeface="Menlo" charset="0"/>
+              </a:rPr>
+              <a:t>.</a:t>
+            </a:r>
+            <a:r>
+              <a:rPr lang="en-US" sz="2000" b="0" noProof="1" smtClean="0">
+                <a:solidFill>
+                  <a:srgbClr val="445588"/>
+                </a:solidFill>
+                <a:effectLst/>
+                <a:latin typeface="Menlo" charset="0"/>
+              </a:rPr>
+              <a:t>push</a:t>
+            </a:r>
+            <a:r>
+              <a:rPr lang="en-US" sz="2000" b="0" noProof="1" smtClean="0">
+                <a:solidFill>
+                  <a:srgbClr val="555555"/>
+                </a:solidFill>
+                <a:effectLst/>
+                <a:latin typeface="Menlo" charset="0"/>
+              </a:rPr>
+              <a:t>(</a:t>
+            </a:r>
+            <a:r>
+              <a:rPr lang="en-US" sz="2000" b="0" noProof="1" smtClean="0">
+                <a:solidFill>
+                  <a:srgbClr val="DD1144"/>
+                </a:solidFill>
+                <a:effectLst/>
+                <a:latin typeface="Menlo" charset="0"/>
+              </a:rPr>
+              <a:t>create</a:t>
+            </a:r>
+            <a:r>
+              <a:rPr lang="en-US" sz="2000" b="0" noProof="1" smtClean="0">
+                <a:solidFill>
+                  <a:srgbClr val="555555"/>
+                </a:solidFill>
+                <a:effectLst/>
+                <a:latin typeface="Menlo" charset="0"/>
+              </a:rPr>
+              <a:t>());</a:t>
+            </a:r>
+          </a:p>
+          <a:p>
+            <a:r>
+              <a:rPr lang="en-US" sz="2000" b="0" noProof="1" smtClean="0">
+                <a:solidFill>
+                  <a:srgbClr val="008080"/>
+                </a:solidFill>
+                <a:effectLst/>
+                <a:latin typeface="Menlo" charset="0"/>
+              </a:rPr>
+              <a:t>list</a:t>
+            </a:r>
+            <a:r>
+              <a:rPr lang="en-US" sz="2000" b="0" noProof="1" smtClean="0">
+                <a:solidFill>
+                  <a:srgbClr val="555555"/>
+                </a:solidFill>
+                <a:effectLst/>
+                <a:latin typeface="Menlo" charset="0"/>
+              </a:rPr>
+              <a:t>.</a:t>
+            </a:r>
+            <a:r>
+              <a:rPr lang="en-US" sz="2000" b="0" noProof="1" smtClean="0">
+                <a:solidFill>
+                  <a:srgbClr val="445588"/>
+                </a:solidFill>
+                <a:effectLst/>
+                <a:latin typeface="Menlo" charset="0"/>
+              </a:rPr>
+              <a:t>push</a:t>
+            </a:r>
+            <a:r>
+              <a:rPr lang="en-US" sz="2000" b="0" noProof="1" smtClean="0">
+                <a:solidFill>
+                  <a:srgbClr val="555555"/>
+                </a:solidFill>
+                <a:effectLst/>
+                <a:latin typeface="Menlo" charset="0"/>
+              </a:rPr>
+              <a:t>(</a:t>
+            </a:r>
+            <a:r>
+              <a:rPr lang="en-US" sz="2000" b="0" noProof="1" smtClean="0">
+                <a:solidFill>
+                  <a:srgbClr val="DD1144"/>
+                </a:solidFill>
+                <a:effectLst/>
+                <a:latin typeface="Menlo" charset="0"/>
+              </a:rPr>
+              <a:t>create</a:t>
+            </a:r>
+            <a:r>
+              <a:rPr lang="en-US" sz="2000" b="0" noProof="1" smtClean="0">
+                <a:solidFill>
+                  <a:srgbClr val="555555"/>
+                </a:solidFill>
+                <a:effectLst/>
+                <a:latin typeface="Menlo" charset="0"/>
+              </a:rPr>
+              <a:t>());</a:t>
+            </a:r>
+          </a:p>
+          <a:p>
+            <a:r>
+              <a:rPr lang="en-US" sz="2000" b="0" noProof="1" smtClean="0">
+                <a:solidFill>
+                  <a:srgbClr val="008080"/>
+                </a:solidFill>
+                <a:effectLst/>
+                <a:latin typeface="Menlo" charset="0"/>
+              </a:rPr>
+              <a:t>list</a:t>
+            </a:r>
+            <a:r>
+              <a:rPr lang="en-US" sz="2000" b="0" noProof="1" smtClean="0">
+                <a:solidFill>
+                  <a:srgbClr val="555555"/>
+                </a:solidFill>
+                <a:effectLst/>
+                <a:latin typeface="Menlo" charset="0"/>
+              </a:rPr>
+              <a:t>.</a:t>
+            </a:r>
+            <a:r>
+              <a:rPr lang="en-US" sz="2000" b="0" noProof="1" smtClean="0">
+                <a:solidFill>
+                  <a:srgbClr val="445588"/>
+                </a:solidFill>
+                <a:effectLst/>
+                <a:latin typeface="Menlo" charset="0"/>
+              </a:rPr>
+              <a:t>push</a:t>
+            </a:r>
+            <a:r>
+              <a:rPr lang="en-US" sz="2000" b="0" noProof="1" smtClean="0">
+                <a:solidFill>
+                  <a:srgbClr val="555555"/>
+                </a:solidFill>
+                <a:effectLst/>
+                <a:latin typeface="Menlo" charset="0"/>
+              </a:rPr>
+              <a:t>(</a:t>
+            </a:r>
+            <a:r>
+              <a:rPr lang="en-US" sz="2000" b="0" noProof="1" smtClean="0">
+                <a:solidFill>
+                  <a:srgbClr val="DD1144"/>
+                </a:solidFill>
+                <a:effectLst/>
+                <a:latin typeface="Menlo" charset="0"/>
+              </a:rPr>
+              <a:t>create</a:t>
+            </a:r>
+            <a:r>
+              <a:rPr lang="en-US" sz="2000" b="0" noProof="1" smtClean="0">
+                <a:solidFill>
+                  <a:srgbClr val="555555"/>
+                </a:solidFill>
+                <a:effectLst/>
+                <a:latin typeface="Menlo" charset="0"/>
+              </a:rPr>
+              <a:t>());</a:t>
+            </a:r>
+          </a:p>
+          <a:p>
+            <a:r>
+              <a:rPr lang="en-US" sz="2000" b="0" noProof="1" smtClean="0">
+                <a:solidFill>
+                  <a:srgbClr val="008080"/>
+                </a:solidFill>
+                <a:effectLst/>
+                <a:latin typeface="Menlo" charset="0"/>
+              </a:rPr>
+              <a:t>list</a:t>
+            </a:r>
+            <a:r>
+              <a:rPr lang="en-US" sz="2000" b="0" noProof="1" smtClean="0">
+                <a:solidFill>
+                  <a:srgbClr val="555555"/>
+                </a:solidFill>
+                <a:effectLst/>
+                <a:latin typeface="Menlo" charset="0"/>
+              </a:rPr>
+              <a:t>.</a:t>
+            </a:r>
+            <a:r>
+              <a:rPr lang="en-US" sz="2000" b="0" noProof="1" smtClean="0">
+                <a:solidFill>
+                  <a:srgbClr val="445588"/>
+                </a:solidFill>
+                <a:effectLst/>
+                <a:latin typeface="Menlo" charset="0"/>
+              </a:rPr>
+              <a:t>push</a:t>
+            </a:r>
+            <a:r>
+              <a:rPr lang="en-US" sz="2000" b="0" noProof="1" smtClean="0">
+                <a:solidFill>
+                  <a:srgbClr val="555555"/>
+                </a:solidFill>
+                <a:effectLst/>
+                <a:latin typeface="Menlo" charset="0"/>
+              </a:rPr>
+              <a:t>(</a:t>
+            </a:r>
+            <a:r>
+              <a:rPr lang="en-US" sz="2000" b="0" noProof="1" smtClean="0">
+                <a:solidFill>
+                  <a:srgbClr val="DD1144"/>
+                </a:solidFill>
+                <a:effectLst/>
+                <a:latin typeface="Menlo" charset="0"/>
+              </a:rPr>
+              <a:t>create</a:t>
+            </a:r>
+            <a:r>
+              <a:rPr lang="en-US" sz="2000" b="0" noProof="1" smtClean="0">
+                <a:solidFill>
+                  <a:srgbClr val="555555"/>
+                </a:solidFill>
+                <a:effectLst/>
+                <a:latin typeface="Menlo" charset="0"/>
+              </a:rPr>
+              <a:t>());</a:t>
+            </a:r>
+          </a:p>
+          <a:p>
+            <a:r>
+              <a:rPr lang="en-US" sz="2000" b="0" noProof="1" smtClean="0">
+                <a:solidFill>
+                  <a:srgbClr val="555555"/>
+                </a:solidFill>
+                <a:effectLst/>
+                <a:latin typeface="Menlo" charset="0"/>
+              </a:rPr>
+              <a:t/>
+            </a:r>
+            <a:br>
+              <a:rPr lang="en-US" sz="2000" b="0" noProof="1" smtClean="0">
+                <a:solidFill>
+                  <a:srgbClr val="555555"/>
+                </a:solidFill>
+                <a:effectLst/>
+                <a:latin typeface="Menlo" charset="0"/>
+              </a:rPr>
+            </a:br>
+            <a:r>
+              <a:rPr lang="en-US" sz="2000" b="0" noProof="1" smtClean="0">
+                <a:solidFill>
+                  <a:srgbClr val="B8B6B1"/>
+                </a:solidFill>
+                <a:effectLst/>
+                <a:latin typeface="Menlo" charset="0"/>
+              </a:rPr>
+              <a:t>// change color of balls in array</a:t>
+            </a:r>
+            <a:endParaRPr lang="en-US" sz="2000" b="0" noProof="1" smtClean="0">
+              <a:solidFill>
+                <a:srgbClr val="555555"/>
+              </a:solidFill>
+              <a:effectLst/>
+              <a:latin typeface="Menlo" charset="0"/>
+            </a:endParaRPr>
+          </a:p>
+          <a:p>
+            <a:r>
+              <a:rPr lang="en-US" sz="2000" b="0" noProof="1" smtClean="0">
+                <a:solidFill>
+                  <a:srgbClr val="445588"/>
+                </a:solidFill>
+                <a:effectLst/>
+                <a:latin typeface="Menlo" charset="0"/>
+              </a:rPr>
+              <a:t>var</a:t>
+            </a:r>
+            <a:r>
+              <a:rPr lang="en-US" sz="2000" b="0" noProof="1" smtClean="0">
+                <a:solidFill>
+                  <a:srgbClr val="555555"/>
+                </a:solidFill>
+                <a:effectLst/>
+                <a:latin typeface="Menlo" charset="0"/>
+              </a:rPr>
+              <a:t> </a:t>
+            </a:r>
+            <a:r>
+              <a:rPr lang="en-US" sz="2000" b="0" noProof="1" smtClean="0">
+                <a:solidFill>
+                  <a:srgbClr val="008080"/>
+                </a:solidFill>
+                <a:effectLst/>
+                <a:latin typeface="Menlo" charset="0"/>
+              </a:rPr>
+              <a:t>i</a:t>
+            </a:r>
+            <a:r>
+              <a:rPr lang="en-US" sz="2000" b="0" noProof="1" smtClean="0">
+                <a:solidFill>
+                  <a:srgbClr val="555555"/>
+                </a:solidFill>
+                <a:effectLst/>
+                <a:latin typeface="Menlo" charset="0"/>
+              </a:rPr>
+              <a:t>=</a:t>
+            </a:r>
+            <a:r>
+              <a:rPr lang="en-US" sz="2000" b="0" noProof="1" smtClean="0">
+                <a:solidFill>
+                  <a:srgbClr val="DD1144"/>
+                </a:solidFill>
+                <a:effectLst/>
+                <a:latin typeface="Menlo" charset="0"/>
+              </a:rPr>
+              <a:t>0</a:t>
+            </a:r>
+            <a:r>
+              <a:rPr lang="en-US" sz="2000" b="0" noProof="1" smtClean="0">
+                <a:solidFill>
+                  <a:srgbClr val="555555"/>
+                </a:solidFill>
+                <a:effectLst/>
+                <a:latin typeface="Menlo" charset="0"/>
+              </a:rPr>
+              <a:t>;</a:t>
+            </a:r>
+          </a:p>
+          <a:p>
+            <a:r>
+              <a:rPr lang="en-US" sz="2000" b="0" noProof="1" smtClean="0">
+                <a:solidFill>
+                  <a:srgbClr val="445588"/>
+                </a:solidFill>
+                <a:effectLst/>
+                <a:latin typeface="Menlo" charset="0"/>
+              </a:rPr>
+              <a:t>var</a:t>
+            </a:r>
+            <a:r>
+              <a:rPr lang="en-US" sz="2000" b="0" noProof="1" smtClean="0">
+                <a:solidFill>
+                  <a:srgbClr val="555555"/>
+                </a:solidFill>
+                <a:effectLst/>
+                <a:latin typeface="Menlo" charset="0"/>
+              </a:rPr>
+              <a:t> </a:t>
+            </a:r>
+            <a:r>
+              <a:rPr lang="en-US" sz="2000" b="0" noProof="1" smtClean="0">
+                <a:solidFill>
+                  <a:srgbClr val="008080"/>
+                </a:solidFill>
+                <a:effectLst/>
+                <a:latin typeface="Menlo" charset="0"/>
+              </a:rPr>
+              <a:t>length</a:t>
+            </a:r>
+            <a:r>
+              <a:rPr lang="en-US" sz="2000" b="0" noProof="1" smtClean="0">
+                <a:solidFill>
+                  <a:srgbClr val="555555"/>
+                </a:solidFill>
+                <a:effectLst/>
+                <a:latin typeface="Menlo" charset="0"/>
+              </a:rPr>
+              <a:t> = </a:t>
+            </a:r>
+            <a:r>
+              <a:rPr lang="en-US" sz="2000" b="0" noProof="1" smtClean="0">
+                <a:solidFill>
+                  <a:srgbClr val="008080"/>
+                </a:solidFill>
+                <a:effectLst/>
+                <a:latin typeface="Menlo" charset="0"/>
+              </a:rPr>
+              <a:t>list</a:t>
+            </a:r>
+            <a:r>
+              <a:rPr lang="en-US" sz="2000" b="0" noProof="1" smtClean="0">
+                <a:solidFill>
+                  <a:srgbClr val="555555"/>
+                </a:solidFill>
+                <a:effectLst/>
+                <a:latin typeface="Menlo" charset="0"/>
+              </a:rPr>
+              <a:t>.length;</a:t>
+            </a:r>
+          </a:p>
+          <a:p>
+            <a:r>
+              <a:rPr lang="en-US" sz="2000" b="0" noProof="1" smtClean="0">
+                <a:solidFill>
+                  <a:srgbClr val="555555"/>
+                </a:solidFill>
+                <a:effectLst/>
+                <a:latin typeface="Menlo" charset="0"/>
+              </a:rPr>
+              <a:t>while (</a:t>
+            </a:r>
+            <a:r>
+              <a:rPr lang="en-US" sz="2000" b="0" noProof="1" smtClean="0">
+                <a:solidFill>
+                  <a:srgbClr val="008080"/>
+                </a:solidFill>
+                <a:effectLst/>
+                <a:latin typeface="Menlo" charset="0"/>
+              </a:rPr>
+              <a:t>i</a:t>
+            </a:r>
+            <a:r>
+              <a:rPr lang="en-US" sz="2000" b="0" noProof="1" smtClean="0">
+                <a:solidFill>
+                  <a:srgbClr val="555555"/>
+                </a:solidFill>
+                <a:effectLst/>
+                <a:latin typeface="Menlo" charset="0"/>
+              </a:rPr>
+              <a:t> &lt; </a:t>
+            </a:r>
+            <a:r>
+              <a:rPr lang="en-US" sz="2000" b="0" noProof="1" smtClean="0">
+                <a:solidFill>
+                  <a:srgbClr val="008080"/>
+                </a:solidFill>
+                <a:effectLst/>
+                <a:latin typeface="Menlo" charset="0"/>
+              </a:rPr>
+              <a:t>length</a:t>
+            </a:r>
+            <a:r>
+              <a:rPr lang="en-US" sz="2000" b="0" noProof="1" smtClean="0">
+                <a:solidFill>
+                  <a:srgbClr val="555555"/>
+                </a:solidFill>
+                <a:effectLst/>
+                <a:latin typeface="Menlo" charset="0"/>
+              </a:rPr>
+              <a:t>) {</a:t>
+            </a:r>
+          </a:p>
+          <a:p>
+            <a:r>
+              <a:rPr lang="en-US" sz="2000" b="0" noProof="1" smtClean="0">
+                <a:solidFill>
+                  <a:srgbClr val="445588"/>
+                </a:solidFill>
+                <a:effectLst/>
+                <a:latin typeface="Menlo" charset="0"/>
+              </a:rPr>
+              <a:t>    var</a:t>
+            </a:r>
+            <a:r>
+              <a:rPr lang="en-US" sz="2000" b="0" noProof="1" smtClean="0">
+                <a:solidFill>
+                  <a:srgbClr val="555555"/>
+                </a:solidFill>
+                <a:effectLst/>
+                <a:latin typeface="Menlo" charset="0"/>
+              </a:rPr>
+              <a:t> </a:t>
+            </a:r>
+            <a:r>
+              <a:rPr lang="en-US" sz="2000" b="0" noProof="1" smtClean="0">
+                <a:solidFill>
+                  <a:srgbClr val="008080"/>
+                </a:solidFill>
+                <a:effectLst/>
+                <a:latin typeface="Menlo" charset="0"/>
+              </a:rPr>
+              <a:t>ball</a:t>
+            </a:r>
+            <a:r>
+              <a:rPr lang="en-US" sz="2000" b="0" noProof="1" smtClean="0">
+                <a:solidFill>
+                  <a:srgbClr val="555555"/>
+                </a:solidFill>
+                <a:effectLst/>
+                <a:latin typeface="Menlo" charset="0"/>
+              </a:rPr>
+              <a:t> = </a:t>
+            </a:r>
+            <a:r>
+              <a:rPr lang="en-US" sz="2000" b="0" noProof="1" smtClean="0">
+                <a:solidFill>
+                  <a:srgbClr val="008080"/>
+                </a:solidFill>
+                <a:effectLst/>
+                <a:latin typeface="Menlo" charset="0"/>
+              </a:rPr>
+              <a:t>list</a:t>
+            </a:r>
+            <a:r>
+              <a:rPr lang="en-US" sz="2000" b="0" noProof="1" smtClean="0">
+                <a:solidFill>
+                  <a:srgbClr val="555555"/>
+                </a:solidFill>
+                <a:effectLst/>
+                <a:latin typeface="Menlo" charset="0"/>
+              </a:rPr>
+              <a:t>[</a:t>
+            </a:r>
+            <a:r>
+              <a:rPr lang="en-US" sz="2000" b="0" noProof="1" smtClean="0">
+                <a:solidFill>
+                  <a:srgbClr val="008080"/>
+                </a:solidFill>
+                <a:effectLst/>
+                <a:latin typeface="Menlo" charset="0"/>
+              </a:rPr>
+              <a:t>i</a:t>
+            </a:r>
+            <a:r>
+              <a:rPr lang="en-US" sz="2000" b="0" noProof="1" smtClean="0">
+                <a:solidFill>
+                  <a:srgbClr val="555555"/>
+                </a:solidFill>
+                <a:effectLst/>
+                <a:latin typeface="Menlo" charset="0"/>
+              </a:rPr>
+              <a:t>];</a:t>
+            </a:r>
+          </a:p>
+          <a:p>
+            <a:r>
+              <a:rPr lang="en-US" sz="2000" b="0" noProof="1" smtClean="0">
+                <a:solidFill>
+                  <a:srgbClr val="DD1144"/>
+                </a:solidFill>
+                <a:effectLst/>
+                <a:latin typeface="Menlo" charset="0"/>
+              </a:rPr>
+              <a:t>    colorRandom</a:t>
+            </a:r>
+            <a:r>
+              <a:rPr lang="en-US" sz="2000" b="0" noProof="1" smtClean="0">
+                <a:solidFill>
+                  <a:srgbClr val="555555"/>
+                </a:solidFill>
+                <a:effectLst/>
+                <a:latin typeface="Menlo" charset="0"/>
+              </a:rPr>
+              <a:t>(</a:t>
+            </a:r>
+            <a:r>
+              <a:rPr lang="en-US" sz="2000" b="0" noProof="1" smtClean="0">
+                <a:solidFill>
+                  <a:srgbClr val="008080"/>
+                </a:solidFill>
+                <a:effectLst/>
+                <a:latin typeface="Menlo" charset="0"/>
+              </a:rPr>
+              <a:t>ball</a:t>
+            </a:r>
+            <a:r>
+              <a:rPr lang="en-US" sz="2000" b="0" noProof="1" smtClean="0">
+                <a:solidFill>
+                  <a:srgbClr val="555555"/>
+                </a:solidFill>
+                <a:effectLst/>
+                <a:latin typeface="Menlo" charset="0"/>
+              </a:rPr>
+              <a:t>);</a:t>
+            </a:r>
+          </a:p>
+          <a:p>
+            <a:r>
+              <a:rPr lang="en-US" sz="2000" b="0" noProof="1" smtClean="0">
+                <a:solidFill>
+                  <a:srgbClr val="008080"/>
+                </a:solidFill>
+                <a:effectLst/>
+                <a:latin typeface="Menlo" charset="0"/>
+              </a:rPr>
+              <a:t>    i</a:t>
+            </a:r>
+            <a:r>
+              <a:rPr lang="en-US" sz="2000" b="0" noProof="1" smtClean="0">
+                <a:solidFill>
+                  <a:srgbClr val="555555"/>
+                </a:solidFill>
+                <a:effectLst/>
+                <a:latin typeface="Menlo" charset="0"/>
+              </a:rPr>
+              <a:t>++;</a:t>
+            </a:r>
+          </a:p>
+          <a:p>
+            <a:r>
+              <a:rPr lang="en-US" sz="2000" b="0" noProof="1" smtClean="0">
+                <a:solidFill>
+                  <a:srgbClr val="555555"/>
+                </a:solidFill>
+                <a:effectLst/>
+                <a:latin typeface="Menlo" charset="0"/>
+              </a:rPr>
+              <a:t>}</a:t>
+            </a:r>
+            <a:endParaRPr lang="en-US" sz="2000" b="0" noProof="1">
+              <a:solidFill>
+                <a:srgbClr val="555555"/>
+              </a:solidFill>
+              <a:effectLst/>
+              <a:latin typeface="Menlo" charset="0"/>
+            </a:endParaRPr>
+          </a:p>
+        </p:txBody>
+      </p:sp>
+    </p:spTree>
+    <p:extLst>
+      <p:ext uri="{BB962C8B-B14F-4D97-AF65-F5344CB8AC3E}">
+        <p14:creationId xmlns:p14="http://schemas.microsoft.com/office/powerpoint/2010/main" val="1644814669"/>
+      </p:ext>
+    </p:extLst>
+  </p:cSld>
+  <p:clrMapOvr>
+    <a:masterClrMapping/>
+  </p:clrMapOvr>
+  <p:timing>
+    <p:tnLst>
+      <p:par>
+        <p:cTn id="1" dur="indefinite" restart="never" nodeType="tmRoot"/>
+      </p:par>
+    </p:tnLst>
+  </p:timing>
+</p:sld>
+</file>
+
+<file path=ppt/slides/slide24.xml><?xml version="1.0" encoding="utf-8"?>
+<p:sld xmlns:a="http://schemas.openxmlformats.org/drawingml/2006/main" xmlns:r="http://schemas.openxmlformats.org/officeDocument/2006/relationships" xmlns:p="http://schemas.openxmlformats.org/presentationml/2006/main">
+  <p:cSld>
+    <p:spTree>
+      <p:nvGrpSpPr>
+        <p:cNvPr id="1" name=""/>
+        <p:cNvGrpSpPr/>
+        <p:nvPr/>
+      </p:nvGrpSpPr>
+      <p:grpSpPr>
+        <a:xfrm>
+          <a:off x="0" y="0"/>
+          <a:ext cx="0" cy="0"/>
+          <a:chOff x="0" y="0"/>
+          <a:chExt cx="0" cy="0"/>
+        </a:xfrm>
+      </p:grpSpPr>
+      <p:sp>
+        <p:nvSpPr>
+          <p:cNvPr id="2" name="Title 1"/>
+          <p:cNvSpPr>
+            <a:spLocks noGrp="1"/>
+          </p:cNvSpPr>
+          <p:nvPr>
+            <p:ph type="title"/>
+          </p:nvPr>
+        </p:nvSpPr>
+        <p:spPr/>
+        <p:txBody>
+          <a:bodyPr/>
+          <a:lstStyle/>
+          <a:p>
+            <a:r>
+              <a:rPr lang="en-US" dirty="0" smtClean="0"/>
+              <a:t>Painting</a:t>
+            </a:r>
+            <a:endParaRPr lang="en-US" dirty="0"/>
+          </a:p>
+        </p:txBody>
+      </p:sp>
+      <p:sp>
+        <p:nvSpPr>
+          <p:cNvPr id="4" name="Rectangle 3"/>
+          <p:cNvSpPr/>
+          <p:nvPr/>
+        </p:nvSpPr>
+        <p:spPr>
+          <a:xfrm>
+            <a:off x="2624847" y="2136339"/>
+            <a:ext cx="6942307" cy="2554545"/>
+          </a:xfrm>
+          <a:prstGeom prst="rect">
+            <a:avLst/>
+          </a:prstGeom>
+          <a:ln>
+            <a:solidFill>
+              <a:schemeClr val="bg1">
+                <a:lumMod val="75000"/>
+              </a:schemeClr>
+            </a:solidFill>
+          </a:ln>
+        </p:spPr>
+        <p:txBody>
+          <a:bodyPr wrap="square">
+            <a:spAutoFit/>
+          </a:bodyPr>
+          <a:lstStyle/>
+          <a:p>
+            <a:r>
+              <a:rPr lang="en-US" sz="2000" b="0" noProof="1" smtClean="0">
+                <a:solidFill>
+                  <a:srgbClr val="B8B6B1"/>
+                </a:solidFill>
+                <a:effectLst/>
+                <a:latin typeface="Menlo" charset="0"/>
+              </a:rPr>
+              <a:t>// length of array with painting information</a:t>
+            </a:r>
+            <a:endParaRPr lang="en-US" sz="2000" b="0" noProof="1" smtClean="0">
+              <a:solidFill>
+                <a:srgbClr val="555555"/>
+              </a:solidFill>
+              <a:effectLst/>
+              <a:latin typeface="Menlo" charset="0"/>
+            </a:endParaRPr>
+          </a:p>
+          <a:p>
+            <a:r>
+              <a:rPr lang="en-US" sz="2000" b="0" noProof="1" smtClean="0">
+                <a:solidFill>
+                  <a:srgbClr val="445588"/>
+                </a:solidFill>
+                <a:effectLst/>
+                <a:latin typeface="Menlo" charset="0"/>
+              </a:rPr>
+              <a:t>var</a:t>
+            </a:r>
+            <a:r>
+              <a:rPr lang="en-US" sz="2000" b="0" noProof="1" smtClean="0">
+                <a:solidFill>
+                  <a:srgbClr val="555555"/>
+                </a:solidFill>
+                <a:effectLst/>
+                <a:latin typeface="Menlo" charset="0"/>
+              </a:rPr>
+              <a:t> </a:t>
+            </a:r>
+            <a:r>
+              <a:rPr lang="en-US" sz="2000" b="0" noProof="1" smtClean="0">
+                <a:solidFill>
+                  <a:srgbClr val="008080"/>
+                </a:solidFill>
+                <a:effectLst/>
+                <a:latin typeface="Menlo" charset="0"/>
+              </a:rPr>
+              <a:t>length</a:t>
+            </a:r>
+            <a:r>
+              <a:rPr lang="en-US" sz="2000" b="0" noProof="1" smtClean="0">
+                <a:solidFill>
+                  <a:srgbClr val="555555"/>
+                </a:solidFill>
+                <a:effectLst/>
+                <a:latin typeface="Menlo" charset="0"/>
+              </a:rPr>
+              <a:t> = </a:t>
+            </a:r>
+            <a:r>
+              <a:rPr lang="en-US" sz="2000" b="0" noProof="1" smtClean="0">
+                <a:solidFill>
+                  <a:srgbClr val="008080"/>
+                </a:solidFill>
+                <a:effectLst/>
+                <a:latin typeface="Menlo" charset="0"/>
+              </a:rPr>
+              <a:t>data</a:t>
+            </a:r>
+            <a:r>
+              <a:rPr lang="en-US" sz="2000" b="0" noProof="1" smtClean="0">
+                <a:solidFill>
+                  <a:srgbClr val="555555"/>
+                </a:solidFill>
+                <a:effectLst/>
+                <a:latin typeface="Menlo" charset="0"/>
+              </a:rPr>
+              <a:t>.length;</a:t>
+            </a:r>
+          </a:p>
+          <a:p>
+            <a:r>
+              <a:rPr lang="en-US" sz="2000" b="0" noProof="1" smtClean="0">
+                <a:solidFill>
+                  <a:srgbClr val="555555"/>
+                </a:solidFill>
+                <a:effectLst/>
+                <a:latin typeface="Menlo" charset="0"/>
+              </a:rPr>
+              <a:t/>
+            </a:r>
+            <a:br>
+              <a:rPr lang="en-US" sz="2000" b="0" noProof="1" smtClean="0">
+                <a:solidFill>
+                  <a:srgbClr val="555555"/>
+                </a:solidFill>
+                <a:effectLst/>
+                <a:latin typeface="Menlo" charset="0"/>
+              </a:rPr>
+            </a:br>
+            <a:r>
+              <a:rPr lang="en-US" sz="2000" b="0" noProof="1" smtClean="0">
+                <a:solidFill>
+                  <a:srgbClr val="B8B6B1"/>
+                </a:solidFill>
+                <a:effectLst/>
+                <a:latin typeface="Menlo" charset="0"/>
+              </a:rPr>
+              <a:t>// create a ball for each color</a:t>
+            </a:r>
+            <a:endParaRPr lang="en-US" sz="2000" b="0" noProof="1" smtClean="0">
+              <a:solidFill>
+                <a:srgbClr val="555555"/>
+              </a:solidFill>
+              <a:effectLst/>
+              <a:latin typeface="Menlo" charset="0"/>
+            </a:endParaRPr>
+          </a:p>
+          <a:p>
+            <a:r>
+              <a:rPr lang="en-US" sz="2000" b="0" noProof="1" smtClean="0">
+                <a:solidFill>
+                  <a:srgbClr val="555555"/>
+                </a:solidFill>
+                <a:effectLst/>
+                <a:latin typeface="Menlo" charset="0"/>
+              </a:rPr>
+              <a:t>for (</a:t>
+            </a:r>
+            <a:r>
+              <a:rPr lang="en-US" sz="2000" b="0" noProof="1" smtClean="0">
+                <a:solidFill>
+                  <a:srgbClr val="445588"/>
+                </a:solidFill>
+                <a:effectLst/>
+                <a:latin typeface="Menlo" charset="0"/>
+              </a:rPr>
+              <a:t>var</a:t>
+            </a:r>
+            <a:r>
+              <a:rPr lang="en-US" sz="2000" b="0" noProof="1" smtClean="0">
+                <a:solidFill>
+                  <a:srgbClr val="555555"/>
+                </a:solidFill>
+                <a:effectLst/>
+                <a:latin typeface="Menlo" charset="0"/>
+              </a:rPr>
+              <a:t> </a:t>
+            </a:r>
+            <a:r>
+              <a:rPr lang="en-US" sz="2000" b="0" noProof="1" smtClean="0">
+                <a:solidFill>
+                  <a:srgbClr val="008080"/>
+                </a:solidFill>
+                <a:effectLst/>
+                <a:latin typeface="Menlo" charset="0"/>
+              </a:rPr>
+              <a:t>i</a:t>
+            </a:r>
+            <a:r>
+              <a:rPr lang="en-US" sz="2000" b="0" noProof="1" smtClean="0">
+                <a:solidFill>
+                  <a:srgbClr val="555555"/>
+                </a:solidFill>
+                <a:effectLst/>
+                <a:latin typeface="Menlo" charset="0"/>
+              </a:rPr>
+              <a:t> = </a:t>
+            </a:r>
+            <a:r>
+              <a:rPr lang="en-US" sz="2000" b="0" noProof="1" smtClean="0">
+                <a:solidFill>
+                  <a:srgbClr val="DD1144"/>
+                </a:solidFill>
+                <a:effectLst/>
+                <a:latin typeface="Menlo" charset="0"/>
+              </a:rPr>
+              <a:t>0</a:t>
+            </a:r>
+            <a:r>
+              <a:rPr lang="en-US" sz="2000" b="0" noProof="1" smtClean="0">
+                <a:solidFill>
+                  <a:srgbClr val="555555"/>
+                </a:solidFill>
+                <a:effectLst/>
+                <a:latin typeface="Menlo" charset="0"/>
+              </a:rPr>
+              <a:t>; </a:t>
+            </a:r>
+            <a:r>
+              <a:rPr lang="en-US" sz="2000" b="0" noProof="1" smtClean="0">
+                <a:solidFill>
+                  <a:srgbClr val="008080"/>
+                </a:solidFill>
+                <a:effectLst/>
+                <a:latin typeface="Menlo" charset="0"/>
+              </a:rPr>
+              <a:t>i</a:t>
+            </a:r>
+            <a:r>
+              <a:rPr lang="en-US" sz="2000" b="0" noProof="1" smtClean="0">
+                <a:solidFill>
+                  <a:srgbClr val="555555"/>
+                </a:solidFill>
+                <a:effectLst/>
+                <a:latin typeface="Menlo" charset="0"/>
+              </a:rPr>
+              <a:t> &lt; </a:t>
+            </a:r>
+            <a:r>
+              <a:rPr lang="en-US" sz="2000" b="0" noProof="1" smtClean="0">
+                <a:solidFill>
+                  <a:srgbClr val="008080"/>
+                </a:solidFill>
+                <a:effectLst/>
+                <a:latin typeface="Menlo" charset="0"/>
+              </a:rPr>
+              <a:t>length</a:t>
+            </a:r>
+            <a:r>
+              <a:rPr lang="en-US" sz="2000" b="0" noProof="1" smtClean="0">
+                <a:solidFill>
+                  <a:srgbClr val="555555"/>
+                </a:solidFill>
+                <a:effectLst/>
+                <a:latin typeface="Menlo" charset="0"/>
+              </a:rPr>
+              <a:t>; </a:t>
+            </a:r>
+            <a:r>
+              <a:rPr lang="en-US" sz="2000" b="0" noProof="1" smtClean="0">
+                <a:solidFill>
+                  <a:srgbClr val="008080"/>
+                </a:solidFill>
+                <a:effectLst/>
+                <a:latin typeface="Menlo" charset="0"/>
+              </a:rPr>
+              <a:t>i</a:t>
+            </a:r>
+            <a:r>
+              <a:rPr lang="en-US" sz="2000" b="0" noProof="1" smtClean="0">
+                <a:solidFill>
+                  <a:srgbClr val="555555"/>
+                </a:solidFill>
+                <a:effectLst/>
+                <a:latin typeface="Menlo" charset="0"/>
+              </a:rPr>
+              <a:t>++) {</a:t>
+            </a:r>
+          </a:p>
+          <a:p>
+            <a:r>
+              <a:rPr lang="en-US" sz="2000" b="0" noProof="1" smtClean="0">
+                <a:solidFill>
+                  <a:srgbClr val="555555"/>
+                </a:solidFill>
+                <a:effectLst/>
+                <a:latin typeface="Menlo" charset="0"/>
+              </a:rPr>
+              <a:t>    </a:t>
+            </a:r>
+            <a:r>
+              <a:rPr lang="en-US" sz="2000" b="0" noProof="1" smtClean="0">
+                <a:solidFill>
+                  <a:srgbClr val="445588"/>
+                </a:solidFill>
+                <a:effectLst/>
+                <a:latin typeface="Menlo" charset="0"/>
+              </a:rPr>
+              <a:t>var</a:t>
+            </a:r>
+            <a:r>
+              <a:rPr lang="en-US" sz="2000" b="0" noProof="1" smtClean="0">
+                <a:solidFill>
+                  <a:srgbClr val="555555"/>
+                </a:solidFill>
+                <a:effectLst/>
+                <a:latin typeface="Menlo" charset="0"/>
+              </a:rPr>
+              <a:t> </a:t>
+            </a:r>
+            <a:r>
+              <a:rPr lang="en-US" sz="2000" b="0" noProof="1" smtClean="0">
+                <a:solidFill>
+                  <a:srgbClr val="008080"/>
+                </a:solidFill>
+                <a:effectLst/>
+                <a:latin typeface="Menlo" charset="0"/>
+              </a:rPr>
+              <a:t>ball</a:t>
+            </a:r>
+            <a:r>
+              <a:rPr lang="en-US" sz="2000" b="0" noProof="1" smtClean="0">
+                <a:solidFill>
+                  <a:srgbClr val="555555"/>
+                </a:solidFill>
+                <a:effectLst/>
+                <a:latin typeface="Menlo" charset="0"/>
+              </a:rPr>
+              <a:t> = </a:t>
+            </a:r>
+            <a:r>
+              <a:rPr lang="en-US" sz="2000" b="0" noProof="1" smtClean="0">
+                <a:solidFill>
+                  <a:srgbClr val="008080"/>
+                </a:solidFill>
+                <a:effectLst/>
+                <a:latin typeface="Menlo" charset="0"/>
+              </a:rPr>
+              <a:t>data</a:t>
+            </a:r>
+            <a:r>
+              <a:rPr lang="en-US" sz="2000" b="0" noProof="1" smtClean="0">
+                <a:solidFill>
+                  <a:srgbClr val="555555"/>
+                </a:solidFill>
+                <a:effectLst/>
+                <a:latin typeface="Menlo" charset="0"/>
+              </a:rPr>
+              <a:t>[</a:t>
+            </a:r>
+            <a:r>
+              <a:rPr lang="en-US" sz="2000" b="0" noProof="1" smtClean="0">
+                <a:solidFill>
+                  <a:srgbClr val="008080"/>
+                </a:solidFill>
+                <a:effectLst/>
+                <a:latin typeface="Menlo" charset="0"/>
+              </a:rPr>
+              <a:t>i</a:t>
+            </a:r>
+            <a:r>
+              <a:rPr lang="en-US" sz="2000" b="0" noProof="1" smtClean="0">
+                <a:solidFill>
+                  <a:srgbClr val="555555"/>
+                </a:solidFill>
+                <a:effectLst/>
+                <a:latin typeface="Menlo" charset="0"/>
+              </a:rPr>
+              <a:t>];</a:t>
+            </a:r>
+          </a:p>
+          <a:p>
+            <a:r>
+              <a:rPr lang="en-US" sz="2000" b="0" noProof="1" smtClean="0">
+                <a:solidFill>
+                  <a:srgbClr val="555555"/>
+                </a:solidFill>
+                <a:effectLst/>
+                <a:latin typeface="Menlo" charset="0"/>
+              </a:rPr>
+              <a:t>    </a:t>
+            </a:r>
+            <a:r>
+              <a:rPr lang="en-US" sz="2000" b="0" noProof="1" smtClean="0">
+                <a:solidFill>
+                  <a:srgbClr val="DD1144"/>
+                </a:solidFill>
+                <a:effectLst/>
+                <a:latin typeface="Menlo" charset="0"/>
+              </a:rPr>
+              <a:t>create</a:t>
+            </a:r>
+            <a:r>
+              <a:rPr lang="en-US" sz="2000" b="0" noProof="1" smtClean="0">
+                <a:solidFill>
+                  <a:srgbClr val="555555"/>
+                </a:solidFill>
+                <a:effectLst/>
+                <a:latin typeface="Menlo" charset="0"/>
+              </a:rPr>
+              <a:t>(</a:t>
+            </a:r>
+            <a:r>
+              <a:rPr lang="en-US" sz="2000" b="0" noProof="1" smtClean="0">
+                <a:solidFill>
+                  <a:srgbClr val="008080"/>
+                </a:solidFill>
+                <a:effectLst/>
+                <a:latin typeface="Menlo" charset="0"/>
+              </a:rPr>
+              <a:t>ball</a:t>
+            </a:r>
+            <a:r>
+              <a:rPr lang="en-US" sz="2000" b="0" noProof="1" smtClean="0">
+                <a:solidFill>
+                  <a:srgbClr val="555555"/>
+                </a:solidFill>
+                <a:effectLst/>
+                <a:latin typeface="Menlo" charset="0"/>
+              </a:rPr>
+              <a:t>.x,</a:t>
+            </a:r>
+            <a:r>
+              <a:rPr lang="en-US" sz="2000" b="0" noProof="1" smtClean="0">
+                <a:solidFill>
+                  <a:srgbClr val="008080"/>
+                </a:solidFill>
+                <a:effectLst/>
+                <a:latin typeface="Menlo" charset="0"/>
+              </a:rPr>
+              <a:t>ball</a:t>
+            </a:r>
+            <a:r>
+              <a:rPr lang="en-US" sz="2000" b="0" noProof="1" smtClean="0">
+                <a:solidFill>
+                  <a:srgbClr val="555555"/>
+                </a:solidFill>
+                <a:effectLst/>
+                <a:latin typeface="Menlo" charset="0"/>
+              </a:rPr>
+              <a:t>.y,</a:t>
+            </a:r>
+            <a:r>
+              <a:rPr lang="en-US" sz="2000" b="0" noProof="1" smtClean="0">
+                <a:solidFill>
+                  <a:srgbClr val="008080"/>
+                </a:solidFill>
+                <a:effectLst/>
+                <a:latin typeface="Menlo" charset="0"/>
+              </a:rPr>
+              <a:t>ball</a:t>
+            </a:r>
+            <a:r>
+              <a:rPr lang="en-US" sz="2000" b="0" noProof="1" smtClean="0">
+                <a:solidFill>
+                  <a:srgbClr val="555555"/>
+                </a:solidFill>
+                <a:effectLst/>
+                <a:latin typeface="Menlo" charset="0"/>
+              </a:rPr>
+              <a:t>.color);</a:t>
+            </a:r>
+          </a:p>
+          <a:p>
+            <a:r>
+              <a:rPr lang="en-US" sz="2000" b="0" noProof="1" smtClean="0">
+                <a:solidFill>
+                  <a:srgbClr val="555555"/>
+                </a:solidFill>
+                <a:effectLst/>
+                <a:latin typeface="Menlo" charset="0"/>
+              </a:rPr>
+              <a:t>}</a:t>
+            </a:r>
+            <a:endParaRPr lang="en-US" sz="2000" b="0" noProof="1">
+              <a:solidFill>
+                <a:srgbClr val="555555"/>
+              </a:solidFill>
+              <a:effectLst/>
+              <a:latin typeface="Menlo" charset="0"/>
+            </a:endParaRPr>
+          </a:p>
+        </p:txBody>
+      </p:sp>
+    </p:spTree>
+    <p:extLst>
+      <p:ext uri="{BB962C8B-B14F-4D97-AF65-F5344CB8AC3E}">
+        <p14:creationId xmlns:p14="http://schemas.microsoft.com/office/powerpoint/2010/main" val="1346008592"/>
+      </p:ext>
+    </p:extLst>
+  </p:cSld>
+  <p:clrMapOvr>
+    <a:masterClrMapping/>
+  </p:clrMapOvr>
+  <p:timing>
+    <p:tnLst>
+      <p:par>
+        <p:cTn id="1" dur="indefinite" restart="never" nodeType="tmRoot"/>
+      </p:par>
+    </p:tnLst>
+  </p:timing>
+</p:sld>
+</file>
+
+<file path=ppt/slides/slide25.xml><?xml version="1.0" encoding="utf-8"?>
+<p:sld xmlns:a="http://schemas.openxmlformats.org/drawingml/2006/main" xmlns:r="http://schemas.openxmlformats.org/officeDocument/2006/relationships" xmlns:p="http://schemas.openxmlformats.org/presentationml/2006/main">
+  <p:cSld>
+    <p:spTree>
+      <p:nvGrpSpPr>
+        <p:cNvPr id="1" name=""/>
+        <p:cNvGrpSpPr/>
+        <p:nvPr/>
+      </p:nvGrpSpPr>
+      <p:grpSpPr>
+        <a:xfrm>
+          <a:off x="0" y="0"/>
+          <a:ext cx="0" cy="0"/>
+          <a:chOff x="0" y="0"/>
+          <a:chExt cx="0" cy="0"/>
+        </a:xfrm>
+      </p:grpSpPr>
+      <p:sp>
+        <p:nvSpPr>
+          <p:cNvPr id="2" name="Title 1"/>
+          <p:cNvSpPr>
+            <a:spLocks noGrp="1"/>
+          </p:cNvSpPr>
+          <p:nvPr>
+            <p:ph type="title"/>
+          </p:nvPr>
+        </p:nvSpPr>
+        <p:spPr/>
+        <p:txBody>
+          <a:bodyPr/>
+          <a:lstStyle/>
+          <a:p>
+            <a:r>
+              <a:rPr lang="en-US" dirty="0" smtClean="0"/>
+              <a:t>Bonus</a:t>
+            </a:r>
+            <a:endParaRPr lang="en-US" dirty="0"/>
+          </a:p>
+        </p:txBody>
+      </p:sp>
+      <p:sp>
+        <p:nvSpPr>
+          <p:cNvPr id="6" name="Rectangle 5"/>
+          <p:cNvSpPr/>
+          <p:nvPr/>
+        </p:nvSpPr>
+        <p:spPr>
+          <a:xfrm>
+            <a:off x="3336492" y="1027906"/>
+            <a:ext cx="7704402" cy="5078313"/>
+          </a:xfrm>
+          <a:prstGeom prst="rect">
+            <a:avLst/>
+          </a:prstGeom>
+          <a:ln>
+            <a:solidFill>
+              <a:schemeClr val="bg1">
+                <a:lumMod val="75000"/>
+              </a:schemeClr>
+            </a:solidFill>
+          </a:ln>
+        </p:spPr>
+        <p:txBody>
+          <a:bodyPr wrap="square">
+            <a:spAutoFit/>
+          </a:bodyPr>
+          <a:lstStyle/>
+          <a:p>
+            <a:r>
+              <a:rPr lang="mr-IN" b="0" noProof="1" smtClean="0">
+                <a:solidFill>
+                  <a:srgbClr val="B8B6B1"/>
+                </a:solidFill>
+                <a:effectLst/>
+                <a:latin typeface="Menlo" charset="0"/>
+              </a:rPr>
+              <a:t>// create(0,0,painting[400]);</a:t>
+            </a:r>
+            <a:endParaRPr lang="mr-IN" b="0" noProof="1" smtClean="0">
+              <a:solidFill>
+                <a:srgbClr val="555555"/>
+              </a:solidFill>
+              <a:effectLst/>
+              <a:latin typeface="Menlo" charset="0"/>
+            </a:endParaRPr>
+          </a:p>
+          <a:p>
+            <a:r>
+              <a:rPr lang="mr-IN" b="0" noProof="1" smtClean="0">
+                <a:solidFill>
+                  <a:srgbClr val="B8B6B1"/>
+                </a:solidFill>
+                <a:effectLst/>
+                <a:latin typeface="Menlo" charset="0"/>
+              </a:rPr>
+              <a:t>// create(15,0,painting[401]);</a:t>
+            </a:r>
+            <a:endParaRPr lang="mr-IN" b="0" noProof="1" smtClean="0">
+              <a:solidFill>
+                <a:srgbClr val="555555"/>
+              </a:solidFill>
+              <a:effectLst/>
+              <a:latin typeface="Menlo" charset="0"/>
+            </a:endParaRPr>
+          </a:p>
+          <a:p>
+            <a:r>
+              <a:rPr lang="mr-IN" b="0" noProof="1" smtClean="0">
+                <a:solidFill>
+                  <a:srgbClr val="B8B6B1"/>
+                </a:solidFill>
+                <a:effectLst/>
+                <a:latin typeface="Menlo" charset="0"/>
+              </a:rPr>
+              <a:t>// create(30,0,painting[402]);</a:t>
+            </a:r>
+            <a:endParaRPr lang="mr-IN" b="0" noProof="1" smtClean="0">
+              <a:solidFill>
+                <a:srgbClr val="555555"/>
+              </a:solidFill>
+              <a:effectLst/>
+              <a:latin typeface="Menlo" charset="0"/>
+            </a:endParaRPr>
+          </a:p>
+          <a:p>
+            <a:r>
+              <a:rPr lang="mr-IN" b="0" noProof="1" smtClean="0">
+                <a:solidFill>
+                  <a:srgbClr val="B8B6B1"/>
+                </a:solidFill>
+                <a:effectLst/>
+                <a:latin typeface="Menlo" charset="0"/>
+              </a:rPr>
+              <a:t>// create(45,0,painting[403]);</a:t>
+            </a:r>
+            <a:endParaRPr lang="mr-IN" b="0" noProof="1" smtClean="0">
+              <a:solidFill>
+                <a:srgbClr val="555555"/>
+              </a:solidFill>
+              <a:effectLst/>
+              <a:latin typeface="Menlo" charset="0"/>
+            </a:endParaRPr>
+          </a:p>
+          <a:p>
+            <a:r>
+              <a:rPr lang="mr-IN" b="0" noProof="1" smtClean="0">
+                <a:solidFill>
+                  <a:srgbClr val="B8B6B1"/>
+                </a:solidFill>
+                <a:effectLst/>
+                <a:latin typeface="Menlo" charset="0"/>
+              </a:rPr>
+              <a:t>// create(60,0,painting[404]);</a:t>
+            </a:r>
+            <a:endParaRPr lang="mr-IN" b="0" noProof="1" smtClean="0">
+              <a:solidFill>
+                <a:srgbClr val="555555"/>
+              </a:solidFill>
+              <a:effectLst/>
+              <a:latin typeface="Menlo" charset="0"/>
+            </a:endParaRPr>
+          </a:p>
+          <a:p>
+            <a:r>
+              <a:rPr lang="mr-IN" b="0" noProof="1" smtClean="0">
+                <a:solidFill>
+                  <a:srgbClr val="B8B6B1"/>
+                </a:solidFill>
+                <a:effectLst/>
+                <a:latin typeface="Menlo" charset="0"/>
+              </a:rPr>
+              <a:t>// create(75,0,painting[405]);</a:t>
+            </a:r>
+            <a:endParaRPr lang="mr-IN" b="0" noProof="1" smtClean="0">
+              <a:solidFill>
+                <a:srgbClr val="555555"/>
+              </a:solidFill>
+              <a:effectLst/>
+              <a:latin typeface="Menlo" charset="0"/>
+            </a:endParaRPr>
+          </a:p>
+          <a:p>
+            <a:r>
+              <a:rPr lang="mr-IN" b="0" noProof="1" smtClean="0">
+                <a:solidFill>
+                  <a:srgbClr val="B8B6B1"/>
+                </a:solidFill>
+                <a:effectLst/>
+                <a:latin typeface="Menlo" charset="0"/>
+              </a:rPr>
+              <a:t>// create(90,0,painting[406]);</a:t>
+            </a:r>
+            <a:endParaRPr lang="mr-IN" b="0" noProof="1" smtClean="0">
+              <a:solidFill>
+                <a:srgbClr val="555555"/>
+              </a:solidFill>
+              <a:effectLst/>
+              <a:latin typeface="Menlo" charset="0"/>
+            </a:endParaRPr>
+          </a:p>
+          <a:p>
+            <a:r>
+              <a:rPr lang="mr-IN" b="0" noProof="1" smtClean="0">
+                <a:solidFill>
+                  <a:srgbClr val="B8B6B1"/>
+                </a:solidFill>
+                <a:effectLst/>
+                <a:latin typeface="Menlo" charset="0"/>
+              </a:rPr>
+              <a:t>// create(105,0,painting[407]);</a:t>
+            </a:r>
+            <a:endParaRPr lang="mr-IN" b="0" noProof="1" smtClean="0">
+              <a:solidFill>
+                <a:srgbClr val="555555"/>
+              </a:solidFill>
+              <a:effectLst/>
+              <a:latin typeface="Menlo" charset="0"/>
+            </a:endParaRPr>
+          </a:p>
+          <a:p>
+            <a:r>
+              <a:rPr lang="mr-IN" b="0" noProof="1" smtClean="0">
+                <a:solidFill>
+                  <a:srgbClr val="555555"/>
+                </a:solidFill>
+                <a:effectLst/>
+                <a:latin typeface="Menlo" charset="0"/>
+              </a:rPr>
+              <a:t/>
+            </a:r>
+            <a:br>
+              <a:rPr lang="mr-IN" b="0" noProof="1" smtClean="0">
+                <a:solidFill>
+                  <a:srgbClr val="555555"/>
+                </a:solidFill>
+                <a:effectLst/>
+                <a:latin typeface="Menlo" charset="0"/>
+              </a:rPr>
+            </a:br>
+            <a:r>
+              <a:rPr lang="mr-IN" b="0" noProof="1" smtClean="0">
+                <a:solidFill>
+                  <a:srgbClr val="555555"/>
+                </a:solidFill>
+                <a:effectLst/>
+                <a:latin typeface="Menlo" charset="0"/>
+              </a:rPr>
+              <a:t>for(</a:t>
+            </a:r>
+            <a:r>
+              <a:rPr lang="mr-IN" b="0" noProof="1" smtClean="0">
+                <a:solidFill>
+                  <a:srgbClr val="445588"/>
+                </a:solidFill>
+                <a:effectLst/>
+                <a:latin typeface="Menlo" charset="0"/>
+              </a:rPr>
+              <a:t>var</a:t>
+            </a:r>
+            <a:r>
+              <a:rPr lang="mr-IN" b="0" noProof="1" smtClean="0">
+                <a:solidFill>
+                  <a:srgbClr val="555555"/>
+                </a:solidFill>
+                <a:effectLst/>
+                <a:latin typeface="Menlo" charset="0"/>
+              </a:rPr>
+              <a:t> </a:t>
+            </a:r>
+            <a:r>
+              <a:rPr lang="mr-IN" b="0" noProof="1" smtClean="0">
+                <a:solidFill>
+                  <a:srgbClr val="008080"/>
+                </a:solidFill>
+                <a:effectLst/>
+                <a:latin typeface="Menlo" charset="0"/>
+              </a:rPr>
+              <a:t>j</a:t>
+            </a:r>
+            <a:r>
+              <a:rPr lang="mr-IN" b="0" noProof="1" smtClean="0">
+                <a:solidFill>
+                  <a:srgbClr val="555555"/>
+                </a:solidFill>
+                <a:effectLst/>
+                <a:latin typeface="Menlo" charset="0"/>
+              </a:rPr>
+              <a:t>=</a:t>
+            </a:r>
+            <a:r>
+              <a:rPr lang="mr-IN" b="0" noProof="1" smtClean="0">
+                <a:solidFill>
+                  <a:srgbClr val="DD1144"/>
+                </a:solidFill>
+                <a:effectLst/>
+                <a:latin typeface="Menlo" charset="0"/>
+              </a:rPr>
+              <a:t>0</a:t>
+            </a:r>
+            <a:r>
+              <a:rPr lang="mr-IN" b="0" noProof="1" smtClean="0">
+                <a:solidFill>
+                  <a:srgbClr val="555555"/>
+                </a:solidFill>
+                <a:effectLst/>
+                <a:latin typeface="Menlo" charset="0"/>
+              </a:rPr>
+              <a:t>; </a:t>
+            </a:r>
+            <a:r>
+              <a:rPr lang="mr-IN" b="0" noProof="1" smtClean="0">
+                <a:solidFill>
+                  <a:srgbClr val="008080"/>
+                </a:solidFill>
+                <a:effectLst/>
+                <a:latin typeface="Menlo" charset="0"/>
+              </a:rPr>
+              <a:t>j</a:t>
+            </a:r>
+            <a:r>
+              <a:rPr lang="mr-IN" b="0" noProof="1" smtClean="0">
+                <a:solidFill>
+                  <a:srgbClr val="555555"/>
+                </a:solidFill>
+                <a:effectLst/>
+                <a:latin typeface="Menlo" charset="0"/>
+              </a:rPr>
+              <a:t>&lt;</a:t>
+            </a:r>
+            <a:r>
+              <a:rPr lang="mr-IN" b="0" noProof="1" smtClean="0">
+                <a:solidFill>
+                  <a:srgbClr val="DD1144"/>
+                </a:solidFill>
+                <a:effectLst/>
+                <a:latin typeface="Menlo" charset="0"/>
+              </a:rPr>
+              <a:t>81</a:t>
+            </a:r>
+            <a:r>
+              <a:rPr lang="mr-IN" b="0" noProof="1" smtClean="0">
+                <a:solidFill>
+                  <a:srgbClr val="555555"/>
+                </a:solidFill>
+                <a:effectLst/>
+                <a:latin typeface="Menlo" charset="0"/>
+              </a:rPr>
+              <a:t>; </a:t>
+            </a:r>
+            <a:r>
+              <a:rPr lang="mr-IN" b="0" noProof="1" smtClean="0">
+                <a:solidFill>
+                  <a:srgbClr val="008080"/>
+                </a:solidFill>
+                <a:effectLst/>
+                <a:latin typeface="Menlo" charset="0"/>
+              </a:rPr>
+              <a:t>j</a:t>
+            </a:r>
+            <a:r>
+              <a:rPr lang="mr-IN" b="0" noProof="1" smtClean="0">
+                <a:solidFill>
+                  <a:srgbClr val="555555"/>
+                </a:solidFill>
+                <a:effectLst/>
+                <a:latin typeface="Menlo" charset="0"/>
+              </a:rPr>
+              <a:t>++){</a:t>
+            </a:r>
+          </a:p>
+          <a:p>
+            <a:r>
+              <a:rPr lang="en-US" b="0" noProof="1" smtClean="0">
+                <a:solidFill>
+                  <a:srgbClr val="008080"/>
+                </a:solidFill>
+                <a:effectLst/>
+                <a:latin typeface="Menlo" charset="0"/>
+              </a:rPr>
+              <a:t>    </a:t>
+            </a:r>
+            <a:r>
+              <a:rPr lang="mr-IN" b="0" noProof="1" smtClean="0">
+                <a:solidFill>
+                  <a:srgbClr val="008080"/>
+                </a:solidFill>
+                <a:effectLst/>
+                <a:latin typeface="Menlo" charset="0"/>
+              </a:rPr>
+              <a:t>y</a:t>
+            </a:r>
+            <a:r>
+              <a:rPr lang="mr-IN" b="0" noProof="1" smtClean="0">
+                <a:solidFill>
+                  <a:srgbClr val="555555"/>
+                </a:solidFill>
+                <a:effectLst/>
+                <a:latin typeface="Menlo" charset="0"/>
+              </a:rPr>
+              <a:t> </a:t>
+            </a:r>
+            <a:r>
+              <a:rPr lang="mr-IN" b="0" noProof="1" smtClean="0">
+                <a:solidFill>
+                  <a:srgbClr val="555555"/>
+                </a:solidFill>
+                <a:effectLst/>
+                <a:latin typeface="Menlo" charset="0"/>
+              </a:rPr>
+              <a:t>= </a:t>
+            </a:r>
+            <a:r>
+              <a:rPr lang="mr-IN" b="0" noProof="1" smtClean="0">
+                <a:solidFill>
+                  <a:srgbClr val="008080"/>
+                </a:solidFill>
+                <a:effectLst/>
+                <a:latin typeface="Menlo" charset="0"/>
+              </a:rPr>
+              <a:t>j</a:t>
+            </a:r>
+            <a:r>
+              <a:rPr lang="mr-IN" b="0" noProof="1" smtClean="0">
+                <a:solidFill>
+                  <a:srgbClr val="555555"/>
+                </a:solidFill>
+                <a:effectLst/>
+                <a:latin typeface="Menlo" charset="0"/>
+              </a:rPr>
+              <a:t>*</a:t>
+            </a:r>
+            <a:r>
+              <a:rPr lang="mr-IN" b="0" noProof="1" smtClean="0">
+                <a:solidFill>
+                  <a:srgbClr val="DD1144"/>
+                </a:solidFill>
+                <a:effectLst/>
+                <a:latin typeface="Menlo" charset="0"/>
+              </a:rPr>
+              <a:t>15</a:t>
+            </a:r>
+            <a:r>
+              <a:rPr lang="mr-IN" b="0" noProof="1" smtClean="0">
+                <a:solidFill>
+                  <a:srgbClr val="555555"/>
+                </a:solidFill>
+                <a:effectLst/>
+                <a:latin typeface="Menlo" charset="0"/>
+              </a:rPr>
+              <a:t>;</a:t>
+            </a:r>
+          </a:p>
+          <a:p>
+            <a:r>
+              <a:rPr lang="en-US" b="0" noProof="1" smtClean="0">
+                <a:solidFill>
+                  <a:srgbClr val="555555"/>
+                </a:solidFill>
+                <a:effectLst/>
+                <a:latin typeface="Menlo" charset="0"/>
+              </a:rPr>
+              <a:t>    </a:t>
+            </a:r>
+            <a:r>
+              <a:rPr lang="mr-IN" b="0" noProof="1" smtClean="0">
+                <a:solidFill>
+                  <a:srgbClr val="555555"/>
+                </a:solidFill>
+                <a:effectLst/>
+                <a:latin typeface="Menlo" charset="0"/>
+              </a:rPr>
+              <a:t>for(</a:t>
+            </a:r>
+            <a:r>
+              <a:rPr lang="mr-IN" b="0" noProof="1" smtClean="0">
+                <a:solidFill>
+                  <a:srgbClr val="445588"/>
+                </a:solidFill>
+                <a:effectLst/>
+                <a:latin typeface="Menlo" charset="0"/>
+              </a:rPr>
+              <a:t>var</a:t>
+            </a:r>
+            <a:r>
+              <a:rPr lang="mr-IN" b="0" noProof="1" smtClean="0">
+                <a:solidFill>
+                  <a:srgbClr val="555555"/>
+                </a:solidFill>
+                <a:effectLst/>
+                <a:latin typeface="Menlo" charset="0"/>
+              </a:rPr>
+              <a:t> </a:t>
+            </a:r>
+            <a:r>
+              <a:rPr lang="mr-IN" b="0" noProof="1" smtClean="0">
+                <a:solidFill>
+                  <a:srgbClr val="008080"/>
+                </a:solidFill>
+                <a:effectLst/>
+                <a:latin typeface="Menlo" charset="0"/>
+              </a:rPr>
+              <a:t>i</a:t>
+            </a:r>
+            <a:r>
+              <a:rPr lang="mr-IN" b="0" noProof="1" smtClean="0">
+                <a:solidFill>
+                  <a:srgbClr val="555555"/>
+                </a:solidFill>
+                <a:effectLst/>
+                <a:latin typeface="Menlo" charset="0"/>
+              </a:rPr>
+              <a:t>=</a:t>
+            </a:r>
+            <a:r>
+              <a:rPr lang="mr-IN" b="0" noProof="1" smtClean="0">
+                <a:solidFill>
+                  <a:srgbClr val="DD1144"/>
+                </a:solidFill>
+                <a:effectLst/>
+                <a:latin typeface="Menlo" charset="0"/>
+              </a:rPr>
+              <a:t>0</a:t>
+            </a:r>
+            <a:r>
+              <a:rPr lang="mr-IN" b="0" noProof="1" smtClean="0">
+                <a:solidFill>
+                  <a:srgbClr val="555555"/>
+                </a:solidFill>
+                <a:effectLst/>
+                <a:latin typeface="Menlo" charset="0"/>
+              </a:rPr>
+              <a:t>; </a:t>
+            </a:r>
+            <a:r>
+              <a:rPr lang="mr-IN" b="0" noProof="1" smtClean="0">
+                <a:solidFill>
+                  <a:srgbClr val="008080"/>
+                </a:solidFill>
+                <a:effectLst/>
+                <a:latin typeface="Menlo" charset="0"/>
+              </a:rPr>
+              <a:t>i</a:t>
+            </a:r>
+            <a:r>
+              <a:rPr lang="mr-IN" b="0" noProof="1" smtClean="0">
+                <a:solidFill>
+                  <a:srgbClr val="555555"/>
+                </a:solidFill>
+                <a:effectLst/>
+                <a:latin typeface="Menlo" charset="0"/>
+              </a:rPr>
+              <a:t>&lt;</a:t>
+            </a:r>
+            <a:r>
+              <a:rPr lang="mr-IN" b="0" noProof="1" smtClean="0">
+                <a:solidFill>
+                  <a:srgbClr val="DD1144"/>
+                </a:solidFill>
+                <a:effectLst/>
+                <a:latin typeface="Menlo" charset="0"/>
+              </a:rPr>
+              <a:t>53</a:t>
+            </a:r>
+            <a:r>
+              <a:rPr lang="mr-IN" b="0" noProof="1" smtClean="0">
+                <a:solidFill>
+                  <a:srgbClr val="555555"/>
+                </a:solidFill>
+                <a:effectLst/>
+                <a:latin typeface="Menlo" charset="0"/>
+              </a:rPr>
+              <a:t>; </a:t>
+            </a:r>
+            <a:r>
+              <a:rPr lang="mr-IN" b="0" noProof="1" smtClean="0">
+                <a:solidFill>
+                  <a:srgbClr val="008080"/>
+                </a:solidFill>
+                <a:effectLst/>
+                <a:latin typeface="Menlo" charset="0"/>
+              </a:rPr>
+              <a:t>i</a:t>
+            </a:r>
+            <a:r>
+              <a:rPr lang="mr-IN" b="0" noProof="1" smtClean="0">
+                <a:solidFill>
+                  <a:srgbClr val="555555"/>
+                </a:solidFill>
+                <a:effectLst/>
+                <a:latin typeface="Menlo" charset="0"/>
+              </a:rPr>
+              <a:t>++){</a:t>
+            </a:r>
+          </a:p>
+          <a:p>
+            <a:r>
+              <a:rPr lang="en-US" b="0" noProof="1" smtClean="0">
+                <a:solidFill>
+                  <a:srgbClr val="008080"/>
+                </a:solidFill>
+                <a:effectLst/>
+                <a:latin typeface="Menlo" charset="0"/>
+              </a:rPr>
+              <a:t>        </a:t>
+            </a:r>
+            <a:r>
+              <a:rPr lang="mr-IN" b="0" noProof="1" smtClean="0">
+                <a:solidFill>
+                  <a:srgbClr val="008080"/>
+                </a:solidFill>
+                <a:effectLst/>
+                <a:latin typeface="Menlo" charset="0"/>
+              </a:rPr>
+              <a:t>x</a:t>
+            </a:r>
+            <a:r>
+              <a:rPr lang="mr-IN" b="0" noProof="1" smtClean="0">
+                <a:solidFill>
+                  <a:srgbClr val="555555"/>
+                </a:solidFill>
+                <a:effectLst/>
+                <a:latin typeface="Menlo" charset="0"/>
+              </a:rPr>
+              <a:t> </a:t>
+            </a:r>
+            <a:r>
+              <a:rPr lang="mr-IN" b="0" noProof="1" smtClean="0">
+                <a:solidFill>
+                  <a:srgbClr val="555555"/>
+                </a:solidFill>
+                <a:effectLst/>
+                <a:latin typeface="Menlo" charset="0"/>
+              </a:rPr>
+              <a:t>= </a:t>
+            </a:r>
+            <a:r>
+              <a:rPr lang="mr-IN" b="0" noProof="1" smtClean="0">
+                <a:solidFill>
+                  <a:srgbClr val="008080"/>
+                </a:solidFill>
+                <a:effectLst/>
+                <a:latin typeface="Menlo" charset="0"/>
+              </a:rPr>
+              <a:t>i</a:t>
+            </a:r>
+            <a:r>
+              <a:rPr lang="mr-IN" b="0" noProof="1" smtClean="0">
+                <a:solidFill>
+                  <a:srgbClr val="555555"/>
+                </a:solidFill>
+                <a:effectLst/>
+                <a:latin typeface="Menlo" charset="0"/>
+              </a:rPr>
+              <a:t>*</a:t>
+            </a:r>
+            <a:r>
+              <a:rPr lang="mr-IN" b="0" noProof="1" smtClean="0">
+                <a:solidFill>
+                  <a:srgbClr val="DD1144"/>
+                </a:solidFill>
+                <a:effectLst/>
+                <a:latin typeface="Menlo" charset="0"/>
+              </a:rPr>
+              <a:t>15</a:t>
+            </a:r>
+            <a:r>
+              <a:rPr lang="mr-IN" b="0" noProof="1" smtClean="0">
+                <a:solidFill>
+                  <a:srgbClr val="555555"/>
+                </a:solidFill>
+                <a:effectLst/>
+                <a:latin typeface="Menlo" charset="0"/>
+              </a:rPr>
+              <a:t>;</a:t>
+            </a:r>
+          </a:p>
+          <a:p>
+            <a:r>
+              <a:rPr lang="en-US" b="0" noProof="1" smtClean="0">
+                <a:solidFill>
+                  <a:srgbClr val="B8B6B1"/>
+                </a:solidFill>
+                <a:effectLst/>
+                <a:latin typeface="Menlo" charset="0"/>
+              </a:rPr>
+              <a:t>        </a:t>
+            </a:r>
+            <a:r>
+              <a:rPr lang="mr-IN" b="0" noProof="1" smtClean="0">
+                <a:solidFill>
+                  <a:srgbClr val="B8B6B1"/>
+                </a:solidFill>
+                <a:effectLst/>
+                <a:latin typeface="Menlo" charset="0"/>
+              </a:rPr>
+              <a:t>//</a:t>
+            </a:r>
+            <a:r>
+              <a:rPr lang="mr-IN" b="0" noProof="1" smtClean="0">
+                <a:solidFill>
+                  <a:srgbClr val="B8B6B1"/>
+                </a:solidFill>
+                <a:effectLst/>
+                <a:latin typeface="Menlo" charset="0"/>
+              </a:rPr>
+              <a:t>create(x,y,painting[counter]);</a:t>
+            </a:r>
+            <a:endParaRPr lang="mr-IN" b="0" noProof="1" smtClean="0">
+              <a:solidFill>
+                <a:srgbClr val="555555"/>
+              </a:solidFill>
+              <a:effectLst/>
+              <a:latin typeface="Menlo" charset="0"/>
+            </a:endParaRPr>
+          </a:p>
+          <a:p>
+            <a:r>
+              <a:rPr lang="en-US" b="0" noProof="1" smtClean="0">
+                <a:solidFill>
+                  <a:srgbClr val="008080"/>
+                </a:solidFill>
+                <a:effectLst/>
+                <a:latin typeface="Menlo" charset="0"/>
+              </a:rPr>
+              <a:t>        </a:t>
+            </a:r>
+            <a:r>
+              <a:rPr lang="mr-IN" b="0" noProof="1" smtClean="0">
+                <a:solidFill>
+                  <a:srgbClr val="008080"/>
+                </a:solidFill>
+                <a:effectLst/>
+                <a:latin typeface="Menlo" charset="0"/>
+              </a:rPr>
+              <a:t>data</a:t>
+            </a:r>
+            <a:r>
+              <a:rPr lang="mr-IN" b="0" noProof="1" smtClean="0">
+                <a:solidFill>
+                  <a:srgbClr val="555555"/>
+                </a:solidFill>
+                <a:effectLst/>
+                <a:latin typeface="Menlo" charset="0"/>
+              </a:rPr>
+              <a:t>.</a:t>
+            </a:r>
+            <a:r>
+              <a:rPr lang="mr-IN" b="0" noProof="1" smtClean="0">
+                <a:solidFill>
+                  <a:srgbClr val="445588"/>
+                </a:solidFill>
+                <a:effectLst/>
+                <a:latin typeface="Menlo" charset="0"/>
+              </a:rPr>
+              <a:t>push</a:t>
+            </a:r>
+            <a:r>
+              <a:rPr lang="mr-IN" b="0" noProof="1" smtClean="0">
+                <a:solidFill>
+                  <a:srgbClr val="555555"/>
+                </a:solidFill>
+                <a:effectLst/>
+                <a:latin typeface="Menlo" charset="0"/>
+              </a:rPr>
+              <a:t>({x:</a:t>
+            </a:r>
+            <a:r>
+              <a:rPr lang="mr-IN" b="0" noProof="1" smtClean="0">
+                <a:solidFill>
+                  <a:srgbClr val="008080"/>
+                </a:solidFill>
+                <a:effectLst/>
+                <a:latin typeface="Menlo" charset="0"/>
+              </a:rPr>
+              <a:t>x</a:t>
+            </a:r>
+            <a:r>
+              <a:rPr lang="mr-IN" b="0" noProof="1" smtClean="0">
+                <a:solidFill>
+                  <a:srgbClr val="555555"/>
+                </a:solidFill>
+                <a:effectLst/>
+                <a:latin typeface="Menlo" charset="0"/>
+              </a:rPr>
+              <a:t>,y:</a:t>
+            </a:r>
+            <a:r>
+              <a:rPr lang="mr-IN" b="0" noProof="1" smtClean="0">
+                <a:solidFill>
+                  <a:srgbClr val="008080"/>
+                </a:solidFill>
+                <a:effectLst/>
+                <a:latin typeface="Menlo" charset="0"/>
+              </a:rPr>
+              <a:t>y</a:t>
+            </a:r>
+            <a:r>
+              <a:rPr lang="mr-IN" b="0" noProof="1" smtClean="0">
+                <a:solidFill>
+                  <a:srgbClr val="555555"/>
+                </a:solidFill>
+                <a:effectLst/>
+                <a:latin typeface="Menlo" charset="0"/>
+              </a:rPr>
+              <a:t>,color:</a:t>
+            </a:r>
+            <a:r>
+              <a:rPr lang="mr-IN" b="0" noProof="1" smtClean="0">
+                <a:solidFill>
+                  <a:srgbClr val="008080"/>
+                </a:solidFill>
+                <a:effectLst/>
+                <a:latin typeface="Menlo" charset="0"/>
+              </a:rPr>
+              <a:t>painting</a:t>
+            </a:r>
+            <a:r>
+              <a:rPr lang="mr-IN" b="0" noProof="1" smtClean="0">
+                <a:solidFill>
+                  <a:srgbClr val="555555"/>
+                </a:solidFill>
+                <a:effectLst/>
+                <a:latin typeface="Menlo" charset="0"/>
+              </a:rPr>
+              <a:t>[</a:t>
+            </a:r>
+            <a:r>
+              <a:rPr lang="mr-IN" b="0" noProof="1" smtClean="0">
+                <a:solidFill>
+                  <a:srgbClr val="008080"/>
+                </a:solidFill>
+                <a:effectLst/>
+                <a:latin typeface="Menlo" charset="0"/>
+              </a:rPr>
+              <a:t>counter</a:t>
+            </a:r>
+            <a:r>
+              <a:rPr lang="mr-IN" b="0" noProof="1" smtClean="0">
+                <a:solidFill>
+                  <a:srgbClr val="555555"/>
+                </a:solidFill>
+                <a:effectLst/>
+                <a:latin typeface="Menlo" charset="0"/>
+              </a:rPr>
+              <a:t>]});</a:t>
+            </a:r>
+          </a:p>
+          <a:p>
+            <a:r>
+              <a:rPr lang="en-US" b="0" noProof="1" smtClean="0">
+                <a:solidFill>
+                  <a:srgbClr val="008080"/>
+                </a:solidFill>
+                <a:effectLst/>
+                <a:latin typeface="Menlo" charset="0"/>
+              </a:rPr>
+              <a:t>        </a:t>
+            </a:r>
+            <a:r>
+              <a:rPr lang="mr-IN" b="0" noProof="1" smtClean="0">
+                <a:solidFill>
+                  <a:srgbClr val="008080"/>
+                </a:solidFill>
+                <a:effectLst/>
+                <a:latin typeface="Menlo" charset="0"/>
+              </a:rPr>
+              <a:t>counter</a:t>
+            </a:r>
+            <a:r>
+              <a:rPr lang="mr-IN" b="0" noProof="1" smtClean="0">
+                <a:solidFill>
+                  <a:srgbClr val="555555"/>
+                </a:solidFill>
+                <a:effectLst/>
+                <a:latin typeface="Menlo" charset="0"/>
+              </a:rPr>
+              <a:t>++;</a:t>
+            </a:r>
+          </a:p>
+          <a:p>
+            <a:r>
+              <a:rPr lang="en-US" b="0" noProof="1" smtClean="0">
+                <a:solidFill>
+                  <a:srgbClr val="555555"/>
+                </a:solidFill>
+                <a:effectLst/>
+                <a:latin typeface="Menlo" charset="0"/>
+              </a:rPr>
+              <a:t>    </a:t>
+            </a:r>
+            <a:r>
+              <a:rPr lang="mr-IN" b="0" noProof="1" smtClean="0">
+                <a:solidFill>
+                  <a:srgbClr val="555555"/>
+                </a:solidFill>
+                <a:effectLst/>
+                <a:latin typeface="Menlo" charset="0"/>
+              </a:rPr>
+              <a:t>}</a:t>
+            </a:r>
+            <a:endParaRPr lang="mr-IN" b="0" noProof="1" smtClean="0">
+              <a:solidFill>
+                <a:srgbClr val="555555"/>
+              </a:solidFill>
+              <a:effectLst/>
+              <a:latin typeface="Menlo" charset="0"/>
+            </a:endParaRPr>
+          </a:p>
+          <a:p>
+            <a:r>
+              <a:rPr lang="mr-IN" b="0" noProof="1" smtClean="0">
+                <a:solidFill>
+                  <a:srgbClr val="555555"/>
+                </a:solidFill>
+                <a:effectLst/>
+                <a:latin typeface="Menlo" charset="0"/>
+              </a:rPr>
+              <a:t>} </a:t>
+            </a:r>
+            <a:endParaRPr lang="mr-IN" b="0" noProof="1">
+              <a:solidFill>
+                <a:srgbClr val="555555"/>
+              </a:solidFill>
+              <a:effectLst/>
+              <a:latin typeface="Menlo" charset="0"/>
+            </a:endParaRPr>
+          </a:p>
+        </p:txBody>
+      </p:sp>
+    </p:spTree>
+    <p:extLst>
+      <p:ext uri="{BB962C8B-B14F-4D97-AF65-F5344CB8AC3E}">
+        <p14:creationId xmlns:p14="http://schemas.microsoft.com/office/powerpoint/2010/main" val="1402661197"/>
+      </p:ext>
+    </p:extLst>
+  </p:cSld>
+  <p:clrMapOvr>
+    <a:masterClrMapping/>
+  </p:clrMapOvr>
+  <p:timing>
+    <p:tnLst>
+      <p:par>
+        <p:cTn id="1" dur="indefinite" restart="never" nodeType="tmRoot"/>
+      </p:par>
+    </p:tnLst>
+  </p:timing>
+</p:sld>
+</file>
+
+<file path=ppt/slides/slide26.xml><?xml version="1.0" encoding="utf-8"?>
+<p:sld xmlns:a="http://schemas.openxmlformats.org/drawingml/2006/main" xmlns:r="http://schemas.openxmlformats.org/officeDocument/2006/relationships" xmlns:p="http://schemas.openxmlformats.org/presentationml/2006/main">
+  <p:cSld>
+    <p:spTree>
+      <p:nvGrpSpPr>
+        <p:cNvPr id="1" name=""/>
+        <p:cNvGrpSpPr/>
+        <p:nvPr/>
+      </p:nvGrpSpPr>
+      <p:grpSpPr>
+        <a:xfrm>
+          <a:off x="0" y="0"/>
+          <a:ext cx="0" cy="0"/>
+          <a:chOff x="0" y="0"/>
+          <a:chExt cx="0" cy="0"/>
+        </a:xfrm>
+      </p:grpSpPr>
+      <p:sp>
+        <p:nvSpPr>
+          <p:cNvPr id="2" name="Title 1"/>
+          <p:cNvSpPr>
+            <a:spLocks noGrp="1"/>
+          </p:cNvSpPr>
+          <p:nvPr>
+            <p:ph type="title"/>
+          </p:nvPr>
+        </p:nvSpPr>
+        <p:spPr/>
+        <p:txBody>
+          <a:bodyPr/>
+          <a:lstStyle/>
+          <a:p>
+            <a:r>
+              <a:rPr lang="en-US" dirty="0" smtClean="0"/>
+              <a:t>Project Time </a:t>
+            </a:r>
+            <a:r>
+              <a:rPr lang="mr-IN" dirty="0" smtClean="0"/>
+              <a:t>–</a:t>
+            </a:r>
+            <a:r>
+              <a:rPr lang="en-US" dirty="0" smtClean="0"/>
+              <a:t> </a:t>
+            </a:r>
+            <a:r>
+              <a:rPr lang="en-US" noProof="1" smtClean="0"/>
+              <a:t>http://bit.ly/patronx</a:t>
+            </a:r>
+            <a:endParaRPr lang="en-US" dirty="0"/>
+          </a:p>
+        </p:txBody>
+      </p:sp>
+      <p:pic>
+        <p:nvPicPr>
+          <p:cNvPr id="3" name="Picture 2"/>
+          <p:cNvPicPr>
+            <a:picLocks noChangeAspect="1"/>
+          </p:cNvPicPr>
+          <p:nvPr/>
+        </p:nvPicPr>
+        <p:blipFill>
+          <a:blip r:embed="rId3">
+            <a:extLst>
+              <a:ext uri="{28A0092B-C50C-407E-A947-70E740481C1C}">
+                <a14:useLocalDpi xmlns:a14="http://schemas.microsoft.com/office/drawing/2010/main" val="0"/>
+              </a:ext>
+            </a:extLst>
+          </a:blip>
+          <a:stretch>
+            <a:fillRect/>
+          </a:stretch>
+        </p:blipFill>
+        <p:spPr>
+          <a:xfrm>
+            <a:off x="3081911" y="1498059"/>
+            <a:ext cx="6028177" cy="4868912"/>
+          </a:xfrm>
+          <a:prstGeom prst="rect">
+            <a:avLst/>
+          </a:prstGeom>
+          <a:ln>
+            <a:solidFill>
+              <a:schemeClr val="bg1">
+                <a:lumMod val="75000"/>
+              </a:schemeClr>
+            </a:solidFill>
+          </a:ln>
+        </p:spPr>
+      </p:pic>
+      <p:sp>
+        <p:nvSpPr>
+          <p:cNvPr id="5" name="Freeform 4"/>
+          <p:cNvSpPr/>
+          <p:nvPr/>
+        </p:nvSpPr>
+        <p:spPr>
+          <a:xfrm>
+            <a:off x="6338377" y="1196120"/>
+            <a:ext cx="1220663" cy="2070529"/>
+          </a:xfrm>
+          <a:custGeom>
+            <a:avLst/>
+            <a:gdLst>
+              <a:gd name="connsiteX0" fmla="*/ 0 w 1220663"/>
+              <a:gd name="connsiteY0" fmla="*/ 0 h 2070529"/>
+              <a:gd name="connsiteX1" fmla="*/ 713232 w 1220663"/>
+              <a:gd name="connsiteY1" fmla="*/ 1335024 h 2070529"/>
+              <a:gd name="connsiteX2" fmla="*/ 877824 w 1220663"/>
+              <a:gd name="connsiteY2" fmla="*/ 1645920 h 2070529"/>
+              <a:gd name="connsiteX3" fmla="*/ 475488 w 1220663"/>
+              <a:gd name="connsiteY3" fmla="*/ 1463040 h 2070529"/>
+              <a:gd name="connsiteX4" fmla="*/ 1207008 w 1220663"/>
+              <a:gd name="connsiteY4" fmla="*/ 2066544 h 2070529"/>
+              <a:gd name="connsiteX5" fmla="*/ 950976 w 1220663"/>
+              <a:gd name="connsiteY5" fmla="*/ 1115568 h 2070529"/>
+              <a:gd name="connsiteX6" fmla="*/ 932688 w 1220663"/>
+              <a:gd name="connsiteY6" fmla="*/ 1627632 h 2070529"/>
+            </a:gdLst>
+            <a:ahLst/>
+            <a:cxnLst>
+              <a:cxn ang="0">
+                <a:pos x="connsiteX0" y="connsiteY0"/>
+              </a:cxn>
+              <a:cxn ang="0">
+                <a:pos x="connsiteX1" y="connsiteY1"/>
+              </a:cxn>
+              <a:cxn ang="0">
+                <a:pos x="connsiteX2" y="connsiteY2"/>
+              </a:cxn>
+              <a:cxn ang="0">
+                <a:pos x="connsiteX3" y="connsiteY3"/>
+              </a:cxn>
+              <a:cxn ang="0">
+                <a:pos x="connsiteX4" y="connsiteY4"/>
+              </a:cxn>
+              <a:cxn ang="0">
+                <a:pos x="connsiteX5" y="connsiteY5"/>
+              </a:cxn>
+              <a:cxn ang="0">
+                <a:pos x="connsiteX6" y="connsiteY6"/>
+              </a:cxn>
+            </a:cxnLst>
+            <a:rect l="l" t="t" r="r" b="b"/>
+            <a:pathLst>
+              <a:path w="1220663" h="2070529">
+                <a:moveTo>
+                  <a:pt x="0" y="0"/>
+                </a:moveTo>
+                <a:lnTo>
+                  <a:pt x="713232" y="1335024"/>
+                </a:lnTo>
+                <a:cubicBezTo>
+                  <a:pt x="859536" y="1609344"/>
+                  <a:pt x="917448" y="1624584"/>
+                  <a:pt x="877824" y="1645920"/>
+                </a:cubicBezTo>
+                <a:cubicBezTo>
+                  <a:pt x="838200" y="1667256"/>
+                  <a:pt x="420624" y="1392936"/>
+                  <a:pt x="475488" y="1463040"/>
+                </a:cubicBezTo>
+                <a:cubicBezTo>
+                  <a:pt x="530352" y="1533144"/>
+                  <a:pt x="1127760" y="2124456"/>
+                  <a:pt x="1207008" y="2066544"/>
+                </a:cubicBezTo>
+                <a:cubicBezTo>
+                  <a:pt x="1286256" y="2008632"/>
+                  <a:pt x="996696" y="1188720"/>
+                  <a:pt x="950976" y="1115568"/>
+                </a:cubicBezTo>
+                <a:cubicBezTo>
+                  <a:pt x="905256" y="1042416"/>
+                  <a:pt x="932688" y="1627632"/>
+                  <a:pt x="932688" y="1627632"/>
+                </a:cubicBezTo>
+              </a:path>
+            </a:pathLst>
+          </a:custGeom>
+          <a:noFill/>
+          <a:ln w="76200">
+            <a:solidFill>
+              <a:schemeClr val="accent2"/>
+            </a:solidFill>
+          </a:ln>
+        </p:spPr>
+        <p:style>
+          <a:lnRef idx="2">
+            <a:schemeClr val="accent1">
+              <a:shade val="50000"/>
+            </a:schemeClr>
+          </a:lnRef>
+          <a:fillRef idx="1">
+            <a:schemeClr val="accent1"/>
+          </a:fillRef>
+          <a:effectRef idx="0">
+            <a:schemeClr val="accent1"/>
+          </a:effectRef>
+          <a:fontRef idx="minor">
+            <a:schemeClr val="lt1"/>
+          </a:fontRef>
+        </p:style>
+        <p:txBody>
+          <a:bodyPr rtlCol="0" anchor="ctr"/>
+          <a:lstStyle/>
+          <a:p>
+            <a:pPr algn="ctr"/>
+            <a:endParaRPr lang="en-US"/>
+          </a:p>
+        </p:txBody>
+      </p:sp>
+      <p:sp>
+        <p:nvSpPr>
+          <p:cNvPr id="7" name="TextBox 6"/>
+          <p:cNvSpPr txBox="1"/>
+          <p:nvPr/>
+        </p:nvSpPr>
+        <p:spPr>
+          <a:xfrm>
+            <a:off x="9528406" y="2913082"/>
+            <a:ext cx="1867050" cy="954107"/>
+          </a:xfrm>
+          <a:prstGeom prst="rect">
+            <a:avLst/>
+          </a:prstGeom>
+          <a:noFill/>
+        </p:spPr>
+        <p:txBody>
+          <a:bodyPr wrap="none" rtlCol="0">
+            <a:spAutoFit/>
+          </a:bodyPr>
+          <a:lstStyle/>
+          <a:p>
+            <a:r>
+              <a:rPr lang="en-US" sz="2800" dirty="0" smtClean="0"/>
+              <a:t>Milestones </a:t>
+            </a:r>
+          </a:p>
+          <a:p>
+            <a:r>
+              <a:rPr lang="en-US" sz="2800" dirty="0"/>
+              <a:t>D</a:t>
+            </a:r>
+            <a:r>
+              <a:rPr lang="en-US" sz="2800" dirty="0" smtClean="0"/>
+              <a:t>ocument</a:t>
+            </a:r>
+            <a:endParaRPr lang="en-US" sz="2800" dirty="0"/>
+          </a:p>
+        </p:txBody>
+      </p:sp>
+    </p:spTree>
+    <p:extLst>
+      <p:ext uri="{BB962C8B-B14F-4D97-AF65-F5344CB8AC3E}">
+        <p14:creationId xmlns:p14="http://schemas.microsoft.com/office/powerpoint/2010/main" val="512308939"/>
+      </p:ext>
+    </p:extLst>
+  </p:cSld>
+  <p:clrMapOvr>
+    <a:masterClrMapping/>
+  </p:clrMapOvr>
+  <p:timing>
+    <p:tnLst>
+      <p:par>
+        <p:cTn id="1" dur="indefinite" restart="never" nodeType="tmRoot"/>
+      </p:par>
+    </p:tnLst>
+  </p:timing>
+</p:sld>
+</file>
+
+<file path=ppt/slides/slide27.xml><?xml version="1.0" encoding="utf-8"?>
+<p:sld xmlns:a="http://schemas.openxmlformats.org/drawingml/2006/main" xmlns:r="http://schemas.openxmlformats.org/officeDocument/2006/relationships" xmlns:p="http://schemas.openxmlformats.org/presentationml/2006/main">
+  <p:cSld>
+    <p:spTree>
+      <p:nvGrpSpPr>
+        <p:cNvPr id="1" name=""/>
+        <p:cNvGrpSpPr/>
+        <p:nvPr/>
+      </p:nvGrpSpPr>
+      <p:grpSpPr>
+        <a:xfrm>
+          <a:off x="0" y="0"/>
+          <a:ext cx="0" cy="0"/>
+          <a:chOff x="0" y="0"/>
+          <a:chExt cx="0" cy="0"/>
+        </a:xfrm>
+      </p:grpSpPr>
+      <p:sp>
+        <p:nvSpPr>
+          <p:cNvPr id="2" name="Title 1"/>
+          <p:cNvSpPr>
+            <a:spLocks noGrp="1"/>
+          </p:cNvSpPr>
+          <p:nvPr>
+            <p:ph type="ctrTitle"/>
+          </p:nvPr>
+        </p:nvSpPr>
+        <p:spPr/>
+        <p:txBody>
+          <a:bodyPr/>
+          <a:lstStyle/>
+          <a:p>
+            <a:r>
+              <a:rPr lang="en-US" dirty="0" smtClean="0"/>
+              <a:t>END OF THE DAY TASKS</a:t>
+            </a:r>
+            <a:endParaRPr lang="en-US" dirty="0"/>
+          </a:p>
+        </p:txBody>
+      </p:sp>
+      <p:sp>
+        <p:nvSpPr>
+          <p:cNvPr id="3" name="Subtitle 2"/>
+          <p:cNvSpPr>
+            <a:spLocks noGrp="1"/>
+          </p:cNvSpPr>
+          <p:nvPr>
+            <p:ph type="subTitle" idx="1"/>
+          </p:nvPr>
+        </p:nvSpPr>
+        <p:spPr/>
+        <p:txBody>
+          <a:bodyPr/>
+          <a:lstStyle/>
+          <a:p>
+            <a:endParaRPr lang="en-US" dirty="0"/>
+          </a:p>
+        </p:txBody>
+      </p:sp>
+    </p:spTree>
+    <p:extLst>
+      <p:ext uri="{BB962C8B-B14F-4D97-AF65-F5344CB8AC3E}">
+        <p14:creationId xmlns:p14="http://schemas.microsoft.com/office/powerpoint/2010/main" val="1447520625"/>
+      </p:ext>
+    </p:extLst>
+  </p:cSld>
+  <p:clrMapOvr>
+    <a:masterClrMapping/>
+  </p:clrMapOvr>
+  <p:timing>
+    <p:tnLst>
+      <p:par>
+        <p:cTn id="1" dur="indefinite" restart="never" nodeType="tmRoot"/>
+      </p:par>
+    </p:tnLst>
+  </p:timing>
+</p:sld>
+</file>
+
+<file path=ppt/slides/slide28.xml><?xml version="1.0" encoding="utf-8"?>
+<p:sld xmlns:a="http://schemas.openxmlformats.org/drawingml/2006/main" xmlns:r="http://schemas.openxmlformats.org/officeDocument/2006/relationships" xmlns:p="http://schemas.openxmlformats.org/presentationml/2006/main">
+  <p:cSld>
+    <p:spTree>
+      <p:nvGrpSpPr>
+        <p:cNvPr id="1" name=""/>
+        <p:cNvGrpSpPr/>
+        <p:nvPr/>
+      </p:nvGrpSpPr>
+      <p:grpSpPr>
+        <a:xfrm>
+          <a:off x="0" y="0"/>
+          <a:ext cx="0" cy="0"/>
+          <a:chOff x="0" y="0"/>
+          <a:chExt cx="0" cy="0"/>
+        </a:xfrm>
+      </p:grpSpPr>
+      <p:sp>
+        <p:nvSpPr>
+          <p:cNvPr id="2" name="Title 1"/>
+          <p:cNvSpPr>
+            <a:spLocks noGrp="1"/>
+          </p:cNvSpPr>
+          <p:nvPr>
+            <p:ph type="title"/>
+          </p:nvPr>
+        </p:nvSpPr>
+        <p:spPr/>
+        <p:txBody>
+          <a:bodyPr/>
+          <a:lstStyle/>
+          <a:p>
+            <a:r>
+              <a:rPr lang="en-US" dirty="0" smtClean="0"/>
+              <a:t>Instructor </a:t>
+            </a:r>
+            <a:r>
+              <a:rPr lang="mr-IN" dirty="0" smtClean="0"/>
+              <a:t>–</a:t>
+            </a:r>
+            <a:r>
+              <a:rPr lang="en-US" dirty="0" smtClean="0"/>
+              <a:t> Submit Reflection</a:t>
+            </a:r>
+            <a:endParaRPr lang="en-US" dirty="0"/>
+          </a:p>
+        </p:txBody>
+      </p:sp>
+      <p:sp>
+        <p:nvSpPr>
+          <p:cNvPr id="3" name="Content Placeholder 2"/>
+          <p:cNvSpPr>
+            <a:spLocks noGrp="1"/>
+          </p:cNvSpPr>
+          <p:nvPr>
+            <p:ph idx="1"/>
+          </p:nvPr>
+        </p:nvSpPr>
+        <p:spPr/>
+        <p:txBody>
+          <a:bodyPr/>
+          <a:lstStyle/>
+          <a:p>
+            <a:r>
+              <a:rPr lang="en-US" dirty="0" smtClean="0"/>
+              <a:t>Upload to</a:t>
+            </a:r>
+          </a:p>
+          <a:p>
+            <a:pPr marL="457200" lvl="1" indent="0">
+              <a:buNone/>
+            </a:pPr>
+            <a:r>
+              <a:rPr lang="en-US" noProof="1" smtClean="0"/>
+              <a:t>TBD</a:t>
+            </a:r>
+            <a:endParaRPr lang="en-US" dirty="0"/>
+          </a:p>
+        </p:txBody>
+      </p:sp>
+    </p:spTree>
+    <p:extLst>
+      <p:ext uri="{BB962C8B-B14F-4D97-AF65-F5344CB8AC3E}">
+        <p14:creationId xmlns:p14="http://schemas.microsoft.com/office/powerpoint/2010/main" val="653078958"/>
+      </p:ext>
+    </p:extLst>
+  </p:cSld>
+  <p:clrMapOvr>
+    <a:masterClrMapping/>
+  </p:clrMapOvr>
+  <p:timing>
+    <p:tnLst>
+      <p:par>
+        <p:cTn id="1" dur="indefinite" restart="never" nodeType="tmRoot"/>
+      </p:par>
+    </p:tnLst>
+  </p:timing>
+</p:sld>
+</file>
+
+<file path=ppt/slides/slide29.xml><?xml version="1.0" encoding="utf-8"?>
+<p:sld xmlns:a="http://schemas.openxmlformats.org/drawingml/2006/main" xmlns:r="http://schemas.openxmlformats.org/officeDocument/2006/relationships" xmlns:p="http://schemas.openxmlformats.org/presentationml/2006/main">
+  <p:cSld>
+    <p:spTree>
+      <p:nvGrpSpPr>
+        <p:cNvPr id="1" name=""/>
+        <p:cNvGrpSpPr/>
+        <p:nvPr/>
+      </p:nvGrpSpPr>
+      <p:grpSpPr>
+        <a:xfrm>
+          <a:off x="0" y="0"/>
+          <a:ext cx="0" cy="0"/>
+          <a:chOff x="0" y="0"/>
+          <a:chExt cx="0" cy="0"/>
+        </a:xfrm>
+      </p:grpSpPr>
+      <p:sp>
+        <p:nvSpPr>
+          <p:cNvPr id="2" name="Title 1"/>
+          <p:cNvSpPr>
+            <a:spLocks noGrp="1"/>
+          </p:cNvSpPr>
+          <p:nvPr>
+            <p:ph type="title"/>
+          </p:nvPr>
+        </p:nvSpPr>
+        <p:spPr/>
+        <p:txBody>
+          <a:bodyPr/>
+          <a:lstStyle/>
+          <a:p>
+            <a:r>
+              <a:rPr lang="en-US" dirty="0" smtClean="0"/>
+              <a:t>TA </a:t>
+            </a:r>
+            <a:r>
+              <a:rPr lang="mr-IN" dirty="0" smtClean="0"/>
+              <a:t>–</a:t>
+            </a:r>
+            <a:r>
+              <a:rPr lang="en-US" dirty="0" smtClean="0"/>
+              <a:t> Submit Reflection</a:t>
+            </a:r>
+            <a:endParaRPr lang="en-US" dirty="0"/>
+          </a:p>
+        </p:txBody>
+      </p:sp>
+      <p:sp>
+        <p:nvSpPr>
+          <p:cNvPr id="3" name="Content Placeholder 2"/>
+          <p:cNvSpPr>
+            <a:spLocks noGrp="1"/>
+          </p:cNvSpPr>
+          <p:nvPr>
+            <p:ph idx="1"/>
+          </p:nvPr>
+        </p:nvSpPr>
+        <p:spPr/>
+        <p:txBody>
+          <a:bodyPr/>
+          <a:lstStyle/>
+          <a:p>
+            <a:r>
+              <a:rPr lang="en-US" dirty="0" smtClean="0"/>
+              <a:t>Upload to</a:t>
+            </a:r>
+          </a:p>
+          <a:p>
+            <a:pPr marL="457200" lvl="1" indent="0">
+              <a:buNone/>
+            </a:pPr>
+            <a:r>
+              <a:rPr lang="en-US" noProof="1" smtClean="0"/>
+              <a:t>TBD</a:t>
+            </a:r>
+            <a:endParaRPr lang="en-US" dirty="0"/>
+          </a:p>
+        </p:txBody>
+      </p:sp>
+    </p:spTree>
+    <p:extLst>
+      <p:ext uri="{BB962C8B-B14F-4D97-AF65-F5344CB8AC3E}">
+        <p14:creationId xmlns:p14="http://schemas.microsoft.com/office/powerpoint/2010/main" val="1327496575"/>
+      </p:ext>
+    </p:extLst>
+  </p:cSld>
+  <p:clrMapOvr>
+    <a:masterClrMapping/>
+  </p:clrMapOvr>
+  <p:timing>
+    <p:tnLst>
+      <p:par>
+        <p:cTn id="1" dur="indefinite" restart="never" nodeType="tmRoot"/>
+      </p:par>
+    </p:tnLst>
+  </p:timing>
+</p:sld>
+</file>
+
+<file path=ppt/slides/slide3.xml><?xml version="1.0" encoding="utf-8"?>
+<p:sld xmlns:a="http://schemas.openxmlformats.org/drawingml/2006/main" xmlns:r="http://schemas.openxmlformats.org/officeDocument/2006/relationships" xmlns:p="http://schemas.openxmlformats.org/presentationml/2006/main">
+  <p:cSld>
+    <p:spTree>
+      <p:nvGrpSpPr>
+        <p:cNvPr id="1" name=""/>
+        <p:cNvGrpSpPr/>
+        <p:nvPr/>
+      </p:nvGrpSpPr>
+      <p:grpSpPr>
+        <a:xfrm>
+          <a:off x="0" y="0"/>
+          <a:ext cx="0" cy="0"/>
+          <a:chOff x="0" y="0"/>
+          <a:chExt cx="0" cy="0"/>
+        </a:xfrm>
+      </p:grpSpPr>
+      <p:sp>
+        <p:nvSpPr>
+          <p:cNvPr id="4" name="Title 3"/>
+          <p:cNvSpPr>
+            <a:spLocks noGrp="1"/>
+          </p:cNvSpPr>
+          <p:nvPr>
+            <p:ph type="title"/>
+          </p:nvPr>
+        </p:nvSpPr>
+        <p:spPr/>
+        <p:txBody>
+          <a:bodyPr/>
+          <a:lstStyle/>
+          <a:p>
+            <a:r>
+              <a:rPr lang="en-US" dirty="0" smtClean="0"/>
+              <a:t>Create Teams </a:t>
+            </a:r>
+            <a:r>
+              <a:rPr lang="mr-IN" dirty="0" smtClean="0"/>
+              <a:t>–</a:t>
+            </a:r>
+            <a:r>
+              <a:rPr lang="en-US" dirty="0" smtClean="0"/>
+              <a:t> 10 mins</a:t>
+            </a:r>
+            <a:endParaRPr lang="en-US" dirty="0"/>
+          </a:p>
+        </p:txBody>
+      </p:sp>
+      <p:sp>
+        <p:nvSpPr>
+          <p:cNvPr id="5" name="Content Placeholder 4"/>
+          <p:cNvSpPr>
+            <a:spLocks noGrp="1"/>
+          </p:cNvSpPr>
+          <p:nvPr>
+            <p:ph idx="1"/>
+          </p:nvPr>
+        </p:nvSpPr>
+        <p:spPr/>
+        <p:txBody>
+          <a:bodyPr/>
+          <a:lstStyle/>
+          <a:p>
+            <a:r>
+              <a:rPr lang="en-US" dirty="0" smtClean="0"/>
+              <a:t>First activity of day</a:t>
+            </a:r>
+          </a:p>
+          <a:p>
+            <a:r>
+              <a:rPr lang="en-US" dirty="0" smtClean="0"/>
+              <a:t>Create teams yourself</a:t>
+            </a:r>
+          </a:p>
+          <a:p>
+            <a:r>
+              <a:rPr lang="en-US" dirty="0" smtClean="0"/>
+              <a:t>Other strategies for forming groups</a:t>
+            </a:r>
+          </a:p>
+          <a:p>
+            <a:pPr lvl="1"/>
+            <a:r>
+              <a:rPr lang="en-US" noProof="1" smtClean="0"/>
+              <a:t>http://www.supportrealteachers.org/techniques-for-forming-groups.html</a:t>
+            </a:r>
+          </a:p>
+          <a:p>
+            <a:endParaRPr lang="en-US" dirty="0"/>
+          </a:p>
+        </p:txBody>
+      </p:sp>
+    </p:spTree>
+    <p:extLst>
+      <p:ext uri="{BB962C8B-B14F-4D97-AF65-F5344CB8AC3E}">
+        <p14:creationId xmlns:p14="http://schemas.microsoft.com/office/powerpoint/2010/main" val="1356779921"/>
+      </p:ext>
+    </p:extLst>
+  </p:cSld>
+  <p:clrMapOvr>
+    <a:masterClrMapping/>
+  </p:clrMapOvr>
+  <p:timing>
+    <p:tnLst>
+      <p:par>
+        <p:cTn id="1" dur="indefinite" restart="never" nodeType="tmRoot"/>
+      </p:par>
+    </p:tnLst>
+  </p:timing>
+</p:sld>
+</file>
+
+<file path=ppt/slides/slide30.xml><?xml version="1.0" encoding="utf-8"?>
+<p:sld xmlns:a="http://schemas.openxmlformats.org/drawingml/2006/main" xmlns:r="http://schemas.openxmlformats.org/officeDocument/2006/relationships" xmlns:p="http://schemas.openxmlformats.org/presentationml/2006/main">
+  <p:cSld>
+    <p:spTree>
+      <p:nvGrpSpPr>
+        <p:cNvPr id="1" name=""/>
+        <p:cNvGrpSpPr/>
+        <p:nvPr/>
+      </p:nvGrpSpPr>
+      <p:grpSpPr>
+        <a:xfrm>
+          <a:off x="0" y="0"/>
+          <a:ext cx="0" cy="0"/>
+          <a:chOff x="0" y="0"/>
+          <a:chExt cx="0" cy="0"/>
+        </a:xfrm>
+      </p:grpSpPr>
+      <p:sp>
+        <p:nvSpPr>
+          <p:cNvPr id="2" name="Title 1"/>
+          <p:cNvSpPr>
+            <a:spLocks noGrp="1"/>
+          </p:cNvSpPr>
+          <p:nvPr>
+            <p:ph type="title"/>
+          </p:nvPr>
+        </p:nvSpPr>
+        <p:spPr/>
+        <p:txBody>
+          <a:bodyPr/>
+          <a:lstStyle/>
+          <a:p>
+            <a:r>
+              <a:rPr lang="en-US" dirty="0" smtClean="0"/>
+              <a:t>Students </a:t>
+            </a:r>
+            <a:r>
+              <a:rPr lang="mr-IN" dirty="0" smtClean="0"/>
+              <a:t>–</a:t>
+            </a:r>
+            <a:r>
+              <a:rPr lang="en-US" dirty="0" smtClean="0"/>
+              <a:t> Submit Reflection</a:t>
+            </a:r>
+            <a:endParaRPr lang="en-US" dirty="0"/>
+          </a:p>
+        </p:txBody>
+      </p:sp>
+      <p:sp>
+        <p:nvSpPr>
+          <p:cNvPr id="3" name="Content Placeholder 2"/>
+          <p:cNvSpPr>
+            <a:spLocks noGrp="1"/>
+          </p:cNvSpPr>
+          <p:nvPr>
+            <p:ph idx="1"/>
+          </p:nvPr>
+        </p:nvSpPr>
+        <p:spPr/>
+        <p:txBody>
+          <a:bodyPr/>
+          <a:lstStyle/>
+          <a:p>
+            <a:r>
+              <a:rPr lang="en-US" dirty="0" smtClean="0"/>
+              <a:t>Upload to</a:t>
+            </a:r>
+          </a:p>
+          <a:p>
+            <a:pPr marL="457200" lvl="1" indent="0">
+              <a:buNone/>
+            </a:pPr>
+            <a:r>
+              <a:rPr lang="en-US" noProof="1" smtClean="0"/>
+              <a:t>TBD</a:t>
+            </a:r>
+            <a:endParaRPr lang="en-US" dirty="0"/>
+          </a:p>
+        </p:txBody>
+      </p:sp>
+    </p:spTree>
+    <p:extLst>
+      <p:ext uri="{BB962C8B-B14F-4D97-AF65-F5344CB8AC3E}">
+        <p14:creationId xmlns:p14="http://schemas.microsoft.com/office/powerpoint/2010/main" val="522115114"/>
+      </p:ext>
+    </p:extLst>
+  </p:cSld>
+  <p:clrMapOvr>
+    <a:masterClrMapping/>
+  </p:clrMapOvr>
+  <p:timing>
+    <p:tnLst>
+      <p:par>
+        <p:cTn id="1" dur="indefinite" restart="never" nodeType="tmRoot"/>
+      </p:par>
+    </p:tnLst>
+  </p:timing>
+</p:sld>
+</file>
+
+<file path=ppt/slides/slide4.xml><?xml version="1.0" encoding="utf-8"?>
+<p:sld xmlns:a="http://schemas.openxmlformats.org/drawingml/2006/main" xmlns:r="http://schemas.openxmlformats.org/officeDocument/2006/relationships" xmlns:p="http://schemas.openxmlformats.org/presentationml/2006/main">
+  <p:cSld>
+    <p:spTree>
+      <p:nvGrpSpPr>
+        <p:cNvPr id="1" name=""/>
+        <p:cNvGrpSpPr/>
+        <p:nvPr/>
+      </p:nvGrpSpPr>
+      <p:grpSpPr>
+        <a:xfrm>
+          <a:off x="0" y="0"/>
+          <a:ext cx="0" cy="0"/>
+          <a:chOff x="0" y="0"/>
+          <a:chExt cx="0" cy="0"/>
+        </a:xfrm>
+      </p:grpSpPr>
+      <p:sp>
+        <p:nvSpPr>
+          <p:cNvPr id="2" name="Title 1"/>
+          <p:cNvSpPr>
+            <a:spLocks noGrp="1"/>
+          </p:cNvSpPr>
+          <p:nvPr>
+            <p:ph type="title"/>
+          </p:nvPr>
+        </p:nvSpPr>
+        <p:spPr/>
+        <p:txBody>
+          <a:bodyPr/>
+          <a:lstStyle/>
+          <a:p>
+            <a:r>
+              <a:rPr lang="en-US" dirty="0" smtClean="0"/>
+              <a:t>Magician </a:t>
+            </a:r>
+            <a:r>
+              <a:rPr lang="mr-IN" dirty="0" smtClean="0"/>
+              <a:t>–</a:t>
+            </a:r>
+            <a:r>
+              <a:rPr lang="en-US" dirty="0" smtClean="0"/>
+              <a:t> Binary search</a:t>
+            </a:r>
+            <a:endParaRPr lang="en-US" dirty="0"/>
+          </a:p>
+        </p:txBody>
+      </p:sp>
+      <p:sp>
+        <p:nvSpPr>
+          <p:cNvPr id="3" name="Content Placeholder 2"/>
+          <p:cNvSpPr>
+            <a:spLocks noGrp="1"/>
+          </p:cNvSpPr>
+          <p:nvPr>
+            <p:ph idx="1"/>
+          </p:nvPr>
+        </p:nvSpPr>
+        <p:spPr/>
+        <p:txBody>
+          <a:bodyPr>
+            <a:normAutofit/>
+          </a:bodyPr>
+          <a:lstStyle/>
+          <a:p>
+            <a:r>
+              <a:rPr lang="en-US" dirty="0" smtClean="0"/>
+              <a:t>Solution</a:t>
+            </a:r>
+          </a:p>
+          <a:p>
+            <a:pPr lvl="1"/>
+            <a:r>
+              <a:rPr lang="en-US" dirty="0" smtClean="0"/>
+              <a:t>Sixteenth </a:t>
+            </a:r>
+            <a:r>
+              <a:rPr lang="en-US" dirty="0"/>
+              <a:t>card at start    </a:t>
+            </a:r>
+            <a:endParaRPr lang="en-US" dirty="0" smtClean="0"/>
+          </a:p>
+          <a:p>
+            <a:pPr lvl="1"/>
+            <a:r>
+              <a:rPr lang="en-US" dirty="0" smtClean="0"/>
+              <a:t>Eight </a:t>
+            </a:r>
+            <a:r>
+              <a:rPr lang="en-US" dirty="0"/>
+              <a:t>of hearts    </a:t>
+            </a:r>
+            <a:endParaRPr lang="en-US" dirty="0" smtClean="0"/>
+          </a:p>
+          <a:p>
+            <a:pPr lvl="1"/>
+            <a:r>
+              <a:rPr lang="en-US" dirty="0" smtClean="0"/>
+              <a:t>Must </a:t>
+            </a:r>
+            <a:r>
+              <a:rPr lang="en-US" dirty="0"/>
+              <a:t>choose from </a:t>
+            </a:r>
+            <a:r>
+              <a:rPr lang="en-US" dirty="0" smtClean="0"/>
+              <a:t>16</a:t>
+            </a:r>
+            <a:r>
+              <a:rPr lang="en-US" baseline="30000" dirty="0" smtClean="0"/>
+              <a:t>th</a:t>
+            </a:r>
+            <a:r>
+              <a:rPr lang="en-US" dirty="0" smtClean="0"/>
+              <a:t> to 32</a:t>
+            </a:r>
+            <a:r>
+              <a:rPr lang="en-US" baseline="30000" dirty="0" smtClean="0"/>
+              <a:t>nd</a:t>
+            </a:r>
+            <a:r>
+              <a:rPr lang="en-US" dirty="0" smtClean="0"/>
+              <a:t>  </a:t>
+            </a:r>
+            <a:r>
+              <a:rPr lang="en-US" dirty="0"/>
+              <a:t>cannot choose sixteenth or thirty two    </a:t>
+            </a:r>
+            <a:endParaRPr lang="en-US" dirty="0" smtClean="0"/>
+          </a:p>
+          <a:p>
+            <a:pPr lvl="1"/>
+            <a:r>
+              <a:rPr lang="en-US" dirty="0" smtClean="0"/>
+              <a:t>Throw </a:t>
+            </a:r>
+            <a:r>
+              <a:rPr lang="en-US" dirty="0"/>
+              <a:t>closed    </a:t>
+            </a:r>
+            <a:endParaRPr lang="en-US" dirty="0" smtClean="0"/>
+          </a:p>
+          <a:p>
+            <a:pPr lvl="1"/>
+            <a:r>
+              <a:rPr lang="en-US" dirty="0" smtClean="0"/>
+              <a:t>Down </a:t>
+            </a:r>
+            <a:r>
+              <a:rPr lang="en-US" dirty="0"/>
+              <a:t>up    </a:t>
+            </a:r>
+            <a:endParaRPr lang="en-US" dirty="0" smtClean="0"/>
+          </a:p>
+          <a:p>
+            <a:pPr lvl="1"/>
+            <a:r>
+              <a:rPr lang="en-US" dirty="0" smtClean="0"/>
+              <a:t>Throw </a:t>
+            </a:r>
+            <a:r>
+              <a:rPr lang="en-US" dirty="0"/>
+              <a:t>away downs    </a:t>
+            </a:r>
+            <a:endParaRPr lang="en-US" dirty="0" smtClean="0"/>
+          </a:p>
+          <a:p>
+            <a:pPr lvl="1"/>
+            <a:r>
+              <a:rPr lang="en-US" dirty="0" smtClean="0"/>
+              <a:t>Important</a:t>
+            </a:r>
+            <a:r>
+              <a:rPr lang="en-US" dirty="0"/>
+              <a:t>: spread deck </a:t>
+            </a:r>
+            <a:r>
+              <a:rPr lang="en-US" dirty="0" smtClean="0"/>
+              <a:t>right-to-left</a:t>
+            </a:r>
+            <a:endParaRPr lang="en-US" dirty="0"/>
+          </a:p>
+        </p:txBody>
+      </p:sp>
+    </p:spTree>
+    <p:extLst>
+      <p:ext uri="{BB962C8B-B14F-4D97-AF65-F5344CB8AC3E}">
+        <p14:creationId xmlns:p14="http://schemas.microsoft.com/office/powerpoint/2010/main" val="1418768401"/>
+      </p:ext>
+    </p:extLst>
+  </p:cSld>
+  <p:clrMapOvr>
+    <a:masterClrMapping/>
+  </p:clrMapOvr>
+  <p:timing>
+    <p:tnLst>
+      <p:par>
+        <p:cTn id="1" dur="indefinite" restart="never" nodeType="tmRoot"/>
+      </p:par>
+    </p:tnLst>
+  </p:timing>
+</p:sld>
+</file>
+
+<file path=ppt/slides/slide5.xml><?xml version="1.0" encoding="utf-8"?>
+<p:sld xmlns:a="http://schemas.openxmlformats.org/drawingml/2006/main" xmlns:r="http://schemas.openxmlformats.org/officeDocument/2006/relationships" xmlns:p="http://schemas.openxmlformats.org/presentationml/2006/main">
+  <p:cSld>
+    <p:spTree>
+      <p:nvGrpSpPr>
+        <p:cNvPr id="1" name=""/>
+        <p:cNvGrpSpPr/>
+        <p:nvPr/>
+      </p:nvGrpSpPr>
+      <p:grpSpPr>
+        <a:xfrm>
+          <a:off x="0" y="0"/>
+          <a:ext cx="0" cy="0"/>
+          <a:chOff x="0" y="0"/>
+          <a:chExt cx="0" cy="0"/>
+        </a:xfrm>
+      </p:grpSpPr>
+      <p:sp>
+        <p:nvSpPr>
+          <p:cNvPr id="2" name="Title 1"/>
+          <p:cNvSpPr>
+            <a:spLocks noGrp="1"/>
+          </p:cNvSpPr>
+          <p:nvPr>
+            <p:ph type="title"/>
+          </p:nvPr>
+        </p:nvSpPr>
+        <p:spPr/>
+        <p:txBody>
+          <a:bodyPr/>
+          <a:lstStyle/>
+          <a:p>
+            <a:r>
+              <a:rPr lang="en-US" dirty="0" smtClean="0"/>
+              <a:t>Students: how does work?</a:t>
+            </a:r>
+            <a:endParaRPr lang="en-US" dirty="0"/>
+          </a:p>
+        </p:txBody>
+      </p:sp>
+      <p:sp>
+        <p:nvSpPr>
+          <p:cNvPr id="3" name="Content Placeholder 2"/>
+          <p:cNvSpPr>
+            <a:spLocks noGrp="1"/>
+          </p:cNvSpPr>
+          <p:nvPr>
+            <p:ph idx="1"/>
+          </p:nvPr>
+        </p:nvSpPr>
+        <p:spPr/>
+        <p:txBody>
+          <a:bodyPr/>
+          <a:lstStyle/>
+          <a:p>
+            <a:r>
+              <a:rPr lang="en-US" dirty="0" smtClean="0"/>
+              <a:t>Let them try </a:t>
+            </a:r>
+            <a:r>
+              <a:rPr lang="mr-IN" dirty="0" smtClean="0"/>
+              <a:t>…</a:t>
+            </a:r>
+            <a:endParaRPr lang="en-US" dirty="0" smtClean="0"/>
+          </a:p>
+          <a:p>
+            <a:endParaRPr lang="en-US" dirty="0"/>
+          </a:p>
+        </p:txBody>
+      </p:sp>
+    </p:spTree>
+    <p:extLst>
+      <p:ext uri="{BB962C8B-B14F-4D97-AF65-F5344CB8AC3E}">
+        <p14:creationId xmlns:p14="http://schemas.microsoft.com/office/powerpoint/2010/main" val="1729582966"/>
+      </p:ext>
+    </p:extLst>
+  </p:cSld>
+  <p:clrMapOvr>
+    <a:masterClrMapping/>
+  </p:clrMapOvr>
+  <p:timing>
+    <p:tnLst>
+      <p:par>
+        <p:cTn id="1" dur="indefinite" restart="never" nodeType="tmRoot"/>
+      </p:par>
+    </p:tnLst>
+  </p:timing>
+</p:sld>
+</file>
+
+<file path=ppt/slides/slide6.xml><?xml version="1.0" encoding="utf-8"?>
+<p:sld xmlns:a="http://schemas.openxmlformats.org/drawingml/2006/main" xmlns:r="http://schemas.openxmlformats.org/officeDocument/2006/relationships" xmlns:p="http://schemas.openxmlformats.org/presentationml/2006/main">
+  <p:cSld>
+    <p:spTree>
+      <p:nvGrpSpPr>
+        <p:cNvPr id="1" name=""/>
+        <p:cNvGrpSpPr/>
+        <p:nvPr/>
+      </p:nvGrpSpPr>
+      <p:grpSpPr>
+        <a:xfrm>
+          <a:off x="0" y="0"/>
+          <a:ext cx="0" cy="0"/>
+          <a:chOff x="0" y="0"/>
+          <a:chExt cx="0" cy="0"/>
+        </a:xfrm>
+      </p:grpSpPr>
+      <p:sp>
+        <p:nvSpPr>
+          <p:cNvPr id="2" name="Title 1"/>
+          <p:cNvSpPr>
+            <a:spLocks noGrp="1"/>
+          </p:cNvSpPr>
+          <p:nvPr>
+            <p:ph type="title"/>
+          </p:nvPr>
+        </p:nvSpPr>
+        <p:spPr/>
+        <p:txBody>
+          <a:bodyPr/>
+          <a:lstStyle/>
+          <a:p>
+            <a:r>
+              <a:rPr lang="en-US" dirty="0" smtClean="0"/>
+              <a:t>Give them the answer</a:t>
+            </a:r>
+            <a:endParaRPr lang="en-US" dirty="0"/>
+          </a:p>
+        </p:txBody>
+      </p:sp>
+      <p:sp>
+        <p:nvSpPr>
+          <p:cNvPr id="3" name="Content Placeholder 2"/>
+          <p:cNvSpPr>
+            <a:spLocks noGrp="1"/>
+          </p:cNvSpPr>
+          <p:nvPr>
+            <p:ph idx="1"/>
+          </p:nvPr>
+        </p:nvSpPr>
+        <p:spPr/>
+        <p:txBody>
+          <a:bodyPr/>
+          <a:lstStyle/>
+          <a:p>
+            <a:r>
+              <a:rPr lang="en-US" dirty="0" smtClean="0"/>
+              <a:t>Ask them to demonstrate </a:t>
+            </a:r>
+            <a:r>
+              <a:rPr lang="mr-IN" dirty="0" smtClean="0"/>
+              <a:t>…</a:t>
+            </a:r>
+            <a:endParaRPr lang="en-US" dirty="0" smtClean="0"/>
+          </a:p>
+          <a:p>
+            <a:r>
+              <a:rPr lang="en-US" dirty="0" smtClean="0"/>
+              <a:t>Demo</a:t>
+            </a:r>
+          </a:p>
+          <a:p>
+            <a:pPr marL="457200" lvl="1" indent="0">
+              <a:buNone/>
+            </a:pPr>
+            <a:r>
+              <a:rPr lang="en-US" dirty="0" smtClean="0"/>
+              <a:t>https://</a:t>
+            </a:r>
+            <a:r>
+              <a:rPr lang="en-US" dirty="0" err="1" smtClean="0"/>
+              <a:t>youtu.be</a:t>
+            </a:r>
+            <a:r>
+              <a:rPr lang="en-US" dirty="0" smtClean="0"/>
+              <a:t>/AexEv32fLz0</a:t>
+            </a:r>
+          </a:p>
+          <a:p>
+            <a:r>
+              <a:rPr lang="en-US" dirty="0" smtClean="0"/>
+              <a:t>Solution</a:t>
+            </a:r>
+          </a:p>
+          <a:p>
+            <a:pPr marL="457200" lvl="1" indent="0">
+              <a:buNone/>
+            </a:pPr>
+            <a:r>
+              <a:rPr lang="en-US" dirty="0" smtClean="0"/>
+              <a:t>https://</a:t>
+            </a:r>
+            <a:r>
+              <a:rPr lang="en-US" dirty="0" err="1" smtClean="0"/>
+              <a:t>youtu.be</a:t>
+            </a:r>
+            <a:r>
+              <a:rPr lang="en-US" dirty="0" smtClean="0"/>
+              <a:t>/nfwJW0N2Ds8</a:t>
+            </a:r>
+            <a:endParaRPr lang="en-US" dirty="0"/>
+          </a:p>
+        </p:txBody>
+      </p:sp>
+    </p:spTree>
+    <p:extLst>
+      <p:ext uri="{BB962C8B-B14F-4D97-AF65-F5344CB8AC3E}">
+        <p14:creationId xmlns:p14="http://schemas.microsoft.com/office/powerpoint/2010/main" val="762263770"/>
+      </p:ext>
+    </p:extLst>
+  </p:cSld>
+  <p:clrMapOvr>
+    <a:masterClrMapping/>
+  </p:clrMapOvr>
+  <p:timing>
+    <p:tnLst>
+      <p:par>
+        <p:cTn id="1" dur="indefinite" restart="never" nodeType="tmRoot"/>
+      </p:par>
+    </p:tnLst>
+  </p:timing>
+</p:sld>
+</file>
+
+<file path=ppt/slides/slide7.xml><?xml version="1.0" encoding="utf-8"?>
+<p:sld xmlns:a="http://schemas.openxmlformats.org/drawingml/2006/main" xmlns:r="http://schemas.openxmlformats.org/officeDocument/2006/relationships" xmlns:p="http://schemas.openxmlformats.org/presentationml/2006/main">
+  <p:cSld>
+    <p:spTree>
+      <p:nvGrpSpPr>
+        <p:cNvPr id="1" name=""/>
+        <p:cNvGrpSpPr/>
+        <p:nvPr/>
+      </p:nvGrpSpPr>
+      <p:grpSpPr>
+        <a:xfrm>
+          <a:off x="0" y="0"/>
+          <a:ext cx="0" cy="0"/>
+          <a:chOff x="0" y="0"/>
+          <a:chExt cx="0" cy="0"/>
+        </a:xfrm>
+      </p:grpSpPr>
+      <p:sp>
+        <p:nvSpPr>
+          <p:cNvPr id="2" name="Title 1"/>
+          <p:cNvSpPr>
+            <a:spLocks noGrp="1"/>
+          </p:cNvSpPr>
+          <p:nvPr>
+            <p:ph type="title"/>
+          </p:nvPr>
+        </p:nvSpPr>
+        <p:spPr/>
+        <p:txBody>
+          <a:bodyPr/>
+          <a:lstStyle/>
+          <a:p>
+            <a:r>
+              <a:rPr lang="en-US" dirty="0" smtClean="0"/>
+              <a:t>Competition</a:t>
+            </a:r>
+            <a:endParaRPr lang="en-US" dirty="0"/>
+          </a:p>
+        </p:txBody>
+      </p:sp>
+      <p:sp>
+        <p:nvSpPr>
+          <p:cNvPr id="3" name="Content Placeholder 2"/>
+          <p:cNvSpPr>
+            <a:spLocks noGrp="1"/>
+          </p:cNvSpPr>
+          <p:nvPr>
+            <p:ph idx="1"/>
+          </p:nvPr>
+        </p:nvSpPr>
+        <p:spPr/>
+        <p:txBody>
+          <a:bodyPr/>
+          <a:lstStyle/>
+          <a:p>
+            <a:r>
+              <a:rPr lang="en-US" dirty="0" smtClean="0"/>
+              <a:t>Teams select representative</a:t>
+            </a:r>
+          </a:p>
+          <a:p>
+            <a:r>
+              <a:rPr lang="en-US" dirty="0" smtClean="0"/>
+              <a:t>Teams compete against each other</a:t>
+            </a:r>
+            <a:endParaRPr lang="en-US" dirty="0"/>
+          </a:p>
+        </p:txBody>
+      </p:sp>
+    </p:spTree>
+    <p:extLst>
+      <p:ext uri="{BB962C8B-B14F-4D97-AF65-F5344CB8AC3E}">
+        <p14:creationId xmlns:p14="http://schemas.microsoft.com/office/powerpoint/2010/main" val="1627228035"/>
+      </p:ext>
+    </p:extLst>
+  </p:cSld>
+  <p:clrMapOvr>
+    <a:masterClrMapping/>
+  </p:clrMapOvr>
+  <p:timing>
+    <p:tnLst>
+      <p:par>
+        <p:cTn id="1" dur="indefinite" restart="never" nodeType="tmRoot"/>
+      </p:par>
+    </p:tnLst>
+  </p:timing>
+</p:sld>
+</file>
+
+<file path=ppt/slides/slide8.xml><?xml version="1.0" encoding="utf-8"?>
+<p:sld xmlns:a="http://schemas.openxmlformats.org/drawingml/2006/main" xmlns:r="http://schemas.openxmlformats.org/officeDocument/2006/relationships" xmlns:p="http://schemas.openxmlformats.org/presentationml/2006/main">
+  <p:cSld>
+    <p:spTree>
+      <p:nvGrpSpPr>
+        <p:cNvPr id="1" name=""/>
+        <p:cNvGrpSpPr/>
+        <p:nvPr/>
+      </p:nvGrpSpPr>
+      <p:grpSpPr>
+        <a:xfrm>
+          <a:off x="0" y="0"/>
+          <a:ext cx="0" cy="0"/>
+          <a:chOff x="0" y="0"/>
+          <a:chExt cx="0" cy="0"/>
+        </a:xfrm>
+      </p:grpSpPr>
+      <p:sp>
+        <p:nvSpPr>
+          <p:cNvPr id="2" name="Title 1"/>
+          <p:cNvSpPr>
+            <a:spLocks noGrp="1"/>
+          </p:cNvSpPr>
+          <p:nvPr>
+            <p:ph type="title"/>
+          </p:nvPr>
+        </p:nvSpPr>
+        <p:spPr/>
+        <p:txBody>
+          <a:bodyPr/>
+          <a:lstStyle/>
+          <a:p>
+            <a:r>
+              <a:rPr lang="en-US" dirty="0" smtClean="0"/>
+              <a:t>Teach Binary counting</a:t>
+            </a:r>
+            <a:endParaRPr lang="en-US" dirty="0"/>
+          </a:p>
+        </p:txBody>
+      </p:sp>
+      <p:sp>
+        <p:nvSpPr>
+          <p:cNvPr id="3" name="Content Placeholder 2"/>
+          <p:cNvSpPr>
+            <a:spLocks noGrp="1"/>
+          </p:cNvSpPr>
+          <p:nvPr>
+            <p:ph idx="1"/>
+          </p:nvPr>
+        </p:nvSpPr>
+        <p:spPr/>
+        <p:txBody>
+          <a:bodyPr/>
+          <a:lstStyle/>
+          <a:p>
+            <a:pPr marL="0" indent="0" algn="ctr" fontAlgn="base">
+              <a:buNone/>
+            </a:pPr>
+            <a:r>
+              <a:rPr lang="en-US" cap="all" dirty="0"/>
+              <a:t>THERE ARE ONLY 10 TYPES</a:t>
+            </a:r>
+          </a:p>
+          <a:p>
+            <a:pPr marL="0" indent="0" algn="ctr" fontAlgn="base">
+              <a:buNone/>
+            </a:pPr>
+            <a:r>
+              <a:rPr lang="en-US" cap="all" dirty="0"/>
+              <a:t>OF PEOPLE IN THE WORLD:</a:t>
+            </a:r>
+          </a:p>
+          <a:p>
+            <a:pPr marL="0" indent="0" algn="ctr" fontAlgn="base">
+              <a:buNone/>
+            </a:pPr>
+            <a:r>
+              <a:rPr lang="en-US" cap="all" dirty="0"/>
+              <a:t>THOSE WHO UNDERSTAND BINARY</a:t>
+            </a:r>
+          </a:p>
+          <a:p>
+            <a:pPr marL="0" indent="0" algn="ctr" fontAlgn="base">
+              <a:buNone/>
+            </a:pPr>
+            <a:r>
+              <a:rPr lang="en-US" cap="all" dirty="0"/>
+              <a:t>AND THOSE WHO DON'T</a:t>
+            </a:r>
+          </a:p>
+          <a:p>
+            <a:pPr marL="0" indent="0">
+              <a:buNone/>
+            </a:pPr>
+            <a:endParaRPr lang="en-US" dirty="0"/>
+          </a:p>
+        </p:txBody>
+      </p:sp>
+    </p:spTree>
+    <p:extLst>
+      <p:ext uri="{BB962C8B-B14F-4D97-AF65-F5344CB8AC3E}">
+        <p14:creationId xmlns:p14="http://schemas.microsoft.com/office/powerpoint/2010/main" val="617339700"/>
+      </p:ext>
+    </p:extLst>
+  </p:cSld>
+  <p:clrMapOvr>
+    <a:masterClrMapping/>
+  </p:clrMapOvr>
+  <p:timing>
+    <p:tnLst>
+      <p:par>
+        <p:cTn id="1" dur="indefinite" restart="never" nodeType="tmRoot"/>
+      </p:par>
+    </p:tnLst>
+  </p:timing>
+</p:sld>
+</file>
+
+<file path=ppt/slides/slide9.xml><?xml version="1.0" encoding="utf-8"?>
+<p:sld xmlns:a="http://schemas.openxmlformats.org/drawingml/2006/main" xmlns:r="http://schemas.openxmlformats.org/officeDocument/2006/relationships" xmlns:p="http://schemas.openxmlformats.org/presentationml/2006/main">
+  <p:cSld>
+    <p:bg>
+      <p:bgPr>
+        <a:solidFill>
+          <a:schemeClr val="tx1"/>
+        </a:solidFill>
+        <a:effectLst/>
+      </p:bgPr>
+    </p:bg>
+    <p:spTree>
+      <p:nvGrpSpPr>
+        <p:cNvPr id="1" name=""/>
+        <p:cNvGrpSpPr/>
+        <p:nvPr/>
+      </p:nvGrpSpPr>
+      <p:grpSpPr>
+        <a:xfrm>
+          <a:off x="0" y="0"/>
+          <a:ext cx="0" cy="0"/>
+          <a:chOff x="0" y="0"/>
+          <a:chExt cx="0" cy="0"/>
+        </a:xfrm>
+      </p:grpSpPr>
+      <p:pic>
+        <p:nvPicPr>
+          <p:cNvPr id="4" name="Picture 3"/>
+          <p:cNvPicPr>
+            <a:picLocks noChangeAspect="1"/>
+          </p:cNvPicPr>
+          <p:nvPr/>
+        </p:nvPicPr>
+        <p:blipFill>
+          <a:blip r:embed="rId3">
+            <a:extLst>
+              <a:ext uri="{28A0092B-C50C-407E-A947-70E740481C1C}">
+                <a14:useLocalDpi xmlns:a14="http://schemas.microsoft.com/office/drawing/2010/main" val="0"/>
+              </a:ext>
+            </a:extLst>
+          </a:blip>
+          <a:stretch>
+            <a:fillRect/>
+          </a:stretch>
+        </p:blipFill>
+        <p:spPr>
+          <a:xfrm>
+            <a:off x="939800" y="0"/>
+            <a:ext cx="10291020" cy="6858000"/>
+          </a:xfrm>
+          <a:prstGeom prst="rect">
+            <a:avLst/>
+          </a:prstGeom>
+        </p:spPr>
+      </p:pic>
+    </p:spTree>
+    <p:extLst>
+      <p:ext uri="{BB962C8B-B14F-4D97-AF65-F5344CB8AC3E}">
+        <p14:creationId xmlns:p14="http://schemas.microsoft.com/office/powerpoint/2010/main" val="1134839243"/>
+      </p:ext>
+    </p:extLst>
+  </p:cSld>
+  <p:clrMapOvr>
+    <a:masterClrMapping/>
+  </p:clrMapOvr>
+  <p:timing>
+    <p:tnLst>
+      <p:par>
+        <p:cTn id="1" dur="indefinite" restart="never" nodeType="tmRoot"/>
+      </p:par>
+    </p:tnLst>
+  </p:timing>
 </p:sld>
 </file>
 
@@ -3266,4 +12347,265 @@
     </a:ext>
   </a:extLst>
 </a:theme>
+</file>
+
+<file path=ppt/theme/theme2.xml><?xml version="1.0" encoding="utf-8"?>
+<a:theme xmlns:a="http://schemas.openxmlformats.org/drawingml/2006/main" name="Office Theme">
+  <a:themeElements>
+    <a:clrScheme name="Office">
+      <a:dk1>
+        <a:sysClr val="windowText" lastClr="000000"/>
+      </a:dk1>
+      <a:lt1>
+        <a:sysClr val="window" lastClr="FFFFFF"/>
+      </a:lt1>
+      <a:dk2>
+        <a:srgbClr val="44546A"/>
+      </a:dk2>
+      <a:lt2>
+        <a:srgbClr val="E7E6E6"/>
+      </a:lt2>
+      <a:accent1>
+        <a:srgbClr val="4472C4"/>
+      </a:accent1>
+      <a:accent2>
+        <a:srgbClr val="ED7D31"/>
+      </a:accent2>
+      <a:accent3>
+        <a:srgbClr val="A5A5A5"/>
+      </a:accent3>
+      <a:accent4>
+        <a:srgbClr val="FFC000"/>
+      </a:accent4>
+      <a:accent5>
+        <a:srgbClr val="5B9BD5"/>
+      </a:accent5>
+      <a:accent6>
+        <a:srgbClr val="70AD47"/>
+      </a:accent6>
+      <a:hlink>
+        <a:srgbClr val="0563C1"/>
+      </a:hlink>
+      <a:folHlink>
+        <a:srgbClr val="954F72"/>
+      </a:folHlink>
+    </a:clrScheme>
+    <a:fontScheme name="Office">
+      <a:majorFont>
+        <a:latin typeface="Calibri Light" panose="020F0302020204030204"/>
+        <a:ea typeface=""/>
+        <a:cs typeface=""/>
+        <a:font script="Jpan" typeface="Yu Gothic Light"/>
+        <a:font script="Hang" typeface="맑은 고딕"/>
+        <a:font script="Hans" typeface="DengXian Light"/>
+        <a:font script="Hant" typeface="新細明體"/>
+        <a:font script="Arab" typeface="Times New Roman"/>
+        <a:font script="Hebr" typeface="Times New Roman"/>
+        <a:font script="Thai" typeface="Angsana New"/>
+        <a:font script="Ethi" typeface="Nyala"/>
+        <a:font script="Beng" typeface="Vrinda"/>
+        <a:font script="Gujr" typeface="Shruti"/>
+        <a:font script="Khmr" typeface="MoolBoran"/>
+        <a:font script="Knda" typeface="Tunga"/>
+        <a:font script="Guru" typeface="Raavi"/>
+        <a:font script="Cans" typeface="Euphemia"/>
+        <a:font script="Cher" typeface="Plantagenet Cherokee"/>
+        <a:font script="Yiii" typeface="Microsoft Yi Baiti"/>
+        <a:font script="Tibt" typeface="Microsoft Himalaya"/>
+        <a:font script="Thaa" typeface="MV Boli"/>
+        <a:font script="Deva" typeface="Mangal"/>
+        <a:font script="Telu" typeface="Gautami"/>
+        <a:font script="Taml" typeface="Latha"/>
+        <a:font script="Syrc" typeface="Estrangelo Edessa"/>
+        <a:font script="Orya" typeface="Kalinga"/>
+        <a:font script="Mlym" typeface="Kartika"/>
+        <a:font script="Laoo" typeface="DokChampa"/>
+        <a:font script="Sinh" typeface="Iskoola Pota"/>
+        <a:font script="Mong" typeface="Mongolian Baiti"/>
+        <a:font script="Viet" typeface="Times New Roman"/>
+        <a:font script="Uigh" typeface="Microsoft Uighur"/>
+        <a:font script="Geor" typeface="Sylfaen"/>
+      </a:majorFont>
+      <a:minorFont>
+        <a:latin typeface="Calibri" panose="020F0502020204030204"/>
+        <a:ea typeface=""/>
+        <a:cs typeface=""/>
+        <a:font script="Jpan" typeface="Yu Gothic"/>
+        <a:font script="Hang" typeface="맑은 고딕"/>
+        <a:font script="Hans" typeface="DengXian"/>
+        <a:font script="Hant" typeface="新細明體"/>
+        <a:font script="Arab" typeface="Arial"/>
+        <a:font script="Hebr" typeface="Arial"/>
+        <a:font script="Thai" typeface="Cordia New"/>
+        <a:font script="Ethi" typeface="Nyala"/>
+        <a:font script="Beng" typeface="Vrinda"/>
+        <a:font script="Gujr" typeface="Shruti"/>
+        <a:font script="Khmr" typeface="DaunPenh"/>
+        <a:font script="Knda" typeface="Tunga"/>
+        <a:font script="Guru" typeface="Raavi"/>
+        <a:font script="Cans" typeface="Euphemia"/>
+        <a:font script="Cher" typeface="Plantagenet Cherokee"/>
+        <a:font script="Yiii" typeface="Microsoft Yi Baiti"/>
+        <a:font script="Tibt" typeface="Microsoft Himalaya"/>
+        <a:font script="Thaa" typeface="MV Boli"/>
+        <a:font script="Deva" typeface="Mangal"/>
+        <a:font script="Telu" typeface="Gautami"/>
+        <a:font script="Taml" typeface="Latha"/>
+        <a:font script="Syrc" typeface="Estrangelo Edessa"/>
+        <a:font script="Orya" typeface="Kalinga"/>
+        <a:font script="Mlym" typeface="Kartika"/>
+        <a:font script="Laoo" typeface="DokChampa"/>
+        <a:font script="Sinh" typeface="Iskoola Pota"/>
+        <a:font script="Mong" typeface="Mongolian Baiti"/>
+        <a:font script="Viet" typeface="Arial"/>
+        <a:font script="Uigh" typeface="Microsoft Uighur"/>
+        <a:font script="Geor" typeface="Sylfaen"/>
+      </a:minorFont>
+    </a:fontScheme>
+    <a:fmtScheme name="Office">
+      <a:fillStyleLst>
+        <a:solidFill>
+          <a:schemeClr val="phClr"/>
+        </a:solidFill>
+        <a:gradFill rotWithShape="1">
+          <a:gsLst>
+            <a:gs pos="0">
+              <a:schemeClr val="phClr">
+                <a:lumMod val="110000"/>
+                <a:satMod val="105000"/>
+                <a:tint val="67000"/>
+              </a:schemeClr>
+            </a:gs>
+            <a:gs pos="50000">
+              <a:schemeClr val="phClr">
+                <a:lumMod val="105000"/>
+                <a:satMod val="103000"/>
+                <a:tint val="73000"/>
+              </a:schemeClr>
+            </a:gs>
+            <a:gs pos="100000">
+              <a:schemeClr val="phClr">
+                <a:lumMod val="105000"/>
+                <a:satMod val="109000"/>
+                <a:tint val="81000"/>
+              </a:schemeClr>
+            </a:gs>
+          </a:gsLst>
+          <a:lin ang="5400000" scaled="0"/>
+        </a:gradFill>
+        <a:gradFill rotWithShape="1">
+          <a:gsLst>
+            <a:gs pos="0">
+              <a:schemeClr val="phClr">
+                <a:satMod val="103000"/>
+                <a:lumMod val="102000"/>
+                <a:tint val="94000"/>
+              </a:schemeClr>
+            </a:gs>
+            <a:gs pos="50000">
+              <a:schemeClr val="phClr">
+                <a:satMod val="110000"/>
+                <a:lumMod val="100000"/>
+                <a:shade val="100000"/>
+              </a:schemeClr>
+            </a:gs>
+            <a:gs pos="100000">
+              <a:schemeClr val="phClr">
+                <a:lumMod val="99000"/>
+                <a:satMod val="120000"/>
+                <a:shade val="78000"/>
+              </a:schemeClr>
+            </a:gs>
+          </a:gsLst>
+          <a:lin ang="5400000" scaled="0"/>
+        </a:gradFill>
+      </a:fillStyleLst>
+      <a:lnStyleLst>
+        <a:ln w="6350" cap="flat" cmpd="sng" algn="ctr">
+          <a:solidFill>
+            <a:schemeClr val="phClr"/>
+          </a:solidFill>
+          <a:prstDash val="solid"/>
+          <a:miter lim="800000"/>
+        </a:ln>
+        <a:ln w="12700" cap="flat" cmpd="sng" algn="ctr">
+          <a:solidFill>
+            <a:schemeClr val="phClr"/>
+          </a:solidFill>
+          <a:prstDash val="solid"/>
+          <a:miter lim="800000"/>
+        </a:ln>
+        <a:ln w="19050" cap="flat" cmpd="sng" algn="ctr">
+          <a:solidFill>
+            <a:schemeClr val="phClr"/>
+          </a:solidFill>
+          <a:prstDash val="solid"/>
+          <a:miter lim="800000"/>
+        </a:ln>
+      </a:lnStyleLst>
+      <a:effectStyleLst>
+        <a:effectStyle>
+          <a:effectLst/>
+        </a:effectStyle>
+        <a:effectStyle>
+          <a:effectLst/>
+        </a:effectStyle>
+        <a:effectStyle>
+          <a:effectLst>
+            <a:outerShdw blurRad="57150" dist="19050" dir="5400000" algn="ctr" rotWithShape="0">
+              <a:srgbClr val="000000">
+                <a:alpha val="63000"/>
+              </a:srgbClr>
+            </a:outerShdw>
+          </a:effectLst>
+        </a:effectStyle>
+      </a:effectStyleLst>
+      <a:bgFillStyleLst>
+        <a:solidFill>
+          <a:schemeClr val="phClr"/>
+        </a:solidFill>
+        <a:solidFill>
+          <a:schemeClr val="phClr">
+            <a:tint val="95000"/>
+            <a:satMod val="170000"/>
+          </a:schemeClr>
+        </a:solidFill>
+        <a:gradFill rotWithShape="1">
+          <a:gsLst>
+            <a:gs pos="0">
+              <a:schemeClr val="phClr">
+                <a:tint val="93000"/>
+                <a:satMod val="150000"/>
+                <a:shade val="98000"/>
+                <a:lumMod val="102000"/>
+              </a:schemeClr>
+            </a:gs>
+            <a:gs pos="50000">
+              <a:schemeClr val="phClr">
+                <a:tint val="98000"/>
+                <a:satMod val="130000"/>
+                <a:shade val="90000"/>
+                <a:lumMod val="103000"/>
+              </a:schemeClr>
+            </a:gs>
+            <a:gs pos="100000">
+              <a:schemeClr val="phClr">
+                <a:shade val="63000"/>
+                <a:satMod val="120000"/>
+              </a:schemeClr>
+            </a:gs>
+          </a:gsLst>
+          <a:lin ang="5400000" scaled="0"/>
+        </a:gradFill>
+      </a:bgFillStyleLst>
+    </a:fmtScheme>
+  </a:themeElements>
+  <a:objectDefaults/>
+  <a:extraClrSchemeLst/>
+  <a:extLst>
+    <a:ext uri="{05A4C25C-085E-4340-85A3-A5531E510DB2}">
+      <thm15:themeFamily xmlns:thm15="http://schemas.microsoft.com/office/thememl/2012/main" name="Office Theme" id="{62F939B6-93AF-4DB8-9C6B-D6C7DFDC589F}" vid="{4A3C46E8-61CC-4603-A589-7422A47A8E4A}"/>
+    </a:ext>
+  </a:extLst>
+</a:theme>
 </file>